--- a/PPT HUNTER (1).pptx
+++ b/PPT HUNTER (1).pptx
@@ -5,23 +5,24 @@
     <p:sldMasterId id="2147483648" r:id="rId1"/>
   </p:sldMasterIdLst>
   <p:notesMasterIdLst>
-    <p:notesMasterId r:id="rId11"/>
+    <p:notesMasterId r:id="rId12"/>
   </p:notesMasterIdLst>
   <p:sldIdLst>
     <p:sldId id="256" r:id="rId2"/>
-    <p:sldId id="257" r:id="rId3"/>
-    <p:sldId id="258" r:id="rId4"/>
+    <p:sldId id="258" r:id="rId3"/>
+    <p:sldId id="265" r:id="rId4"/>
     <p:sldId id="259" r:id="rId5"/>
-    <p:sldId id="261" r:id="rId6"/>
-    <p:sldId id="262" r:id="rId7"/>
-    <p:sldId id="263" r:id="rId8"/>
-    <p:sldId id="264" r:id="rId9"/>
-    <p:sldId id="260" r:id="rId10"/>
+    <p:sldId id="257" r:id="rId6"/>
+    <p:sldId id="261" r:id="rId7"/>
+    <p:sldId id="262" r:id="rId8"/>
+    <p:sldId id="263" r:id="rId9"/>
+    <p:sldId id="264" r:id="rId10"/>
+    <p:sldId id="260" r:id="rId11"/>
   </p:sldIdLst>
   <p:sldSz cx="9902825" cy="6858000"/>
   <p:notesSz cx="6858000" cy="9144000"/>
   <p:custDataLst>
-    <p:tags r:id="rId12"/>
+    <p:tags r:id="rId13"/>
   </p:custDataLst>
   <p:defaultTextStyle>
     <a:defPPr marR="0" lvl="0" algn="l" rtl="0">
@@ -268,7 +269,7 @@
       </p15:sldGuideLst>
     </p:ext>
     <p:ext uri="http://customooxmlschemas.google.com/">
-      <go:slidesCustomData xmlns="" xmlns:mc="http://schemas.openxmlformats.org/markup-compatibility/2006" xmlns:mv="urn:schemas-microsoft-com:mac:vml" xmlns:c="http://schemas.openxmlformats.org/drawingml/2006/chart" xmlns:dgm="http://schemas.openxmlformats.org/drawingml/2006/diagram" xmlns:o="urn:schemas-microsoft-com:office:office" xmlns:v="urn:schemas-microsoft-com:vml" xmlns:pvml="urn:schemas-microsoft-com:office:powerpoint" xmlns:com="http://schemas.openxmlformats.org/drawingml/2006/compatibility" xmlns:p14="http://schemas.microsoft.com/office/powerpoint/2010/main" xmlns:p15="http://schemas.microsoft.com/office/powerpoint/2012/main" xmlns:ahyp="http://schemas.microsoft.com/office/drawing/2018/hyperlinkcolor" xmlns:go="http://customooxmlschemas.google.com/" r:id="rId13" roundtripDataSignature="AMtx7mgzVOCuRa2lmBSldHvyNdTeCm17Yw=="/>
+      <go:slidesCustomData xmlns="" xmlns:mc="http://schemas.openxmlformats.org/markup-compatibility/2006" xmlns:mv="urn:schemas-microsoft-com:mac:vml" xmlns:c="http://schemas.openxmlformats.org/drawingml/2006/chart" xmlns:dgm="http://schemas.openxmlformats.org/drawingml/2006/diagram" xmlns:o="urn:schemas-microsoft-com:office:office" xmlns:v="urn:schemas-microsoft-com:vml" xmlns:pvml="urn:schemas-microsoft-com:office:powerpoint" xmlns:com="http://schemas.openxmlformats.org/drawingml/2006/compatibility" xmlns:p14="http://schemas.microsoft.com/office/powerpoint/2010/main" xmlns:p15="http://schemas.microsoft.com/office/powerpoint/2012/main" xmlns:ahyp="http://schemas.microsoft.com/office/drawing/2018/hyperlinkcolor" xmlns:go="http://customooxmlschemas.google.com/" r:id="rId14" roundtripDataSignature="AMtx7mgzVOCuRa2lmBSldHvyNdTeCm17Yw=="/>
     </p:ext>
   </p:extLst>
 </p:presentation>
@@ -1571,12 +1572,12 @@
 </p:notes>
 </file>
 
-<file path=ppt/notesSlides/notesSlide2.xml><?xml version="1.0" encoding="utf-8"?>
+<file path=ppt/notesSlides/notesSlide10.xml><?xml version="1.0" encoding="utf-8"?>
 <p:notes xmlns:a="http://schemas.openxmlformats.org/drawingml/2006/main" xmlns:r="http://schemas.openxmlformats.org/officeDocument/2006/relationships" xmlns:p="http://schemas.openxmlformats.org/presentationml/2006/main" showMasterSp="0" showMasterPhAnim="0">
   <p:cSld>
     <p:spTree>
       <p:nvGrpSpPr>
-        <p:cNvPr id="1" name="Shape 57"/>
+        <p:cNvPr id="1" name="Shape 89"/>
         <p:cNvGrpSpPr/>
         <p:nvPr/>
       </p:nvGrpSpPr>
@@ -1590,7 +1591,7 @@
       </p:grpSpPr>
       <p:sp>
         <p:nvSpPr>
-          <p:cNvPr id="58" name="Google Shape;58;p2:notes"/>
+          <p:cNvPr id="90" name="Google Shape;90;p5:notes"/>
           <p:cNvSpPr txBox="1">
             <a:spLocks noGrp="1"/>
           </p:cNvSpPr>
@@ -1628,7 +1629,7 @@
       </p:sp>
       <p:sp>
         <p:nvSpPr>
-          <p:cNvPr id="59" name="Google Shape;59;p2:notes"/>
+          <p:cNvPr id="91" name="Google Shape;91;p5:notes"/>
           <p:cNvSpPr>
             <a:spLocks noGrp="1" noRot="1" noChangeAspect="1"/>
           </p:cNvSpPr>
@@ -1675,7 +1676,7 @@
 </p:notes>
 </file>
 
-<file path=ppt/notesSlides/notesSlide3.xml><?xml version="1.0" encoding="utf-8"?>
+<file path=ppt/notesSlides/notesSlide2.xml><?xml version="1.0" encoding="utf-8"?>
 <p:notes xmlns:a="http://schemas.openxmlformats.org/drawingml/2006/main" xmlns:r="http://schemas.openxmlformats.org/officeDocument/2006/relationships" xmlns:p="http://schemas.openxmlformats.org/presentationml/2006/main" showMasterSp="0" showMasterPhAnim="0">
   <p:cSld>
     <p:spTree>
@@ -1829,13 +1830,122 @@
             </a:pPr>
             <a:fld id="{00000000-1234-1234-1234-123412341234}" type="slidenum">
               <a:rPr lang="en-US"/>
-              <a:t>3</a:t>
+              <a:t>2</a:t>
             </a:fld>
             <a:endParaRPr/>
           </a:p>
         </p:txBody>
       </p:sp>
     </p:spTree>
+  </p:cSld>
+  <p:clrMapOvr>
+    <a:masterClrMapping/>
+  </p:clrMapOvr>
+</p:notes>
+</file>
+
+<file path=ppt/notesSlides/notesSlide3.xml><?xml version="1.0" encoding="utf-8"?>
+<p:notes xmlns:a="http://schemas.openxmlformats.org/drawingml/2006/main" xmlns:r="http://schemas.openxmlformats.org/officeDocument/2006/relationships" xmlns:p="http://schemas.openxmlformats.org/presentationml/2006/main" showMasterSp="0" showMasterPhAnim="0">
+  <p:cSld>
+    <p:spTree>
+      <p:nvGrpSpPr>
+        <p:cNvPr id="1" name="Shape 81"/>
+        <p:cNvGrpSpPr/>
+        <p:nvPr/>
+      </p:nvGrpSpPr>
+      <p:grpSpPr>
+        <a:xfrm>
+          <a:off x="0" y="0"/>
+          <a:ext cx="0" cy="0"/>
+          <a:chOff x="0" y="0"/>
+          <a:chExt cx="0" cy="0"/>
+        </a:xfrm>
+      </p:grpSpPr>
+      <p:sp>
+        <p:nvSpPr>
+          <p:cNvPr id="82" name="Google Shape;82;p4:notes"/>
+          <p:cNvSpPr txBox="1">
+            <a:spLocks noGrp="1"/>
+          </p:cNvSpPr>
+          <p:nvPr>
+            <p:ph type="body" idx="1"/>
+          </p:nvPr>
+        </p:nvSpPr>
+        <p:spPr>
+          <a:xfrm>
+            <a:off x="685800" y="4400550"/>
+            <a:ext cx="5486400" cy="3600450"/>
+          </a:xfrm>
+          <a:prstGeom prst="rect">
+            <a:avLst/>
+          </a:prstGeom>
+        </p:spPr>
+        <p:txBody>
+          <a:bodyPr spcFirstLastPara="1" wrap="square" lIns="91425" tIns="45700" rIns="91425" bIns="45700" anchor="t" anchorCtr="0">
+            <a:noAutofit/>
+          </a:bodyPr>
+          <a:lstStyle/>
+          <a:p>
+            <a:pPr marL="0" lvl="0" indent="0" algn="l" rtl="0">
+              <a:spcBef>
+                <a:spcPts val="0"/>
+              </a:spcBef>
+              <a:spcAft>
+                <a:spcPts val="0"/>
+              </a:spcAft>
+              <a:buNone/>
+            </a:pPr>
+            <a:endParaRPr/>
+          </a:p>
+        </p:txBody>
+      </p:sp>
+      <p:sp>
+        <p:nvSpPr>
+          <p:cNvPr id="83" name="Google Shape;83;p4:notes"/>
+          <p:cNvSpPr>
+            <a:spLocks noGrp="1" noRot="1" noChangeAspect="1"/>
+          </p:cNvSpPr>
+          <p:nvPr>
+            <p:ph type="sldImg" idx="2"/>
+          </p:nvPr>
+        </p:nvSpPr>
+        <p:spPr>
+          <a:xfrm>
+            <a:off x="1200150" y="1143000"/>
+            <a:ext cx="4457700" cy="3086100"/>
+          </a:xfrm>
+          <a:custGeom>
+            <a:avLst/>
+            <a:gdLst/>
+            <a:ahLst/>
+            <a:cxnLst/>
+            <a:rect l="l" t="t" r="r" b="b"/>
+            <a:pathLst>
+              <a:path w="120000" h="120000" extrusionOk="0">
+                <a:moveTo>
+                  <a:pt x="0" y="0"/>
+                </a:moveTo>
+                <a:lnTo>
+                  <a:pt x="120000" y="0"/>
+                </a:lnTo>
+                <a:lnTo>
+                  <a:pt x="120000" y="120000"/>
+                </a:lnTo>
+                <a:lnTo>
+                  <a:pt x="0" y="120000"/>
+                </a:lnTo>
+                <a:close/>
+              </a:path>
+            </a:pathLst>
+          </a:custGeom>
+        </p:spPr>
+      </p:sp>
+    </p:spTree>
+    <p:extLst>
+      <p:ext uri="{BB962C8B-B14F-4D97-AF65-F5344CB8AC3E}">
+        <p14:creationId xmlns:p14="http://schemas.microsoft.com/office/powerpoint/2010/main" val="2503971982"/>
+      </p:ext>
+    </p:extLst>
   </p:cSld>
   <p:clrMapOvr>
     <a:masterClrMapping/>
@@ -1952,6 +2062,110 @@
   <p:cSld>
     <p:spTree>
       <p:nvGrpSpPr>
+        <p:cNvPr id="1" name="Shape 57"/>
+        <p:cNvGrpSpPr/>
+        <p:nvPr/>
+      </p:nvGrpSpPr>
+      <p:grpSpPr>
+        <a:xfrm>
+          <a:off x="0" y="0"/>
+          <a:ext cx="0" cy="0"/>
+          <a:chOff x="0" y="0"/>
+          <a:chExt cx="0" cy="0"/>
+        </a:xfrm>
+      </p:grpSpPr>
+      <p:sp>
+        <p:nvSpPr>
+          <p:cNvPr id="58" name="Google Shape;58;p2:notes"/>
+          <p:cNvSpPr txBox="1">
+            <a:spLocks noGrp="1"/>
+          </p:cNvSpPr>
+          <p:nvPr>
+            <p:ph type="body" idx="1"/>
+          </p:nvPr>
+        </p:nvSpPr>
+        <p:spPr>
+          <a:xfrm>
+            <a:off x="685800" y="4400550"/>
+            <a:ext cx="5486400" cy="3600450"/>
+          </a:xfrm>
+          <a:prstGeom prst="rect">
+            <a:avLst/>
+          </a:prstGeom>
+        </p:spPr>
+        <p:txBody>
+          <a:bodyPr spcFirstLastPara="1" wrap="square" lIns="91425" tIns="45700" rIns="91425" bIns="45700" anchor="t" anchorCtr="0">
+            <a:noAutofit/>
+          </a:bodyPr>
+          <a:lstStyle/>
+          <a:p>
+            <a:pPr marL="0" lvl="0" indent="0" algn="l" rtl="0">
+              <a:spcBef>
+                <a:spcPts val="0"/>
+              </a:spcBef>
+              <a:spcAft>
+                <a:spcPts val="0"/>
+              </a:spcAft>
+              <a:buNone/>
+            </a:pPr>
+            <a:endParaRPr/>
+          </a:p>
+        </p:txBody>
+      </p:sp>
+      <p:sp>
+        <p:nvSpPr>
+          <p:cNvPr id="59" name="Google Shape;59;p2:notes"/>
+          <p:cNvSpPr>
+            <a:spLocks noGrp="1" noRot="1" noChangeAspect="1"/>
+          </p:cNvSpPr>
+          <p:nvPr>
+            <p:ph type="sldImg" idx="2"/>
+          </p:nvPr>
+        </p:nvSpPr>
+        <p:spPr>
+          <a:xfrm>
+            <a:off x="1200150" y="1143000"/>
+            <a:ext cx="4457700" cy="3086100"/>
+          </a:xfrm>
+          <a:custGeom>
+            <a:avLst/>
+            <a:gdLst/>
+            <a:ahLst/>
+            <a:cxnLst/>
+            <a:rect l="l" t="t" r="r" b="b"/>
+            <a:pathLst>
+              <a:path w="120000" h="120000" extrusionOk="0">
+                <a:moveTo>
+                  <a:pt x="0" y="0"/>
+                </a:moveTo>
+                <a:lnTo>
+                  <a:pt x="120000" y="0"/>
+                </a:lnTo>
+                <a:lnTo>
+                  <a:pt x="120000" y="120000"/>
+                </a:lnTo>
+                <a:lnTo>
+                  <a:pt x="0" y="120000"/>
+                </a:lnTo>
+                <a:close/>
+              </a:path>
+            </a:pathLst>
+          </a:custGeom>
+        </p:spPr>
+      </p:sp>
+    </p:spTree>
+  </p:cSld>
+  <p:clrMapOvr>
+    <a:masterClrMapping/>
+  </p:clrMapOvr>
+</p:notes>
+</file>
+
+<file path=ppt/notesSlides/notesSlide6.xml><?xml version="1.0" encoding="utf-8"?>
+<p:notes xmlns:a="http://schemas.openxmlformats.org/drawingml/2006/main" xmlns:r="http://schemas.openxmlformats.org/officeDocument/2006/relationships" xmlns:p="http://schemas.openxmlformats.org/presentationml/2006/main" showMasterSp="0" showMasterPhAnim="0">
+  <p:cSld>
+    <p:spTree>
+      <p:nvGrpSpPr>
         <p:cNvPr id="1" name="Shape 81"/>
         <p:cNvGrpSpPr/>
         <p:nvPr/>
@@ -2056,7 +2270,7 @@
 </p:notes>
 </file>
 
-<file path=ppt/notesSlides/notesSlide6.xml><?xml version="1.0" encoding="utf-8"?>
+<file path=ppt/notesSlides/notesSlide7.xml><?xml version="1.0" encoding="utf-8"?>
 <p:notes xmlns:a="http://schemas.openxmlformats.org/drawingml/2006/main" xmlns:r="http://schemas.openxmlformats.org/officeDocument/2006/relationships" xmlns:p="http://schemas.openxmlformats.org/presentationml/2006/main" showMasterSp="0" showMasterPhAnim="0">
   <p:cSld>
     <p:spTree>
@@ -2165,7 +2379,7 @@
 </p:notes>
 </file>
 
-<file path=ppt/notesSlides/notesSlide7.xml><?xml version="1.0" encoding="utf-8"?>
+<file path=ppt/notesSlides/notesSlide8.xml><?xml version="1.0" encoding="utf-8"?>
 <p:notes xmlns:a="http://schemas.openxmlformats.org/drawingml/2006/main" xmlns:r="http://schemas.openxmlformats.org/officeDocument/2006/relationships" xmlns:p="http://schemas.openxmlformats.org/presentationml/2006/main" showMasterSp="0" showMasterPhAnim="0">
   <p:cSld>
     <p:spTree>
@@ -2274,7 +2488,7 @@
 </p:notes>
 </file>
 
-<file path=ppt/notesSlides/notesSlide8.xml><?xml version="1.0" encoding="utf-8"?>
+<file path=ppt/notesSlides/notesSlide9.xml><?xml version="1.0" encoding="utf-8"?>
 <p:notes xmlns:a="http://schemas.openxmlformats.org/drawingml/2006/main" xmlns:r="http://schemas.openxmlformats.org/officeDocument/2006/relationships" xmlns:p="http://schemas.openxmlformats.org/presentationml/2006/main" showMasterSp="0" showMasterPhAnim="0">
   <p:cSld>
     <p:spTree>
@@ -2376,110 +2590,6 @@
         <p14:creationId xmlns:p14="http://schemas.microsoft.com/office/powerpoint/2010/main" val="1956717555"/>
       </p:ext>
     </p:extLst>
-  </p:cSld>
-  <p:clrMapOvr>
-    <a:masterClrMapping/>
-  </p:clrMapOvr>
-</p:notes>
-</file>
-
-<file path=ppt/notesSlides/notesSlide9.xml><?xml version="1.0" encoding="utf-8"?>
-<p:notes xmlns:a="http://schemas.openxmlformats.org/drawingml/2006/main" xmlns:r="http://schemas.openxmlformats.org/officeDocument/2006/relationships" xmlns:p="http://schemas.openxmlformats.org/presentationml/2006/main" showMasterSp="0" showMasterPhAnim="0">
-  <p:cSld>
-    <p:spTree>
-      <p:nvGrpSpPr>
-        <p:cNvPr id="1" name="Shape 89"/>
-        <p:cNvGrpSpPr/>
-        <p:nvPr/>
-      </p:nvGrpSpPr>
-      <p:grpSpPr>
-        <a:xfrm>
-          <a:off x="0" y="0"/>
-          <a:ext cx="0" cy="0"/>
-          <a:chOff x="0" y="0"/>
-          <a:chExt cx="0" cy="0"/>
-        </a:xfrm>
-      </p:grpSpPr>
-      <p:sp>
-        <p:nvSpPr>
-          <p:cNvPr id="90" name="Google Shape;90;p5:notes"/>
-          <p:cNvSpPr txBox="1">
-            <a:spLocks noGrp="1"/>
-          </p:cNvSpPr>
-          <p:nvPr>
-            <p:ph type="body" idx="1"/>
-          </p:nvPr>
-        </p:nvSpPr>
-        <p:spPr>
-          <a:xfrm>
-            <a:off x="685800" y="4400550"/>
-            <a:ext cx="5486400" cy="3600450"/>
-          </a:xfrm>
-          <a:prstGeom prst="rect">
-            <a:avLst/>
-          </a:prstGeom>
-        </p:spPr>
-        <p:txBody>
-          <a:bodyPr spcFirstLastPara="1" wrap="square" lIns="91425" tIns="45700" rIns="91425" bIns="45700" anchor="t" anchorCtr="0">
-            <a:noAutofit/>
-          </a:bodyPr>
-          <a:lstStyle/>
-          <a:p>
-            <a:pPr marL="0" lvl="0" indent="0" algn="l" rtl="0">
-              <a:spcBef>
-                <a:spcPts val="0"/>
-              </a:spcBef>
-              <a:spcAft>
-                <a:spcPts val="0"/>
-              </a:spcAft>
-              <a:buNone/>
-            </a:pPr>
-            <a:endParaRPr/>
-          </a:p>
-        </p:txBody>
-      </p:sp>
-      <p:sp>
-        <p:nvSpPr>
-          <p:cNvPr id="91" name="Google Shape;91;p5:notes"/>
-          <p:cNvSpPr>
-            <a:spLocks noGrp="1" noRot="1" noChangeAspect="1"/>
-          </p:cNvSpPr>
-          <p:nvPr>
-            <p:ph type="sldImg" idx="2"/>
-          </p:nvPr>
-        </p:nvSpPr>
-        <p:spPr>
-          <a:xfrm>
-            <a:off x="1200150" y="1143000"/>
-            <a:ext cx="4457700" cy="3086100"/>
-          </a:xfrm>
-          <a:custGeom>
-            <a:avLst/>
-            <a:gdLst/>
-            <a:ahLst/>
-            <a:cxnLst/>
-            <a:rect l="l" t="t" r="r" b="b"/>
-            <a:pathLst>
-              <a:path w="120000" h="120000" extrusionOk="0">
-                <a:moveTo>
-                  <a:pt x="0" y="0"/>
-                </a:moveTo>
-                <a:lnTo>
-                  <a:pt x="120000" y="0"/>
-                </a:lnTo>
-                <a:lnTo>
-                  <a:pt x="120000" y="120000"/>
-                </a:lnTo>
-                <a:lnTo>
-                  <a:pt x="0" y="120000"/>
-                </a:lnTo>
-                <a:close/>
-              </a:path>
-            </a:pathLst>
-          </a:custGeom>
-        </p:spPr>
-      </p:sp>
-    </p:spTree>
   </p:cSld>
   <p:clrMapOvr>
     <a:masterClrMapping/>
@@ -8550,12 +8660,12 @@
 </p:sld>
 </file>
 
-<file path=ppt/slides/slide2.xml><?xml version="1.0" encoding="utf-8"?>
+<file path=ppt/slides/slide10.xml><?xml version="1.0" encoding="utf-8"?>
 <p:sld xmlns:a="http://schemas.openxmlformats.org/drawingml/2006/main" xmlns:r="http://schemas.openxmlformats.org/officeDocument/2006/relationships" xmlns:p="http://schemas.openxmlformats.org/presentationml/2006/main">
   <p:cSld>
     <p:spTree>
       <p:nvGrpSpPr>
-        <p:cNvPr id="1" name="Shape 60"/>
+        <p:cNvPr id="1" name="Shape 92"/>
         <p:cNvGrpSpPr/>
         <p:nvPr/>
       </p:nvGrpSpPr>
@@ -8567,233 +8677,6 @@
           <a:chExt cx="0" cy="0"/>
         </a:xfrm>
       </p:grpSpPr>
-      <p:sp>
-        <p:nvSpPr>
-          <p:cNvPr id="61" name="Google Shape;61;p2"/>
-          <p:cNvSpPr txBox="1">
-            <a:spLocks noGrp="1"/>
-          </p:cNvSpPr>
-          <p:nvPr>
-            <p:ph type="body" idx="1"/>
-          </p:nvPr>
-        </p:nvSpPr>
-        <p:spPr>
-          <a:xfrm>
-            <a:off x="974725" y="2315279"/>
-            <a:ext cx="7572925" cy="1329506"/>
-          </a:xfrm>
-          <a:prstGeom prst="rect">
-            <a:avLst/>
-          </a:prstGeom>
-          <a:noFill/>
-          <a:ln>
-            <a:noFill/>
-          </a:ln>
-        </p:spPr>
-        <p:txBody>
-          <a:bodyPr spcFirstLastPara="1" wrap="square" lIns="0" tIns="0" rIns="0" bIns="0" anchor="t" anchorCtr="0">
-            <a:noAutofit/>
-          </a:bodyPr>
-          <a:lstStyle/>
-          <a:p>
-            <a:pPr marL="0" lvl="0" indent="0" algn="l" rtl="0">
-              <a:lnSpc>
-                <a:spcPct val="100000"/>
-              </a:lnSpc>
-              <a:spcBef>
-                <a:spcPts val="0"/>
-              </a:spcBef>
-              <a:spcAft>
-                <a:spcPts val="0"/>
-              </a:spcAft>
-              <a:buClr>
-                <a:schemeClr val="dk1"/>
-              </a:buClr>
-              <a:buSzPts val="4300"/>
-              <a:buNone/>
-            </a:pPr>
-            <a:r>
-              <a:rPr lang="en-US" dirty="0"/>
-              <a:t>HUNTER Chatbot</a:t>
-            </a:r>
-            <a:endParaRPr dirty="0"/>
-          </a:p>
-        </p:txBody>
-      </p:sp>
-      <p:sp>
-        <p:nvSpPr>
-          <p:cNvPr id="62" name="Google Shape;62;p2"/>
-          <p:cNvSpPr/>
-          <p:nvPr/>
-        </p:nvSpPr>
-        <p:spPr>
-          <a:xfrm>
-            <a:off x="945929" y="3065860"/>
-            <a:ext cx="5479711" cy="1231106"/>
-          </a:xfrm>
-          <a:prstGeom prst="rect">
-            <a:avLst/>
-          </a:prstGeom>
-          <a:noFill/>
-          <a:ln>
-            <a:noFill/>
-          </a:ln>
-        </p:spPr>
-        <p:txBody>
-          <a:bodyPr spcFirstLastPara="1" wrap="square" lIns="0" tIns="0" rIns="0" bIns="0" anchor="ctr" anchorCtr="0">
-            <a:spAutoFit/>
-          </a:bodyPr>
-          <a:lstStyle/>
-          <a:p>
-            <a:pPr marL="0" marR="0" lvl="0" indent="0" algn="l" rtl="0">
-              <a:spcBef>
-                <a:spcPts val="0"/>
-              </a:spcBef>
-              <a:spcAft>
-                <a:spcPts val="0"/>
-              </a:spcAft>
-              <a:buNone/>
-            </a:pPr>
-            <a:r>
-              <a:rPr lang="en-US" sz="2000" dirty="0">
-                <a:solidFill>
-                  <a:schemeClr val="dk1"/>
-                </a:solidFill>
-              </a:rPr>
-              <a:t>Hunter Team </a:t>
-            </a:r>
-          </a:p>
-          <a:p>
-            <a:pPr marL="0" marR="0" lvl="0" indent="0" algn="l" rtl="0">
-              <a:spcBef>
-                <a:spcPts val="0"/>
-              </a:spcBef>
-              <a:spcAft>
-                <a:spcPts val="0"/>
-              </a:spcAft>
-              <a:buNone/>
-            </a:pPr>
-            <a:r>
-              <a:rPr lang="en-US" sz="2000" dirty="0">
-                <a:solidFill>
-                  <a:schemeClr val="dk1"/>
-                </a:solidFill>
-              </a:rPr>
-              <a:t>Paulette </a:t>
-            </a:r>
-            <a:r>
-              <a:rPr lang="en-US" sz="2000" dirty="0" err="1">
-                <a:solidFill>
-                  <a:schemeClr val="dk1"/>
-                </a:solidFill>
-              </a:rPr>
-              <a:t>Quiel</a:t>
-            </a:r>
-            <a:r>
-              <a:rPr lang="en-US" sz="2000" dirty="0">
-                <a:solidFill>
-                  <a:schemeClr val="dk1"/>
-                </a:solidFill>
-              </a:rPr>
-              <a:t>, Josue Muñoz y </a:t>
-            </a:r>
-          </a:p>
-          <a:p>
-            <a:pPr marL="0" marR="0" lvl="0" indent="0" algn="l" rtl="0">
-              <a:spcBef>
-                <a:spcPts val="0"/>
-              </a:spcBef>
-              <a:spcAft>
-                <a:spcPts val="0"/>
-              </a:spcAft>
-              <a:buNone/>
-            </a:pPr>
-            <a:r>
-              <a:rPr lang="en-US" sz="2000" dirty="0">
-                <a:solidFill>
-                  <a:schemeClr val="dk1"/>
-                </a:solidFill>
-              </a:rPr>
-              <a:t>Fabiola Mendoza</a:t>
-            </a:r>
-            <a:endParaRPr lang="en-US" sz="5400" dirty="0">
-              <a:solidFill>
-                <a:schemeClr val="dk1"/>
-              </a:solidFill>
-            </a:endParaRPr>
-          </a:p>
-          <a:p>
-            <a:pPr marL="0" marR="0" lvl="0" indent="0" algn="l" rtl="0">
-              <a:spcBef>
-                <a:spcPts val="0"/>
-              </a:spcBef>
-              <a:spcAft>
-                <a:spcPts val="0"/>
-              </a:spcAft>
-              <a:buNone/>
-            </a:pPr>
-            <a:endParaRPr lang="en-US" sz="2000" dirty="0">
-              <a:solidFill>
-                <a:schemeClr val="dk1"/>
-              </a:solidFill>
-            </a:endParaRPr>
-          </a:p>
-        </p:txBody>
-      </p:sp>
-      <p:pic>
-        <p:nvPicPr>
-          <p:cNvPr id="9" name="Imagen 8">
-            <a:extLst>
-              <a:ext uri="{FF2B5EF4-FFF2-40B4-BE49-F238E27FC236}">
-                <a16:creationId xmlns:a16="http://schemas.microsoft.com/office/drawing/2014/main" id="{E6D6269E-E2FC-4DB9-A191-9956A0ECFE64}"/>
-              </a:ext>
-            </a:extLst>
-          </p:cNvPr>
-          <p:cNvPicPr>
-            <a:picLocks noChangeAspect="1"/>
-          </p:cNvPicPr>
-          <p:nvPr/>
-        </p:nvPicPr>
-        <p:blipFill>
-          <a:blip r:embed="rId4"/>
-          <a:stretch>
-            <a:fillRect/>
-          </a:stretch>
-        </p:blipFill>
-        <p:spPr>
-          <a:xfrm>
-            <a:off x="5053246" y="3570685"/>
-            <a:ext cx="2744788" cy="2110873"/>
-          </a:xfrm>
-          <a:prstGeom prst="roundRect">
-            <a:avLst>
-              <a:gd name="adj" fmla="val 16667"/>
-            </a:avLst>
-          </a:prstGeom>
-          <a:ln>
-            <a:noFill/>
-          </a:ln>
-          <a:effectLst>
-            <a:outerShdw blurRad="76200" dist="38100" dir="7800000" algn="tl" rotWithShape="0">
-              <a:srgbClr val="000000">
-                <a:alpha val="40000"/>
-              </a:srgbClr>
-            </a:outerShdw>
-          </a:effectLst>
-          <a:scene3d>
-            <a:camera prst="orthographicFront"/>
-            <a:lightRig rig="contrasting" dir="t">
-              <a:rot lat="0" lon="0" rev="4200000"/>
-            </a:lightRig>
-          </a:scene3d>
-          <a:sp3d prstMaterial="plastic">
-            <a:bevelT w="381000" h="114300" prst="relaxedInset"/>
-            <a:contourClr>
-              <a:srgbClr val="969696"/>
-            </a:contourClr>
-          </a:sp3d>
-        </p:spPr>
-      </p:pic>
     </p:spTree>
     <p:custDataLst>
       <p:tags r:id="rId1"/>
@@ -8805,7 +8688,7 @@
 </p:sld>
 </file>
 
-<file path=ppt/slides/slide3.xml><?xml version="1.0" encoding="utf-8"?>
+<file path=ppt/slides/slide2.xml><?xml version="1.0" encoding="utf-8"?>
 <p:sld xmlns:a="http://schemas.openxmlformats.org/drawingml/2006/main" xmlns:r="http://schemas.openxmlformats.org/officeDocument/2006/relationships" xmlns:p="http://schemas.openxmlformats.org/presentationml/2006/main">
   <p:cSld>
     <p:spTree>
@@ -9461,7 +9344,4775 @@
 </p:sld>
 </file>
 
+<file path=ppt/slides/slide3.xml><?xml version="1.0" encoding="utf-8"?>
+<p:sld xmlns:a="http://schemas.openxmlformats.org/drawingml/2006/main" xmlns:r="http://schemas.openxmlformats.org/officeDocument/2006/relationships" xmlns:p="http://schemas.openxmlformats.org/presentationml/2006/main">
+  <p:cSld>
+    <p:spTree>
+      <p:nvGrpSpPr>
+        <p:cNvPr id="1" name="Shape 84"/>
+        <p:cNvGrpSpPr/>
+        <p:nvPr/>
+      </p:nvGrpSpPr>
+      <p:grpSpPr>
+        <a:xfrm>
+          <a:off x="0" y="0"/>
+          <a:ext cx="0" cy="0"/>
+          <a:chOff x="0" y="0"/>
+          <a:chExt cx="0" cy="0"/>
+        </a:xfrm>
+      </p:grpSpPr>
+      <p:sp>
+        <p:nvSpPr>
+          <p:cNvPr id="88" name="Google Shape;88;p4"/>
+          <p:cNvSpPr txBox="1"/>
+          <p:nvPr/>
+        </p:nvSpPr>
+        <p:spPr>
+          <a:xfrm>
+            <a:off x="449467" y="307412"/>
+            <a:ext cx="8541187" cy="430887"/>
+          </a:xfrm>
+          <a:prstGeom prst="rect">
+            <a:avLst/>
+          </a:prstGeom>
+          <a:noFill/>
+          <a:ln>
+            <a:noFill/>
+          </a:ln>
+        </p:spPr>
+        <p:txBody>
+          <a:bodyPr spcFirstLastPara="1" wrap="square" lIns="0" tIns="0" rIns="0" bIns="0" anchor="t" anchorCtr="0">
+            <a:spAutoFit/>
+          </a:bodyPr>
+          <a:lstStyle/>
+          <a:p>
+            <a:pPr lvl="1">
+              <a:buClr>
+                <a:schemeClr val="lt1"/>
+              </a:buClr>
+              <a:buSzPts val="2800"/>
+            </a:pPr>
+            <a:r>
+              <a:rPr lang="en-US" sz="2800" dirty="0">
+                <a:solidFill>
+                  <a:schemeClr val="lt1"/>
+                </a:solidFill>
+              </a:rPr>
+              <a:t>¿</a:t>
+            </a:r>
+            <a:r>
+              <a:rPr lang="en-US" sz="2800" dirty="0" err="1">
+                <a:solidFill>
+                  <a:schemeClr val="lt1"/>
+                </a:solidFill>
+              </a:rPr>
+              <a:t>Sabían</a:t>
+            </a:r>
+            <a:r>
+              <a:rPr lang="en-US" sz="2800" dirty="0">
+                <a:solidFill>
+                  <a:schemeClr val="lt1"/>
+                </a:solidFill>
+              </a:rPr>
+              <a:t> que….</a:t>
+            </a:r>
+            <a:endParaRPr lang="en-US" sz="2800" dirty="0">
+              <a:solidFill>
+                <a:schemeClr val="lt1"/>
+              </a:solidFill>
+              <a:latin typeface="Arial"/>
+              <a:ea typeface="Arial"/>
+              <a:cs typeface="Arial"/>
+              <a:sym typeface="Arial"/>
+            </a:endParaRPr>
+          </a:p>
+        </p:txBody>
+      </p:sp>
+      <p:sp>
+        <p:nvSpPr>
+          <p:cNvPr id="6" name="Elipse 5">
+            <a:extLst>
+              <a:ext uri="{FF2B5EF4-FFF2-40B4-BE49-F238E27FC236}">
+                <a16:creationId xmlns:a16="http://schemas.microsoft.com/office/drawing/2014/main" id="{550E934E-389F-4B4D-BB94-0CACD8723300}"/>
+              </a:ext>
+            </a:extLst>
+          </p:cNvPr>
+          <p:cNvSpPr/>
+          <p:nvPr/>
+        </p:nvSpPr>
+        <p:spPr>
+          <a:xfrm>
+            <a:off x="281884" y="1003347"/>
+            <a:ext cx="3334781" cy="3829050"/>
+          </a:xfrm>
+          <a:prstGeom prst="ellipse">
+            <a:avLst/>
+          </a:prstGeom>
+          <a:solidFill>
+            <a:srgbClr val="002060"/>
+          </a:solidFill>
+          <a:ln>
+            <a:solidFill>
+              <a:srgbClr val="002060"/>
+            </a:solidFill>
+          </a:ln>
+        </p:spPr>
+        <p:style>
+          <a:lnRef idx="2">
+            <a:schemeClr val="accent1">
+              <a:shade val="50000"/>
+            </a:schemeClr>
+          </a:lnRef>
+          <a:fillRef idx="1">
+            <a:schemeClr val="accent1"/>
+          </a:fillRef>
+          <a:effectRef idx="0">
+            <a:schemeClr val="accent1"/>
+          </a:effectRef>
+          <a:fontRef idx="minor">
+            <a:schemeClr val="lt1"/>
+          </a:fontRef>
+        </p:style>
+        <p:txBody>
+          <a:bodyPr rtlCol="0" anchor="ctr"/>
+          <a:lstStyle/>
+          <a:p>
+            <a:pPr algn="ctr"/>
+            <a:endParaRPr lang="es-PA"/>
+          </a:p>
+        </p:txBody>
+      </p:sp>
+      <p:pic>
+        <p:nvPicPr>
+          <p:cNvPr id="2050" name="Picture 2" descr="News">
+            <a:extLst>
+              <a:ext uri="{FF2B5EF4-FFF2-40B4-BE49-F238E27FC236}">
+                <a16:creationId xmlns:a16="http://schemas.microsoft.com/office/drawing/2014/main" id="{AC395271-0B89-4B1C-875C-6A890B2505C9}"/>
+              </a:ext>
+            </a:extLst>
+          </p:cNvPr>
+          <p:cNvPicPr>
+            <a:picLocks noChangeAspect="1" noChangeArrowheads="1"/>
+          </p:cNvPicPr>
+          <p:nvPr/>
+        </p:nvPicPr>
+        <p:blipFill>
+          <a:blip r:embed="rId4">
+            <a:extLst>
+              <a:ext uri="{28A0092B-C50C-407E-A947-70E740481C1C}">
+                <a14:useLocalDpi xmlns:a14="http://schemas.microsoft.com/office/drawing/2010/main" val="0"/>
+              </a:ext>
+            </a:extLst>
+          </a:blip>
+          <a:srcRect/>
+          <a:stretch>
+            <a:fillRect/>
+          </a:stretch>
+        </p:blipFill>
+        <p:spPr bwMode="auto">
+          <a:xfrm>
+            <a:off x="449467" y="1235169"/>
+            <a:ext cx="3017633" cy="3365406"/>
+          </a:xfrm>
+          <a:prstGeom prst="ellipse">
+            <a:avLst/>
+          </a:prstGeom>
+          <a:ln>
+            <a:noFill/>
+          </a:ln>
+          <a:effectLst>
+            <a:softEdge rad="112500"/>
+          </a:effectLst>
+          <a:extLst>
+            <a:ext uri="{909E8E84-426E-40DD-AFC4-6F175D3DCCD1}">
+              <a14:hiddenFill xmlns:a14="http://schemas.microsoft.com/office/drawing/2010/main">
+                <a:solidFill>
+                  <a:srgbClr val="FFFFFF"/>
+                </a:solidFill>
+              </a14:hiddenFill>
+            </a:ext>
+          </a:extLst>
+        </p:spPr>
+      </p:pic>
+      <p:sp>
+        <p:nvSpPr>
+          <p:cNvPr id="12" name="Google Shape;86;p4">
+            <a:extLst>
+              <a:ext uri="{FF2B5EF4-FFF2-40B4-BE49-F238E27FC236}">
+                <a16:creationId xmlns:a16="http://schemas.microsoft.com/office/drawing/2014/main" id="{5BE0C1FD-0676-4514-88AD-6F9A4FC6C963}"/>
+              </a:ext>
+            </a:extLst>
+          </p:cNvPr>
+          <p:cNvSpPr txBox="1">
+            <a:spLocks/>
+          </p:cNvSpPr>
+          <p:nvPr/>
+        </p:nvSpPr>
+        <p:spPr>
+          <a:xfrm>
+            <a:off x="4951412" y="1457887"/>
+            <a:ext cx="4339275" cy="4333313"/>
+          </a:xfrm>
+          <a:prstGeom prst="rect">
+            <a:avLst/>
+          </a:prstGeom>
+          <a:noFill/>
+          <a:ln>
+            <a:noFill/>
+          </a:ln>
+        </p:spPr>
+        <p:txBody>
+          <a:bodyPr spcFirstLastPara="1" wrap="square" lIns="0" tIns="0" rIns="0" bIns="0" anchor="t" anchorCtr="0">
+            <a:noAutofit/>
+          </a:bodyPr>
+          <a:lstStyle>
+            <a:defPPr marR="0" lvl="0" algn="l" rtl="0">
+              <a:lnSpc>
+                <a:spcPct val="100000"/>
+              </a:lnSpc>
+              <a:spcBef>
+                <a:spcPts val="0"/>
+              </a:spcBef>
+              <a:spcAft>
+                <a:spcPts val="0"/>
+              </a:spcAft>
+            </a:defPPr>
+            <a:lvl1pPr marL="457200" marR="0" lvl="0" indent="-321945" algn="l" rtl="0">
+              <a:lnSpc>
+                <a:spcPct val="128571"/>
+              </a:lnSpc>
+              <a:spcBef>
+                <a:spcPts val="1000"/>
+              </a:spcBef>
+              <a:spcAft>
+                <a:spcPts val="0"/>
+              </a:spcAft>
+              <a:buClr>
+                <a:srgbClr val="262626"/>
+              </a:buClr>
+              <a:buSzPts val="1470"/>
+              <a:buFont typeface="Arial"/>
+              <a:buChar char="•"/>
+              <a:defRPr sz="1400" b="0" i="0" u="none" strike="noStrike" cap="none">
+                <a:solidFill>
+                  <a:srgbClr val="262626"/>
+                </a:solidFill>
+                <a:latin typeface="Arial"/>
+                <a:ea typeface="Arial"/>
+                <a:cs typeface="Arial"/>
+                <a:sym typeface="Arial"/>
+              </a:defRPr>
+            </a:lvl1pPr>
+            <a:lvl2pPr marL="914400" marR="0" lvl="1" indent="-294640" algn="l" rtl="0">
+              <a:lnSpc>
+                <a:spcPct val="138461"/>
+              </a:lnSpc>
+              <a:spcBef>
+                <a:spcPts val="500"/>
+              </a:spcBef>
+              <a:spcAft>
+                <a:spcPts val="0"/>
+              </a:spcAft>
+              <a:buClr>
+                <a:srgbClr val="262626"/>
+              </a:buClr>
+              <a:buSzPts val="1040"/>
+              <a:buFont typeface="Arial"/>
+              <a:buChar char="•"/>
+              <a:defRPr sz="1300" b="0" i="0" u="none" strike="noStrike" cap="none">
+                <a:solidFill>
+                  <a:srgbClr val="262626"/>
+                </a:solidFill>
+                <a:latin typeface="Arial"/>
+                <a:ea typeface="Arial"/>
+                <a:cs typeface="Arial"/>
+                <a:sym typeface="Arial"/>
+              </a:defRPr>
+            </a:lvl2pPr>
+            <a:lvl3pPr marL="1371600" marR="0" lvl="2" indent="-355600" algn="l" rtl="0">
+              <a:lnSpc>
+                <a:spcPct val="90000"/>
+              </a:lnSpc>
+              <a:spcBef>
+                <a:spcPts val="500"/>
+              </a:spcBef>
+              <a:spcAft>
+                <a:spcPts val="0"/>
+              </a:spcAft>
+              <a:buClr>
+                <a:schemeClr val="dk1"/>
+              </a:buClr>
+              <a:buSzPts val="2000"/>
+              <a:buFont typeface="Arial"/>
+              <a:buChar char="•"/>
+              <a:defRPr sz="2000" b="0" i="0" u="none" strike="noStrike" cap="none">
+                <a:solidFill>
+                  <a:schemeClr val="dk1"/>
+                </a:solidFill>
+                <a:latin typeface="Calibri"/>
+                <a:ea typeface="Calibri"/>
+                <a:cs typeface="Calibri"/>
+                <a:sym typeface="Calibri"/>
+              </a:defRPr>
+            </a:lvl3pPr>
+            <a:lvl4pPr marL="1828800" marR="0" lvl="3" indent="-342900" algn="l" rtl="0">
+              <a:lnSpc>
+                <a:spcPct val="90000"/>
+              </a:lnSpc>
+              <a:spcBef>
+                <a:spcPts val="500"/>
+              </a:spcBef>
+              <a:spcAft>
+                <a:spcPts val="0"/>
+              </a:spcAft>
+              <a:buClr>
+                <a:schemeClr val="dk1"/>
+              </a:buClr>
+              <a:buSzPts val="1800"/>
+              <a:buFont typeface="Arial"/>
+              <a:buChar char="•"/>
+              <a:defRPr sz="1800" b="0" i="0" u="none" strike="noStrike" cap="none">
+                <a:solidFill>
+                  <a:schemeClr val="dk1"/>
+                </a:solidFill>
+                <a:latin typeface="Calibri"/>
+                <a:ea typeface="Calibri"/>
+                <a:cs typeface="Calibri"/>
+                <a:sym typeface="Calibri"/>
+              </a:defRPr>
+            </a:lvl4pPr>
+            <a:lvl5pPr marL="2286000" marR="0" lvl="4" indent="-342900" algn="l" rtl="0">
+              <a:lnSpc>
+                <a:spcPct val="90000"/>
+              </a:lnSpc>
+              <a:spcBef>
+                <a:spcPts val="500"/>
+              </a:spcBef>
+              <a:spcAft>
+                <a:spcPts val="0"/>
+              </a:spcAft>
+              <a:buClr>
+                <a:schemeClr val="dk1"/>
+              </a:buClr>
+              <a:buSzPts val="1800"/>
+              <a:buFont typeface="Arial"/>
+              <a:buChar char="•"/>
+              <a:defRPr sz="1800" b="0" i="0" u="none" strike="noStrike" cap="none">
+                <a:solidFill>
+                  <a:schemeClr val="dk1"/>
+                </a:solidFill>
+                <a:latin typeface="Calibri"/>
+                <a:ea typeface="Calibri"/>
+                <a:cs typeface="Calibri"/>
+                <a:sym typeface="Calibri"/>
+              </a:defRPr>
+            </a:lvl5pPr>
+            <a:lvl6pPr marL="2743200" marR="0" lvl="5" indent="-342900" algn="l" rtl="0">
+              <a:lnSpc>
+                <a:spcPct val="90000"/>
+              </a:lnSpc>
+              <a:spcBef>
+                <a:spcPts val="500"/>
+              </a:spcBef>
+              <a:spcAft>
+                <a:spcPts val="0"/>
+              </a:spcAft>
+              <a:buClr>
+                <a:schemeClr val="dk1"/>
+              </a:buClr>
+              <a:buSzPts val="1800"/>
+              <a:buFont typeface="Arial"/>
+              <a:buChar char="•"/>
+              <a:defRPr sz="1800" b="0" i="0" u="none" strike="noStrike" cap="none">
+                <a:solidFill>
+                  <a:schemeClr val="dk1"/>
+                </a:solidFill>
+                <a:latin typeface="Calibri"/>
+                <a:ea typeface="Calibri"/>
+                <a:cs typeface="Calibri"/>
+                <a:sym typeface="Calibri"/>
+              </a:defRPr>
+            </a:lvl6pPr>
+            <a:lvl7pPr marL="3200400" marR="0" lvl="6" indent="-342900" algn="l" rtl="0">
+              <a:lnSpc>
+                <a:spcPct val="90000"/>
+              </a:lnSpc>
+              <a:spcBef>
+                <a:spcPts val="500"/>
+              </a:spcBef>
+              <a:spcAft>
+                <a:spcPts val="0"/>
+              </a:spcAft>
+              <a:buClr>
+                <a:schemeClr val="dk1"/>
+              </a:buClr>
+              <a:buSzPts val="1800"/>
+              <a:buFont typeface="Arial"/>
+              <a:buChar char="•"/>
+              <a:defRPr sz="1800" b="0" i="0" u="none" strike="noStrike" cap="none">
+                <a:solidFill>
+                  <a:schemeClr val="dk1"/>
+                </a:solidFill>
+                <a:latin typeface="Calibri"/>
+                <a:ea typeface="Calibri"/>
+                <a:cs typeface="Calibri"/>
+                <a:sym typeface="Calibri"/>
+              </a:defRPr>
+            </a:lvl7pPr>
+            <a:lvl8pPr marL="3657600" marR="0" lvl="7" indent="-342900" algn="l" rtl="0">
+              <a:lnSpc>
+                <a:spcPct val="90000"/>
+              </a:lnSpc>
+              <a:spcBef>
+                <a:spcPts val="500"/>
+              </a:spcBef>
+              <a:spcAft>
+                <a:spcPts val="0"/>
+              </a:spcAft>
+              <a:buClr>
+                <a:schemeClr val="dk1"/>
+              </a:buClr>
+              <a:buSzPts val="1800"/>
+              <a:buFont typeface="Arial"/>
+              <a:buChar char="•"/>
+              <a:defRPr sz="1800" b="0" i="0" u="none" strike="noStrike" cap="none">
+                <a:solidFill>
+                  <a:schemeClr val="dk1"/>
+                </a:solidFill>
+                <a:latin typeface="Calibri"/>
+                <a:ea typeface="Calibri"/>
+                <a:cs typeface="Calibri"/>
+                <a:sym typeface="Calibri"/>
+              </a:defRPr>
+            </a:lvl8pPr>
+            <a:lvl9pPr marL="4114800" marR="0" lvl="8" indent="-342900" algn="l" rtl="0">
+              <a:lnSpc>
+                <a:spcPct val="90000"/>
+              </a:lnSpc>
+              <a:spcBef>
+                <a:spcPts val="500"/>
+              </a:spcBef>
+              <a:spcAft>
+                <a:spcPts val="0"/>
+              </a:spcAft>
+              <a:buClr>
+                <a:schemeClr val="dk1"/>
+              </a:buClr>
+              <a:buSzPts val="1800"/>
+              <a:buFont typeface="Arial"/>
+              <a:buChar char="•"/>
+              <a:defRPr sz="1800" b="0" i="0" u="none" strike="noStrike" cap="none">
+                <a:solidFill>
+                  <a:schemeClr val="dk1"/>
+                </a:solidFill>
+                <a:latin typeface="Calibri"/>
+                <a:ea typeface="Calibri"/>
+                <a:cs typeface="Calibri"/>
+                <a:sym typeface="Calibri"/>
+              </a:defRPr>
+            </a:lvl9pPr>
+          </a:lstStyle>
+          <a:p>
+            <a:pPr algn="just"/>
+            <a:r>
+              <a:rPr lang="es-MX" sz="1800" dirty="0">
+                <a:solidFill>
+                  <a:srgbClr val="000000"/>
+                </a:solidFill>
+                <a:latin typeface="+mn-lt"/>
+              </a:rPr>
+              <a:t>La</a:t>
+            </a:r>
+            <a:r>
+              <a:rPr lang="es-MX" sz="1800" b="0" i="0" u="none" strike="noStrike" dirty="0">
+                <a:solidFill>
+                  <a:srgbClr val="000000"/>
+                </a:solidFill>
+                <a:effectLst/>
+                <a:latin typeface="+mn-lt"/>
+              </a:rPr>
+              <a:t>s personas gastaron $211,400 millones en las compras por internet durante 2021.</a:t>
+            </a:r>
+          </a:p>
+          <a:p>
+            <a:pPr algn="just"/>
+            <a:endParaRPr lang="es-MX" sz="1800" dirty="0">
+              <a:solidFill>
+                <a:srgbClr val="000000"/>
+              </a:solidFill>
+              <a:latin typeface="+mn-lt"/>
+            </a:endParaRPr>
+          </a:p>
+          <a:p>
+            <a:pPr algn="just"/>
+            <a:r>
+              <a:rPr lang="es-MX" sz="1800" dirty="0">
+                <a:solidFill>
+                  <a:srgbClr val="000000"/>
+                </a:solidFill>
+                <a:latin typeface="+mn-lt"/>
+              </a:rPr>
+              <a:t>Genera un aumento del 10% con respecto al 2020.</a:t>
+            </a:r>
+          </a:p>
+          <a:p>
+            <a:pPr algn="just"/>
+            <a:endParaRPr lang="es-MX" sz="1800" dirty="0">
+              <a:solidFill>
+                <a:srgbClr val="000000"/>
+              </a:solidFill>
+              <a:latin typeface="+mn-lt"/>
+            </a:endParaRPr>
+          </a:p>
+          <a:p>
+            <a:pPr algn="just"/>
+            <a:r>
+              <a:rPr lang="es-MX" sz="1800" dirty="0">
+                <a:solidFill>
+                  <a:srgbClr val="000000"/>
+                </a:solidFill>
+                <a:latin typeface="+mn-lt"/>
+              </a:rPr>
+              <a:t>Panamá ocupa el 2do país de la región con mayor comercio digital.</a:t>
+            </a:r>
+            <a:endParaRPr lang="es-MX" dirty="0">
+              <a:latin typeface="+mn-lt"/>
+            </a:endParaRPr>
+          </a:p>
+        </p:txBody>
+      </p:sp>
+      <p:sp>
+        <p:nvSpPr>
+          <p:cNvPr id="15" name="Elipse 14">
+            <a:extLst>
+              <a:ext uri="{FF2B5EF4-FFF2-40B4-BE49-F238E27FC236}">
+                <a16:creationId xmlns:a16="http://schemas.microsoft.com/office/drawing/2014/main" id="{BAAA7D9C-AA8D-41C2-B12B-219A6C15C06B}"/>
+              </a:ext>
+            </a:extLst>
+          </p:cNvPr>
+          <p:cNvSpPr/>
+          <p:nvPr/>
+        </p:nvSpPr>
+        <p:spPr>
+          <a:xfrm>
+            <a:off x="1405242" y="3842641"/>
+            <a:ext cx="3646283" cy="2443153"/>
+          </a:xfrm>
+          <a:prstGeom prst="ellipse">
+            <a:avLst/>
+          </a:prstGeom>
+          <a:solidFill>
+            <a:srgbClr val="002060"/>
+          </a:solidFill>
+          <a:ln>
+            <a:solidFill>
+              <a:srgbClr val="002060"/>
+            </a:solidFill>
+          </a:ln>
+        </p:spPr>
+        <p:style>
+          <a:lnRef idx="2">
+            <a:schemeClr val="accent1">
+              <a:shade val="50000"/>
+            </a:schemeClr>
+          </a:lnRef>
+          <a:fillRef idx="1">
+            <a:schemeClr val="accent1"/>
+          </a:fillRef>
+          <a:effectRef idx="0">
+            <a:schemeClr val="accent1"/>
+          </a:effectRef>
+          <a:fontRef idx="minor">
+            <a:schemeClr val="lt1"/>
+          </a:fontRef>
+        </p:style>
+        <p:txBody>
+          <a:bodyPr rtlCol="0" anchor="ctr"/>
+          <a:lstStyle/>
+          <a:p>
+            <a:pPr algn="ctr"/>
+            <a:r>
+              <a:rPr lang="es-MX" dirty="0"/>
+              <a:t>c</a:t>
+            </a:r>
+            <a:endParaRPr lang="es-PA" dirty="0"/>
+          </a:p>
+        </p:txBody>
+      </p:sp>
+      <p:pic>
+        <p:nvPicPr>
+          <p:cNvPr id="17" name="Picture 4" descr="La revolución de las compras en línea en el 2021">
+            <a:extLst>
+              <a:ext uri="{FF2B5EF4-FFF2-40B4-BE49-F238E27FC236}">
+                <a16:creationId xmlns:a16="http://schemas.microsoft.com/office/drawing/2014/main" id="{7AD24245-3AB2-4707-BAE0-46506A533B41}"/>
+              </a:ext>
+            </a:extLst>
+          </p:cNvPr>
+          <p:cNvPicPr>
+            <a:picLocks noChangeAspect="1" noChangeArrowheads="1"/>
+          </p:cNvPicPr>
+          <p:nvPr/>
+        </p:nvPicPr>
+        <p:blipFill>
+          <a:blip r:embed="rId5">
+            <a:extLst>
+              <a:ext uri="{28A0092B-C50C-407E-A947-70E740481C1C}">
+                <a14:useLocalDpi xmlns:a14="http://schemas.microsoft.com/office/drawing/2010/main" val="0"/>
+              </a:ext>
+            </a:extLst>
+          </a:blip>
+          <a:srcRect/>
+          <a:stretch>
+            <a:fillRect/>
+          </a:stretch>
+        </p:blipFill>
+        <p:spPr bwMode="auto">
+          <a:xfrm>
+            <a:off x="1584731" y="3919547"/>
+            <a:ext cx="3366681" cy="2289343"/>
+          </a:xfrm>
+          <a:prstGeom prst="ellipse">
+            <a:avLst/>
+          </a:prstGeom>
+          <a:ln>
+            <a:noFill/>
+          </a:ln>
+          <a:effectLst>
+            <a:softEdge rad="112500"/>
+          </a:effectLst>
+          <a:extLst>
+            <a:ext uri="{909E8E84-426E-40DD-AFC4-6F175D3DCCD1}">
+              <a14:hiddenFill xmlns:a14="http://schemas.microsoft.com/office/drawing/2010/main">
+                <a:solidFill>
+                  <a:srgbClr val="FFFFFF"/>
+                </a:solidFill>
+              </a14:hiddenFill>
+            </a:ext>
+          </a:extLst>
+        </p:spPr>
+      </p:pic>
+    </p:spTree>
+    <p:custDataLst>
+      <p:tags r:id="rId1"/>
+    </p:custDataLst>
+    <p:extLst>
+      <p:ext uri="{BB962C8B-B14F-4D97-AF65-F5344CB8AC3E}">
+        <p14:creationId xmlns:p14="http://schemas.microsoft.com/office/powerpoint/2010/main" val="4065200799"/>
+      </p:ext>
+    </p:extLst>
+  </p:cSld>
+  <p:clrMapOvr>
+    <a:masterClrMapping/>
+  </p:clrMapOvr>
+</p:sld>
+</file>
+
 <file path=ppt/slides/slide4.xml><?xml version="1.0" encoding="utf-8"?>
+<p:sld xmlns:a="http://schemas.openxmlformats.org/drawingml/2006/main" xmlns:r="http://schemas.openxmlformats.org/officeDocument/2006/relationships" xmlns:p="http://schemas.openxmlformats.org/presentationml/2006/main">
+  <p:cSld>
+    <p:spTree>
+      <p:nvGrpSpPr>
+        <p:cNvPr id="1" name="Shape 84"/>
+        <p:cNvGrpSpPr/>
+        <p:nvPr/>
+      </p:nvGrpSpPr>
+      <p:grpSpPr>
+        <a:xfrm>
+          <a:off x="0" y="0"/>
+          <a:ext cx="0" cy="0"/>
+          <a:chOff x="0" y="0"/>
+          <a:chExt cx="0" cy="0"/>
+        </a:xfrm>
+      </p:grpSpPr>
+      <p:sp>
+        <p:nvSpPr>
+          <p:cNvPr id="88" name="Google Shape;88;p4"/>
+          <p:cNvSpPr txBox="1"/>
+          <p:nvPr/>
+        </p:nvSpPr>
+        <p:spPr>
+          <a:xfrm>
+            <a:off x="449467" y="307412"/>
+            <a:ext cx="8541187" cy="430887"/>
+          </a:xfrm>
+          <a:prstGeom prst="rect">
+            <a:avLst/>
+          </a:prstGeom>
+          <a:noFill/>
+          <a:ln>
+            <a:noFill/>
+          </a:ln>
+        </p:spPr>
+        <p:txBody>
+          <a:bodyPr spcFirstLastPara="1" wrap="square" lIns="0" tIns="0" rIns="0" bIns="0" anchor="t" anchorCtr="0">
+            <a:spAutoFit/>
+          </a:bodyPr>
+          <a:lstStyle/>
+          <a:p>
+            <a:pPr lvl="1">
+              <a:buClr>
+                <a:schemeClr val="lt1"/>
+              </a:buClr>
+              <a:buSzPts val="2800"/>
+            </a:pPr>
+            <a:r>
+              <a:rPr lang="en-US" sz="2800" dirty="0" err="1">
+                <a:solidFill>
+                  <a:schemeClr val="lt1"/>
+                </a:solidFill>
+              </a:rPr>
+              <a:t>Existe</a:t>
+            </a:r>
+            <a:r>
+              <a:rPr lang="en-US" sz="2800" dirty="0">
+                <a:solidFill>
+                  <a:schemeClr val="lt1"/>
+                </a:solidFill>
+              </a:rPr>
+              <a:t> un grave </a:t>
+            </a:r>
+            <a:r>
+              <a:rPr lang="en-US" sz="2800" dirty="0" err="1">
+                <a:solidFill>
+                  <a:schemeClr val="lt1"/>
+                </a:solidFill>
+              </a:rPr>
+              <a:t>problema</a:t>
+            </a:r>
+            <a:endParaRPr sz="2800" dirty="0">
+              <a:solidFill>
+                <a:schemeClr val="lt1"/>
+              </a:solidFill>
+              <a:latin typeface="Arial"/>
+              <a:ea typeface="Arial"/>
+              <a:cs typeface="Arial"/>
+              <a:sym typeface="Arial"/>
+            </a:endParaRPr>
+          </a:p>
+        </p:txBody>
+      </p:sp>
+      <p:sp>
+        <p:nvSpPr>
+          <p:cNvPr id="10" name="Elipse 9">
+            <a:extLst>
+              <a:ext uri="{FF2B5EF4-FFF2-40B4-BE49-F238E27FC236}">
+                <a16:creationId xmlns:a16="http://schemas.microsoft.com/office/drawing/2014/main" id="{D3CC175F-0219-468D-9378-59D8C0B58623}"/>
+              </a:ext>
+            </a:extLst>
+          </p:cNvPr>
+          <p:cNvSpPr/>
+          <p:nvPr/>
+        </p:nvSpPr>
+        <p:spPr>
+          <a:xfrm flipH="1">
+            <a:off x="5754710" y="1003347"/>
+            <a:ext cx="3334781" cy="3829050"/>
+          </a:xfrm>
+          <a:prstGeom prst="ellipse">
+            <a:avLst/>
+          </a:prstGeom>
+          <a:solidFill>
+            <a:srgbClr val="002060"/>
+          </a:solidFill>
+          <a:ln>
+            <a:solidFill>
+              <a:srgbClr val="002060"/>
+            </a:solidFill>
+          </a:ln>
+        </p:spPr>
+        <p:style>
+          <a:lnRef idx="2">
+            <a:schemeClr val="accent1">
+              <a:shade val="50000"/>
+            </a:schemeClr>
+          </a:lnRef>
+          <a:fillRef idx="1">
+            <a:schemeClr val="accent1"/>
+          </a:fillRef>
+          <a:effectRef idx="0">
+            <a:schemeClr val="accent1"/>
+          </a:effectRef>
+          <a:fontRef idx="minor">
+            <a:schemeClr val="lt1"/>
+          </a:fontRef>
+        </p:style>
+        <p:txBody>
+          <a:bodyPr rtlCol="0" anchor="ctr"/>
+          <a:lstStyle/>
+          <a:p>
+            <a:pPr algn="ctr"/>
+            <a:endParaRPr lang="es-PA"/>
+          </a:p>
+        </p:txBody>
+      </p:sp>
+      <p:pic>
+        <p:nvPicPr>
+          <p:cNvPr id="11" name="Picture 2" descr="reclamar compras internet">
+            <a:extLst>
+              <a:ext uri="{FF2B5EF4-FFF2-40B4-BE49-F238E27FC236}">
+                <a16:creationId xmlns:a16="http://schemas.microsoft.com/office/drawing/2014/main" id="{7AA2CC2D-9DCA-4B34-A31F-934A325F4C2E}"/>
+              </a:ext>
+            </a:extLst>
+          </p:cNvPr>
+          <p:cNvPicPr>
+            <a:picLocks noChangeAspect="1" noChangeArrowheads="1"/>
+          </p:cNvPicPr>
+          <p:nvPr/>
+        </p:nvPicPr>
+        <p:blipFill>
+          <a:blip r:embed="rId4">
+            <a:extLst>
+              <a:ext uri="{28A0092B-C50C-407E-A947-70E740481C1C}">
+                <a14:useLocalDpi xmlns:a14="http://schemas.microsoft.com/office/drawing/2010/main" val="0"/>
+              </a:ext>
+            </a:extLst>
+          </a:blip>
+          <a:srcRect/>
+          <a:stretch>
+            <a:fillRect/>
+          </a:stretch>
+        </p:blipFill>
+        <p:spPr bwMode="auto">
+          <a:xfrm flipH="1">
+            <a:off x="5853546" y="1225609"/>
+            <a:ext cx="3137108" cy="3384526"/>
+          </a:xfrm>
+          <a:prstGeom prst="ellipse">
+            <a:avLst/>
+          </a:prstGeom>
+          <a:ln>
+            <a:noFill/>
+          </a:ln>
+          <a:effectLst>
+            <a:softEdge rad="112500"/>
+          </a:effectLst>
+          <a:extLst>
+            <a:ext uri="{909E8E84-426E-40DD-AFC4-6F175D3DCCD1}">
+              <a14:hiddenFill xmlns:a14="http://schemas.microsoft.com/office/drawing/2010/main">
+                <a:solidFill>
+                  <a:srgbClr val="FFFFFF"/>
+                </a:solidFill>
+              </a14:hiddenFill>
+            </a:ext>
+          </a:extLst>
+        </p:spPr>
+      </p:pic>
+      <p:sp>
+        <p:nvSpPr>
+          <p:cNvPr id="13" name="Elipse 12">
+            <a:extLst>
+              <a:ext uri="{FF2B5EF4-FFF2-40B4-BE49-F238E27FC236}">
+                <a16:creationId xmlns:a16="http://schemas.microsoft.com/office/drawing/2014/main" id="{620DD596-4CE3-4B20-BE84-9E06BC1BB7D8}"/>
+              </a:ext>
+            </a:extLst>
+          </p:cNvPr>
+          <p:cNvSpPr/>
+          <p:nvPr/>
+        </p:nvSpPr>
+        <p:spPr>
+          <a:xfrm flipH="1">
+            <a:off x="7231601" y="4162117"/>
+            <a:ext cx="2203626" cy="2086283"/>
+          </a:xfrm>
+          <a:prstGeom prst="ellipse">
+            <a:avLst/>
+          </a:prstGeom>
+          <a:solidFill>
+            <a:srgbClr val="002060"/>
+          </a:solidFill>
+          <a:ln>
+            <a:solidFill>
+              <a:srgbClr val="002060"/>
+            </a:solidFill>
+          </a:ln>
+        </p:spPr>
+        <p:style>
+          <a:lnRef idx="2">
+            <a:schemeClr val="accent1">
+              <a:shade val="50000"/>
+            </a:schemeClr>
+          </a:lnRef>
+          <a:fillRef idx="1">
+            <a:schemeClr val="accent1"/>
+          </a:fillRef>
+          <a:effectRef idx="0">
+            <a:schemeClr val="accent1"/>
+          </a:effectRef>
+          <a:fontRef idx="minor">
+            <a:schemeClr val="lt1"/>
+          </a:fontRef>
+        </p:style>
+        <p:txBody>
+          <a:bodyPr rtlCol="0" anchor="ctr"/>
+          <a:lstStyle/>
+          <a:p>
+            <a:pPr algn="ctr"/>
+            <a:endParaRPr lang="es-PA"/>
+          </a:p>
+        </p:txBody>
+      </p:sp>
+      <p:pic>
+        <p:nvPicPr>
+          <p:cNvPr id="14" name="Picture 4" descr="Img paquete malestado grande">
+            <a:extLst>
+              <a:ext uri="{FF2B5EF4-FFF2-40B4-BE49-F238E27FC236}">
+                <a16:creationId xmlns:a16="http://schemas.microsoft.com/office/drawing/2014/main" id="{5B8F5ADC-626A-452C-9A48-CAE627D89533}"/>
+              </a:ext>
+            </a:extLst>
+          </p:cNvPr>
+          <p:cNvPicPr>
+            <a:picLocks noChangeAspect="1" noChangeArrowheads="1"/>
+          </p:cNvPicPr>
+          <p:nvPr/>
+        </p:nvPicPr>
+        <p:blipFill>
+          <a:blip r:embed="rId5">
+            <a:extLst>
+              <a:ext uri="{28A0092B-C50C-407E-A947-70E740481C1C}">
+                <a14:useLocalDpi xmlns:a14="http://schemas.microsoft.com/office/drawing/2010/main" val="0"/>
+              </a:ext>
+            </a:extLst>
+          </a:blip>
+          <a:srcRect/>
+          <a:stretch>
+            <a:fillRect/>
+          </a:stretch>
+        </p:blipFill>
+        <p:spPr bwMode="auto">
+          <a:xfrm flipH="1">
+            <a:off x="7384401" y="4215541"/>
+            <a:ext cx="1877958" cy="2032859"/>
+          </a:xfrm>
+          <a:prstGeom prst="ellipse">
+            <a:avLst/>
+          </a:prstGeom>
+          <a:ln>
+            <a:noFill/>
+          </a:ln>
+          <a:effectLst>
+            <a:softEdge rad="112500"/>
+          </a:effectLst>
+          <a:extLst>
+            <a:ext uri="{909E8E84-426E-40DD-AFC4-6F175D3DCCD1}">
+              <a14:hiddenFill xmlns:a14="http://schemas.microsoft.com/office/drawing/2010/main">
+                <a:solidFill>
+                  <a:srgbClr val="FFFFFF"/>
+                </a:solidFill>
+              </a14:hiddenFill>
+            </a:ext>
+          </a:extLst>
+        </p:spPr>
+      </p:pic>
+      <p:sp>
+        <p:nvSpPr>
+          <p:cNvPr id="16" name="Google Shape;86;p4">
+            <a:extLst>
+              <a:ext uri="{FF2B5EF4-FFF2-40B4-BE49-F238E27FC236}">
+                <a16:creationId xmlns:a16="http://schemas.microsoft.com/office/drawing/2014/main" id="{1C9CF7EB-98A5-4C96-BE5B-FF4E1F0D1C1D}"/>
+              </a:ext>
+            </a:extLst>
+          </p:cNvPr>
+          <p:cNvSpPr txBox="1">
+            <a:spLocks/>
+          </p:cNvSpPr>
+          <p:nvPr/>
+        </p:nvSpPr>
+        <p:spPr>
+          <a:xfrm>
+            <a:off x="449467" y="1472175"/>
+            <a:ext cx="4339275" cy="4333313"/>
+          </a:xfrm>
+          <a:prstGeom prst="rect">
+            <a:avLst/>
+          </a:prstGeom>
+          <a:noFill/>
+          <a:ln>
+            <a:noFill/>
+          </a:ln>
+        </p:spPr>
+        <p:txBody>
+          <a:bodyPr spcFirstLastPara="1" wrap="square" lIns="0" tIns="0" rIns="0" bIns="0" anchor="t" anchorCtr="0">
+            <a:noAutofit/>
+          </a:bodyPr>
+          <a:lstStyle>
+            <a:defPPr marR="0" lvl="0" algn="l" rtl="0">
+              <a:lnSpc>
+                <a:spcPct val="100000"/>
+              </a:lnSpc>
+              <a:spcBef>
+                <a:spcPts val="0"/>
+              </a:spcBef>
+              <a:spcAft>
+                <a:spcPts val="0"/>
+              </a:spcAft>
+            </a:defPPr>
+            <a:lvl1pPr marL="457200" marR="0" lvl="0" indent="-321945" algn="l" rtl="0">
+              <a:lnSpc>
+                <a:spcPct val="128571"/>
+              </a:lnSpc>
+              <a:spcBef>
+                <a:spcPts val="1000"/>
+              </a:spcBef>
+              <a:spcAft>
+                <a:spcPts val="0"/>
+              </a:spcAft>
+              <a:buClr>
+                <a:srgbClr val="262626"/>
+              </a:buClr>
+              <a:buSzPts val="1470"/>
+              <a:buFont typeface="Arial"/>
+              <a:buChar char="•"/>
+              <a:defRPr sz="1400" b="0" i="0" u="none" strike="noStrike" cap="none">
+                <a:solidFill>
+                  <a:srgbClr val="262626"/>
+                </a:solidFill>
+                <a:latin typeface="Arial"/>
+                <a:ea typeface="Arial"/>
+                <a:cs typeface="Arial"/>
+                <a:sym typeface="Arial"/>
+              </a:defRPr>
+            </a:lvl1pPr>
+            <a:lvl2pPr marL="914400" marR="0" lvl="1" indent="-294640" algn="l" rtl="0">
+              <a:lnSpc>
+                <a:spcPct val="138461"/>
+              </a:lnSpc>
+              <a:spcBef>
+                <a:spcPts val="500"/>
+              </a:spcBef>
+              <a:spcAft>
+                <a:spcPts val="0"/>
+              </a:spcAft>
+              <a:buClr>
+                <a:srgbClr val="262626"/>
+              </a:buClr>
+              <a:buSzPts val="1040"/>
+              <a:buFont typeface="Arial"/>
+              <a:buChar char="•"/>
+              <a:defRPr sz="1300" b="0" i="0" u="none" strike="noStrike" cap="none">
+                <a:solidFill>
+                  <a:srgbClr val="262626"/>
+                </a:solidFill>
+                <a:latin typeface="Arial"/>
+                <a:ea typeface="Arial"/>
+                <a:cs typeface="Arial"/>
+                <a:sym typeface="Arial"/>
+              </a:defRPr>
+            </a:lvl2pPr>
+            <a:lvl3pPr marL="1371600" marR="0" lvl="2" indent="-355600" algn="l" rtl="0">
+              <a:lnSpc>
+                <a:spcPct val="90000"/>
+              </a:lnSpc>
+              <a:spcBef>
+                <a:spcPts val="500"/>
+              </a:spcBef>
+              <a:spcAft>
+                <a:spcPts val="0"/>
+              </a:spcAft>
+              <a:buClr>
+                <a:schemeClr val="dk1"/>
+              </a:buClr>
+              <a:buSzPts val="2000"/>
+              <a:buFont typeface="Arial"/>
+              <a:buChar char="•"/>
+              <a:defRPr sz="2000" b="0" i="0" u="none" strike="noStrike" cap="none">
+                <a:solidFill>
+                  <a:schemeClr val="dk1"/>
+                </a:solidFill>
+                <a:latin typeface="Calibri"/>
+                <a:ea typeface="Calibri"/>
+                <a:cs typeface="Calibri"/>
+                <a:sym typeface="Calibri"/>
+              </a:defRPr>
+            </a:lvl3pPr>
+            <a:lvl4pPr marL="1828800" marR="0" lvl="3" indent="-342900" algn="l" rtl="0">
+              <a:lnSpc>
+                <a:spcPct val="90000"/>
+              </a:lnSpc>
+              <a:spcBef>
+                <a:spcPts val="500"/>
+              </a:spcBef>
+              <a:spcAft>
+                <a:spcPts val="0"/>
+              </a:spcAft>
+              <a:buClr>
+                <a:schemeClr val="dk1"/>
+              </a:buClr>
+              <a:buSzPts val="1800"/>
+              <a:buFont typeface="Arial"/>
+              <a:buChar char="•"/>
+              <a:defRPr sz="1800" b="0" i="0" u="none" strike="noStrike" cap="none">
+                <a:solidFill>
+                  <a:schemeClr val="dk1"/>
+                </a:solidFill>
+                <a:latin typeface="Calibri"/>
+                <a:ea typeface="Calibri"/>
+                <a:cs typeface="Calibri"/>
+                <a:sym typeface="Calibri"/>
+              </a:defRPr>
+            </a:lvl4pPr>
+            <a:lvl5pPr marL="2286000" marR="0" lvl="4" indent="-342900" algn="l" rtl="0">
+              <a:lnSpc>
+                <a:spcPct val="90000"/>
+              </a:lnSpc>
+              <a:spcBef>
+                <a:spcPts val="500"/>
+              </a:spcBef>
+              <a:spcAft>
+                <a:spcPts val="0"/>
+              </a:spcAft>
+              <a:buClr>
+                <a:schemeClr val="dk1"/>
+              </a:buClr>
+              <a:buSzPts val="1800"/>
+              <a:buFont typeface="Arial"/>
+              <a:buChar char="•"/>
+              <a:defRPr sz="1800" b="0" i="0" u="none" strike="noStrike" cap="none">
+                <a:solidFill>
+                  <a:schemeClr val="dk1"/>
+                </a:solidFill>
+                <a:latin typeface="Calibri"/>
+                <a:ea typeface="Calibri"/>
+                <a:cs typeface="Calibri"/>
+                <a:sym typeface="Calibri"/>
+              </a:defRPr>
+            </a:lvl5pPr>
+            <a:lvl6pPr marL="2743200" marR="0" lvl="5" indent="-342900" algn="l" rtl="0">
+              <a:lnSpc>
+                <a:spcPct val="90000"/>
+              </a:lnSpc>
+              <a:spcBef>
+                <a:spcPts val="500"/>
+              </a:spcBef>
+              <a:spcAft>
+                <a:spcPts val="0"/>
+              </a:spcAft>
+              <a:buClr>
+                <a:schemeClr val="dk1"/>
+              </a:buClr>
+              <a:buSzPts val="1800"/>
+              <a:buFont typeface="Arial"/>
+              <a:buChar char="•"/>
+              <a:defRPr sz="1800" b="0" i="0" u="none" strike="noStrike" cap="none">
+                <a:solidFill>
+                  <a:schemeClr val="dk1"/>
+                </a:solidFill>
+                <a:latin typeface="Calibri"/>
+                <a:ea typeface="Calibri"/>
+                <a:cs typeface="Calibri"/>
+                <a:sym typeface="Calibri"/>
+              </a:defRPr>
+            </a:lvl6pPr>
+            <a:lvl7pPr marL="3200400" marR="0" lvl="6" indent="-342900" algn="l" rtl="0">
+              <a:lnSpc>
+                <a:spcPct val="90000"/>
+              </a:lnSpc>
+              <a:spcBef>
+                <a:spcPts val="500"/>
+              </a:spcBef>
+              <a:spcAft>
+                <a:spcPts val="0"/>
+              </a:spcAft>
+              <a:buClr>
+                <a:schemeClr val="dk1"/>
+              </a:buClr>
+              <a:buSzPts val="1800"/>
+              <a:buFont typeface="Arial"/>
+              <a:buChar char="•"/>
+              <a:defRPr sz="1800" b="0" i="0" u="none" strike="noStrike" cap="none">
+                <a:solidFill>
+                  <a:schemeClr val="dk1"/>
+                </a:solidFill>
+                <a:latin typeface="Calibri"/>
+                <a:ea typeface="Calibri"/>
+                <a:cs typeface="Calibri"/>
+                <a:sym typeface="Calibri"/>
+              </a:defRPr>
+            </a:lvl7pPr>
+            <a:lvl8pPr marL="3657600" marR="0" lvl="7" indent="-342900" algn="l" rtl="0">
+              <a:lnSpc>
+                <a:spcPct val="90000"/>
+              </a:lnSpc>
+              <a:spcBef>
+                <a:spcPts val="500"/>
+              </a:spcBef>
+              <a:spcAft>
+                <a:spcPts val="0"/>
+              </a:spcAft>
+              <a:buClr>
+                <a:schemeClr val="dk1"/>
+              </a:buClr>
+              <a:buSzPts val="1800"/>
+              <a:buFont typeface="Arial"/>
+              <a:buChar char="•"/>
+              <a:defRPr sz="1800" b="0" i="0" u="none" strike="noStrike" cap="none">
+                <a:solidFill>
+                  <a:schemeClr val="dk1"/>
+                </a:solidFill>
+                <a:latin typeface="Calibri"/>
+                <a:ea typeface="Calibri"/>
+                <a:cs typeface="Calibri"/>
+                <a:sym typeface="Calibri"/>
+              </a:defRPr>
+            </a:lvl8pPr>
+            <a:lvl9pPr marL="4114800" marR="0" lvl="8" indent="-342900" algn="l" rtl="0">
+              <a:lnSpc>
+                <a:spcPct val="90000"/>
+              </a:lnSpc>
+              <a:spcBef>
+                <a:spcPts val="500"/>
+              </a:spcBef>
+              <a:spcAft>
+                <a:spcPts val="0"/>
+              </a:spcAft>
+              <a:buClr>
+                <a:schemeClr val="dk1"/>
+              </a:buClr>
+              <a:buSzPts val="1800"/>
+              <a:buFont typeface="Arial"/>
+              <a:buChar char="•"/>
+              <a:defRPr sz="1800" b="0" i="0" u="none" strike="noStrike" cap="none">
+                <a:solidFill>
+                  <a:schemeClr val="dk1"/>
+                </a:solidFill>
+                <a:latin typeface="Calibri"/>
+                <a:ea typeface="Calibri"/>
+                <a:cs typeface="Calibri"/>
+                <a:sym typeface="Calibri"/>
+              </a:defRPr>
+            </a:lvl9pPr>
+          </a:lstStyle>
+          <a:p>
+            <a:pPr algn="just"/>
+            <a:r>
+              <a:rPr lang="es-MX" sz="1800" dirty="0">
+                <a:solidFill>
+                  <a:srgbClr val="000000"/>
+                </a:solidFill>
+                <a:latin typeface="+mn-lt"/>
+              </a:rPr>
+              <a:t>Después de la pandemia, el transportar productos han presentado inconvenientes.</a:t>
+            </a:r>
+            <a:endParaRPr lang="es-MX" sz="1800" b="0" i="0" u="none" strike="noStrike" dirty="0">
+              <a:solidFill>
+                <a:srgbClr val="000000"/>
+              </a:solidFill>
+              <a:effectLst/>
+              <a:latin typeface="+mn-lt"/>
+            </a:endParaRPr>
+          </a:p>
+          <a:p>
+            <a:pPr algn="just"/>
+            <a:endParaRPr lang="es-MX" sz="1800" dirty="0">
+              <a:solidFill>
+                <a:srgbClr val="000000"/>
+              </a:solidFill>
+              <a:latin typeface="+mn-lt"/>
+            </a:endParaRPr>
+          </a:p>
+          <a:p>
+            <a:pPr algn="just"/>
+            <a:r>
+              <a:rPr lang="es-MX" sz="1800" dirty="0">
+                <a:solidFill>
+                  <a:srgbClr val="000000"/>
+                </a:solidFill>
+                <a:latin typeface="+mn-lt"/>
+              </a:rPr>
+              <a:t>Retrasos en las entregas, paquetes incorrectos o con daños visibles.</a:t>
+            </a:r>
+          </a:p>
+          <a:p>
+            <a:pPr algn="just"/>
+            <a:endParaRPr lang="es-MX" sz="1800" dirty="0">
+              <a:solidFill>
+                <a:srgbClr val="000000"/>
+              </a:solidFill>
+              <a:latin typeface="+mn-lt"/>
+            </a:endParaRPr>
+          </a:p>
+          <a:p>
+            <a:pPr algn="just"/>
+            <a:r>
+              <a:rPr lang="es-MX" sz="1800" dirty="0">
+                <a:solidFill>
+                  <a:srgbClr val="000000"/>
+                </a:solidFill>
+                <a:latin typeface="+mn-lt"/>
+              </a:rPr>
+              <a:t>Surge la necesidad de implementar citas de asesoría y cotización de presupuestos.</a:t>
+            </a:r>
+            <a:endParaRPr lang="es-MX" dirty="0">
+              <a:latin typeface="+mn-lt"/>
+            </a:endParaRPr>
+          </a:p>
+        </p:txBody>
+      </p:sp>
+    </p:spTree>
+    <p:custDataLst>
+      <p:tags r:id="rId1"/>
+    </p:custDataLst>
+  </p:cSld>
+  <p:clrMapOvr>
+    <a:masterClrMapping/>
+  </p:clrMapOvr>
+</p:sld>
+</file>
+
+<file path=ppt/slides/slide5.xml><?xml version="1.0" encoding="utf-8"?>
+<p:sld xmlns:a="http://schemas.openxmlformats.org/drawingml/2006/main" xmlns:r="http://schemas.openxmlformats.org/officeDocument/2006/relationships" xmlns:p="http://schemas.openxmlformats.org/presentationml/2006/main">
+  <p:cSld>
+    <p:spTree>
+      <p:nvGrpSpPr>
+        <p:cNvPr id="1" name="Shape 60"/>
+        <p:cNvGrpSpPr/>
+        <p:nvPr/>
+      </p:nvGrpSpPr>
+      <p:grpSpPr>
+        <a:xfrm>
+          <a:off x="0" y="0"/>
+          <a:ext cx="0" cy="0"/>
+          <a:chOff x="0" y="0"/>
+          <a:chExt cx="0" cy="0"/>
+        </a:xfrm>
+      </p:grpSpPr>
+      <p:sp>
+        <p:nvSpPr>
+          <p:cNvPr id="61" name="Google Shape;61;p2"/>
+          <p:cNvSpPr txBox="1">
+            <a:spLocks noGrp="1"/>
+          </p:cNvSpPr>
+          <p:nvPr>
+            <p:ph type="body" idx="1"/>
+          </p:nvPr>
+        </p:nvSpPr>
+        <p:spPr>
+          <a:xfrm>
+            <a:off x="974725" y="2315279"/>
+            <a:ext cx="7572925" cy="1329506"/>
+          </a:xfrm>
+          <a:prstGeom prst="rect">
+            <a:avLst/>
+          </a:prstGeom>
+          <a:noFill/>
+          <a:ln>
+            <a:noFill/>
+          </a:ln>
+        </p:spPr>
+        <p:txBody>
+          <a:bodyPr spcFirstLastPara="1" wrap="square" lIns="0" tIns="0" rIns="0" bIns="0" anchor="t" anchorCtr="0">
+            <a:noAutofit/>
+          </a:bodyPr>
+          <a:lstStyle/>
+          <a:p>
+            <a:pPr marL="0" lvl="0" indent="0" algn="l" rtl="0">
+              <a:lnSpc>
+                <a:spcPct val="100000"/>
+              </a:lnSpc>
+              <a:spcBef>
+                <a:spcPts val="0"/>
+              </a:spcBef>
+              <a:spcAft>
+                <a:spcPts val="0"/>
+              </a:spcAft>
+              <a:buClr>
+                <a:schemeClr val="dk1"/>
+              </a:buClr>
+              <a:buSzPts val="4300"/>
+              <a:buNone/>
+            </a:pPr>
+            <a:r>
+              <a:rPr lang="en-US" dirty="0"/>
+              <a:t>HUNTER Chatbot</a:t>
+            </a:r>
+            <a:endParaRPr dirty="0"/>
+          </a:p>
+        </p:txBody>
+      </p:sp>
+      <p:sp>
+        <p:nvSpPr>
+          <p:cNvPr id="62" name="Google Shape;62;p2"/>
+          <p:cNvSpPr/>
+          <p:nvPr/>
+        </p:nvSpPr>
+        <p:spPr>
+          <a:xfrm>
+            <a:off x="945929" y="3065860"/>
+            <a:ext cx="5479711" cy="1231106"/>
+          </a:xfrm>
+          <a:prstGeom prst="rect">
+            <a:avLst/>
+          </a:prstGeom>
+          <a:noFill/>
+          <a:ln>
+            <a:noFill/>
+          </a:ln>
+        </p:spPr>
+        <p:txBody>
+          <a:bodyPr spcFirstLastPara="1" wrap="square" lIns="0" tIns="0" rIns="0" bIns="0" anchor="ctr" anchorCtr="0">
+            <a:spAutoFit/>
+          </a:bodyPr>
+          <a:lstStyle/>
+          <a:p>
+            <a:pPr marL="0" marR="0" lvl="0" indent="0" algn="l" rtl="0">
+              <a:spcBef>
+                <a:spcPts val="0"/>
+              </a:spcBef>
+              <a:spcAft>
+                <a:spcPts val="0"/>
+              </a:spcAft>
+              <a:buNone/>
+            </a:pPr>
+            <a:r>
+              <a:rPr lang="en-US" sz="2000" dirty="0">
+                <a:solidFill>
+                  <a:schemeClr val="dk1"/>
+                </a:solidFill>
+              </a:rPr>
+              <a:t>Hunter Team </a:t>
+            </a:r>
+          </a:p>
+          <a:p>
+            <a:pPr marL="0" marR="0" lvl="0" indent="0" algn="l" rtl="0">
+              <a:spcBef>
+                <a:spcPts val="0"/>
+              </a:spcBef>
+              <a:spcAft>
+                <a:spcPts val="0"/>
+              </a:spcAft>
+              <a:buNone/>
+            </a:pPr>
+            <a:r>
+              <a:rPr lang="en-US" sz="2000" dirty="0">
+                <a:solidFill>
+                  <a:schemeClr val="dk1"/>
+                </a:solidFill>
+              </a:rPr>
+              <a:t>Paulette </a:t>
+            </a:r>
+            <a:r>
+              <a:rPr lang="en-US" sz="2000" dirty="0" err="1">
+                <a:solidFill>
+                  <a:schemeClr val="dk1"/>
+                </a:solidFill>
+              </a:rPr>
+              <a:t>Quiel</a:t>
+            </a:r>
+            <a:r>
+              <a:rPr lang="en-US" sz="2000" dirty="0">
+                <a:solidFill>
+                  <a:schemeClr val="dk1"/>
+                </a:solidFill>
+              </a:rPr>
+              <a:t>, Josue Muñoz y </a:t>
+            </a:r>
+          </a:p>
+          <a:p>
+            <a:pPr marL="0" marR="0" lvl="0" indent="0" algn="l" rtl="0">
+              <a:spcBef>
+                <a:spcPts val="0"/>
+              </a:spcBef>
+              <a:spcAft>
+                <a:spcPts val="0"/>
+              </a:spcAft>
+              <a:buNone/>
+            </a:pPr>
+            <a:r>
+              <a:rPr lang="en-US" sz="2000" dirty="0">
+                <a:solidFill>
+                  <a:schemeClr val="dk1"/>
+                </a:solidFill>
+              </a:rPr>
+              <a:t>Fabiola Mendoza</a:t>
+            </a:r>
+            <a:endParaRPr lang="en-US" sz="5400" dirty="0">
+              <a:solidFill>
+                <a:schemeClr val="dk1"/>
+              </a:solidFill>
+            </a:endParaRPr>
+          </a:p>
+          <a:p>
+            <a:pPr marL="0" marR="0" lvl="0" indent="0" algn="l" rtl="0">
+              <a:spcBef>
+                <a:spcPts val="0"/>
+              </a:spcBef>
+              <a:spcAft>
+                <a:spcPts val="0"/>
+              </a:spcAft>
+              <a:buNone/>
+            </a:pPr>
+            <a:endParaRPr lang="en-US" sz="2000" dirty="0">
+              <a:solidFill>
+                <a:schemeClr val="dk1"/>
+              </a:solidFill>
+            </a:endParaRPr>
+          </a:p>
+        </p:txBody>
+      </p:sp>
+      <p:pic>
+        <p:nvPicPr>
+          <p:cNvPr id="1026" name="Picture 2">
+            <a:extLst>
+              <a:ext uri="{FF2B5EF4-FFF2-40B4-BE49-F238E27FC236}">
+                <a16:creationId xmlns:a16="http://schemas.microsoft.com/office/drawing/2014/main" id="{170174EC-0A26-40A7-B2CB-E5BD78AA2BAC}"/>
+              </a:ext>
+            </a:extLst>
+          </p:cNvPr>
+          <p:cNvPicPr>
+            <a:picLocks noChangeAspect="1" noChangeArrowheads="1"/>
+          </p:cNvPicPr>
+          <p:nvPr/>
+        </p:nvPicPr>
+        <p:blipFill>
+          <a:blip r:embed="rId4">
+            <a:extLst>
+              <a:ext uri="{28A0092B-C50C-407E-A947-70E740481C1C}">
+                <a14:useLocalDpi xmlns:a14="http://schemas.microsoft.com/office/drawing/2010/main" val="0"/>
+              </a:ext>
+            </a:extLst>
+          </a:blip>
+          <a:srcRect/>
+          <a:stretch>
+            <a:fillRect/>
+          </a:stretch>
+        </p:blipFill>
+        <p:spPr bwMode="auto">
+          <a:xfrm>
+            <a:off x="3449005" y="1858078"/>
+            <a:ext cx="7513135" cy="5777959"/>
+          </a:xfrm>
+          <a:prstGeom prst="rect">
+            <a:avLst/>
+          </a:prstGeom>
+          <a:noFill/>
+          <a:extLst>
+            <a:ext uri="{909E8E84-426E-40DD-AFC4-6F175D3DCCD1}">
+              <a14:hiddenFill xmlns:a14="http://schemas.microsoft.com/office/drawing/2010/main">
+                <a:solidFill>
+                  <a:srgbClr val="FFFFFF"/>
+                </a:solidFill>
+              </a14:hiddenFill>
+            </a:ext>
+          </a:extLst>
+        </p:spPr>
+      </p:pic>
+      <p:pic>
+        <p:nvPicPr>
+          <p:cNvPr id="3" name="Imagen 2">
+            <a:extLst>
+              <a:ext uri="{FF2B5EF4-FFF2-40B4-BE49-F238E27FC236}">
+                <a16:creationId xmlns:a16="http://schemas.microsoft.com/office/drawing/2014/main" id="{D65D2595-DA2A-4444-86A9-C17F2FCF56D8}"/>
+              </a:ext>
+            </a:extLst>
+          </p:cNvPr>
+          <p:cNvPicPr>
+            <a:picLocks noChangeAspect="1"/>
+          </p:cNvPicPr>
+          <p:nvPr/>
+        </p:nvPicPr>
+        <p:blipFill>
+          <a:blip r:embed="rId5"/>
+          <a:stretch>
+            <a:fillRect/>
+          </a:stretch>
+        </p:blipFill>
+        <p:spPr>
+          <a:xfrm>
+            <a:off x="2307777" y="3644785"/>
+            <a:ext cx="2756014" cy="2756014"/>
+          </a:xfrm>
+          <a:prstGeom prst="rect">
+            <a:avLst/>
+          </a:prstGeom>
+        </p:spPr>
+      </p:pic>
+    </p:spTree>
+    <p:custDataLst>
+      <p:tags r:id="rId1"/>
+    </p:custDataLst>
+  </p:cSld>
+  <p:clrMapOvr>
+    <a:masterClrMapping/>
+  </p:clrMapOvr>
+</p:sld>
+</file>
+
+<file path=ppt/slides/slide6.xml><?xml version="1.0" encoding="utf-8"?>
+<p:sld xmlns:a="http://schemas.openxmlformats.org/drawingml/2006/main" xmlns:r="http://schemas.openxmlformats.org/officeDocument/2006/relationships" xmlns:p="http://schemas.openxmlformats.org/presentationml/2006/main">
+  <p:cSld>
+    <p:spTree>
+      <p:nvGrpSpPr>
+        <p:cNvPr id="1" name="Shape 84"/>
+        <p:cNvGrpSpPr/>
+        <p:nvPr/>
+      </p:nvGrpSpPr>
+      <p:grpSpPr>
+        <a:xfrm>
+          <a:off x="0" y="0"/>
+          <a:ext cx="0" cy="0"/>
+          <a:chOff x="0" y="0"/>
+          <a:chExt cx="0" cy="0"/>
+        </a:xfrm>
+      </p:grpSpPr>
+      <p:sp>
+        <p:nvSpPr>
+          <p:cNvPr id="88" name="Google Shape;88;p4"/>
+          <p:cNvSpPr txBox="1"/>
+          <p:nvPr/>
+        </p:nvSpPr>
+        <p:spPr>
+          <a:xfrm>
+            <a:off x="449467" y="307412"/>
+            <a:ext cx="8541187" cy="430887"/>
+          </a:xfrm>
+          <a:prstGeom prst="rect">
+            <a:avLst/>
+          </a:prstGeom>
+          <a:noFill/>
+          <a:ln>
+            <a:noFill/>
+          </a:ln>
+        </p:spPr>
+        <p:txBody>
+          <a:bodyPr spcFirstLastPara="1" wrap="square" lIns="0" tIns="0" rIns="0" bIns="0" anchor="t" anchorCtr="0">
+            <a:spAutoFit/>
+          </a:bodyPr>
+          <a:lstStyle/>
+          <a:p>
+            <a:pPr lvl="1">
+              <a:buClr>
+                <a:schemeClr val="lt1"/>
+              </a:buClr>
+              <a:buSzPts val="2800"/>
+            </a:pPr>
+            <a:r>
+              <a:rPr lang="en-US" sz="2800" dirty="0">
+                <a:solidFill>
+                  <a:schemeClr val="lt1"/>
+                </a:solidFill>
+              </a:rPr>
+              <a:t>Hunter </a:t>
+            </a:r>
+            <a:r>
+              <a:rPr lang="en-US" sz="2800" dirty="0" err="1">
+                <a:solidFill>
+                  <a:schemeClr val="lt1"/>
+                </a:solidFill>
+              </a:rPr>
+              <a:t>mejorará</a:t>
+            </a:r>
+            <a:r>
+              <a:rPr lang="en-US" sz="2800" dirty="0">
+                <a:solidFill>
+                  <a:schemeClr val="lt1"/>
+                </a:solidFill>
+              </a:rPr>
+              <a:t> la </a:t>
+            </a:r>
+            <a:r>
+              <a:rPr lang="en-US" sz="2800" dirty="0" err="1">
+                <a:solidFill>
+                  <a:schemeClr val="lt1"/>
+                </a:solidFill>
+              </a:rPr>
+              <a:t>confiabilidad</a:t>
+            </a:r>
+            <a:r>
+              <a:rPr lang="en-US" sz="2800" dirty="0">
+                <a:solidFill>
+                  <a:schemeClr val="lt1"/>
+                </a:solidFill>
+              </a:rPr>
+              <a:t> de sus </a:t>
+            </a:r>
+            <a:r>
+              <a:rPr lang="en-US" sz="2800" dirty="0" err="1">
+                <a:solidFill>
+                  <a:schemeClr val="lt1"/>
+                </a:solidFill>
+              </a:rPr>
+              <a:t>empresas</a:t>
+            </a:r>
+            <a:endParaRPr lang="en-US" sz="2800" dirty="0">
+              <a:solidFill>
+                <a:schemeClr val="lt1"/>
+              </a:solidFill>
+              <a:latin typeface="Arial"/>
+              <a:ea typeface="Arial"/>
+              <a:cs typeface="Arial"/>
+              <a:sym typeface="Arial"/>
+            </a:endParaRPr>
+          </a:p>
+        </p:txBody>
+      </p:sp>
+      <p:sp>
+        <p:nvSpPr>
+          <p:cNvPr id="11" name="Elipse 10">
+            <a:extLst>
+              <a:ext uri="{FF2B5EF4-FFF2-40B4-BE49-F238E27FC236}">
+                <a16:creationId xmlns:a16="http://schemas.microsoft.com/office/drawing/2014/main" id="{CBBD8A8B-0FB3-436A-8BAF-993E071A24ED}"/>
+              </a:ext>
+            </a:extLst>
+          </p:cNvPr>
+          <p:cNvSpPr/>
+          <p:nvPr/>
+        </p:nvSpPr>
+        <p:spPr>
+          <a:xfrm flipH="1">
+            <a:off x="1934670" y="4433314"/>
+            <a:ext cx="2203626" cy="2086283"/>
+          </a:xfrm>
+          <a:prstGeom prst="ellipse">
+            <a:avLst/>
+          </a:prstGeom>
+          <a:solidFill>
+            <a:srgbClr val="002060"/>
+          </a:solidFill>
+          <a:ln>
+            <a:solidFill>
+              <a:srgbClr val="002060"/>
+            </a:solidFill>
+          </a:ln>
+        </p:spPr>
+        <p:style>
+          <a:lnRef idx="2">
+            <a:schemeClr val="accent1">
+              <a:shade val="50000"/>
+            </a:schemeClr>
+          </a:lnRef>
+          <a:fillRef idx="1">
+            <a:schemeClr val="accent1"/>
+          </a:fillRef>
+          <a:effectRef idx="0">
+            <a:schemeClr val="accent1"/>
+          </a:effectRef>
+          <a:fontRef idx="minor">
+            <a:schemeClr val="lt1"/>
+          </a:fontRef>
+        </p:style>
+        <p:txBody>
+          <a:bodyPr rtlCol="0" anchor="ctr"/>
+          <a:lstStyle/>
+          <a:p>
+            <a:pPr algn="ctr"/>
+            <a:endParaRPr lang="es-PA"/>
+          </a:p>
+        </p:txBody>
+      </p:sp>
+      <p:sp>
+        <p:nvSpPr>
+          <p:cNvPr id="12" name="Elipse 11">
+            <a:extLst>
+              <a:ext uri="{FF2B5EF4-FFF2-40B4-BE49-F238E27FC236}">
+                <a16:creationId xmlns:a16="http://schemas.microsoft.com/office/drawing/2014/main" id="{0C357EEB-2492-41A3-8077-2D2FAA75DAA4}"/>
+              </a:ext>
+            </a:extLst>
+          </p:cNvPr>
+          <p:cNvSpPr/>
+          <p:nvPr/>
+        </p:nvSpPr>
+        <p:spPr>
+          <a:xfrm flipH="1">
+            <a:off x="449467" y="1075160"/>
+            <a:ext cx="3701806" cy="3686483"/>
+          </a:xfrm>
+          <a:prstGeom prst="ellipse">
+            <a:avLst/>
+          </a:prstGeom>
+          <a:solidFill>
+            <a:srgbClr val="002060"/>
+          </a:solidFill>
+          <a:ln>
+            <a:solidFill>
+              <a:srgbClr val="002060"/>
+            </a:solidFill>
+          </a:ln>
+        </p:spPr>
+        <p:style>
+          <a:lnRef idx="2">
+            <a:schemeClr val="accent1">
+              <a:shade val="50000"/>
+            </a:schemeClr>
+          </a:lnRef>
+          <a:fillRef idx="1">
+            <a:schemeClr val="accent1"/>
+          </a:fillRef>
+          <a:effectRef idx="0">
+            <a:schemeClr val="accent1"/>
+          </a:effectRef>
+          <a:fontRef idx="minor">
+            <a:schemeClr val="lt1"/>
+          </a:fontRef>
+        </p:style>
+        <p:txBody>
+          <a:bodyPr rtlCol="0" anchor="ctr"/>
+          <a:lstStyle/>
+          <a:p>
+            <a:pPr algn="ctr"/>
+            <a:endParaRPr lang="es-PA"/>
+          </a:p>
+        </p:txBody>
+      </p:sp>
+      <p:pic>
+        <p:nvPicPr>
+          <p:cNvPr id="13" name="Picture 2" descr="Chatbot híbrido: características y ventajas - Centribal">
+            <a:extLst>
+              <a:ext uri="{FF2B5EF4-FFF2-40B4-BE49-F238E27FC236}">
+                <a16:creationId xmlns:a16="http://schemas.microsoft.com/office/drawing/2014/main" id="{DDCD8D27-0A5D-41A8-AEA1-D408D5A26BDF}"/>
+              </a:ext>
+            </a:extLst>
+          </p:cNvPr>
+          <p:cNvPicPr>
+            <a:picLocks noChangeAspect="1" noChangeArrowheads="1"/>
+          </p:cNvPicPr>
+          <p:nvPr/>
+        </p:nvPicPr>
+        <p:blipFill>
+          <a:blip r:embed="rId4">
+            <a:extLst>
+              <a:ext uri="{28A0092B-C50C-407E-A947-70E740481C1C}">
+                <a14:useLocalDpi xmlns:a14="http://schemas.microsoft.com/office/drawing/2010/main" val="0"/>
+              </a:ext>
+            </a:extLst>
+          </a:blip>
+          <a:srcRect/>
+          <a:stretch>
+            <a:fillRect/>
+          </a:stretch>
+        </p:blipFill>
+        <p:spPr bwMode="auto">
+          <a:xfrm>
+            <a:off x="1997482" y="4583105"/>
+            <a:ext cx="2078002" cy="1786700"/>
+          </a:xfrm>
+          <a:prstGeom prst="ellipse">
+            <a:avLst/>
+          </a:prstGeom>
+          <a:ln>
+            <a:noFill/>
+          </a:ln>
+          <a:effectLst>
+            <a:softEdge rad="112500"/>
+          </a:effectLst>
+          <a:extLst>
+            <a:ext uri="{909E8E84-426E-40DD-AFC4-6F175D3DCCD1}">
+              <a14:hiddenFill xmlns:a14="http://schemas.microsoft.com/office/drawing/2010/main">
+                <a:solidFill>
+                  <a:srgbClr val="FFFFFF"/>
+                </a:solidFill>
+              </a14:hiddenFill>
+            </a:ext>
+          </a:extLst>
+        </p:spPr>
+      </p:pic>
+      <p:pic>
+        <p:nvPicPr>
+          <p:cNvPr id="4098" name="Picture 2" descr="Want People to Think You're Smart and Trustworthy Within Seconds of Meeting  You? Science Says Do This | Inc.com">
+            <a:extLst>
+              <a:ext uri="{FF2B5EF4-FFF2-40B4-BE49-F238E27FC236}">
+                <a16:creationId xmlns:a16="http://schemas.microsoft.com/office/drawing/2014/main" id="{1C01784F-3731-4ACD-BE10-2BD10F0068FE}"/>
+              </a:ext>
+            </a:extLst>
+          </p:cNvPr>
+          <p:cNvPicPr>
+            <a:picLocks noChangeAspect="1" noChangeArrowheads="1"/>
+          </p:cNvPicPr>
+          <p:nvPr/>
+        </p:nvPicPr>
+        <p:blipFill>
+          <a:blip r:embed="rId5">
+            <a:extLst>
+              <a:ext uri="{28A0092B-C50C-407E-A947-70E740481C1C}">
+                <a14:useLocalDpi xmlns:a14="http://schemas.microsoft.com/office/drawing/2010/main" val="0"/>
+              </a:ext>
+            </a:extLst>
+          </a:blip>
+          <a:srcRect/>
+          <a:stretch>
+            <a:fillRect/>
+          </a:stretch>
+        </p:blipFill>
+        <p:spPr bwMode="auto">
+          <a:xfrm>
+            <a:off x="539183" y="1343267"/>
+            <a:ext cx="3446585" cy="3239838"/>
+          </a:xfrm>
+          <a:prstGeom prst="ellipse">
+            <a:avLst/>
+          </a:prstGeom>
+          <a:ln>
+            <a:noFill/>
+          </a:ln>
+          <a:effectLst>
+            <a:softEdge rad="112500"/>
+          </a:effectLst>
+          <a:extLst>
+            <a:ext uri="{909E8E84-426E-40DD-AFC4-6F175D3DCCD1}">
+              <a14:hiddenFill xmlns:a14="http://schemas.microsoft.com/office/drawing/2010/main">
+                <a:solidFill>
+                  <a:srgbClr val="FFFFFF"/>
+                </a:solidFill>
+              </a14:hiddenFill>
+            </a:ext>
+          </a:extLst>
+        </p:spPr>
+      </p:pic>
+      <p:sp>
+        <p:nvSpPr>
+          <p:cNvPr id="16" name="Elipse 15">
+            <a:extLst>
+              <a:ext uri="{FF2B5EF4-FFF2-40B4-BE49-F238E27FC236}">
+                <a16:creationId xmlns:a16="http://schemas.microsoft.com/office/drawing/2014/main" id="{0DBBB05F-D5B1-4849-98C0-384C29934DF4}"/>
+              </a:ext>
+            </a:extLst>
+          </p:cNvPr>
+          <p:cNvSpPr/>
+          <p:nvPr/>
+        </p:nvSpPr>
+        <p:spPr>
+          <a:xfrm flipH="1">
+            <a:off x="3729031" y="3634380"/>
+            <a:ext cx="1534791" cy="1786700"/>
+          </a:xfrm>
+          <a:prstGeom prst="ellipse">
+            <a:avLst/>
+          </a:prstGeom>
+          <a:solidFill>
+            <a:srgbClr val="002060"/>
+          </a:solidFill>
+          <a:ln>
+            <a:solidFill>
+              <a:srgbClr val="002060"/>
+            </a:solidFill>
+          </a:ln>
+        </p:spPr>
+        <p:style>
+          <a:lnRef idx="2">
+            <a:schemeClr val="accent1">
+              <a:shade val="50000"/>
+            </a:schemeClr>
+          </a:lnRef>
+          <a:fillRef idx="1">
+            <a:schemeClr val="accent1"/>
+          </a:fillRef>
+          <a:effectRef idx="0">
+            <a:schemeClr val="accent1"/>
+          </a:effectRef>
+          <a:fontRef idx="minor">
+            <a:schemeClr val="lt1"/>
+          </a:fontRef>
+        </p:style>
+        <p:txBody>
+          <a:bodyPr rtlCol="0" anchor="ctr"/>
+          <a:lstStyle/>
+          <a:p>
+            <a:pPr algn="ctr"/>
+            <a:endParaRPr lang="es-PA"/>
+          </a:p>
+        </p:txBody>
+      </p:sp>
+      <p:pic>
+        <p:nvPicPr>
+          <p:cNvPr id="17" name="Picture 4" descr="GPS, Maps, Navigate, Traffic &amp; - Apps en Google Play">
+            <a:extLst>
+              <a:ext uri="{FF2B5EF4-FFF2-40B4-BE49-F238E27FC236}">
+                <a16:creationId xmlns:a16="http://schemas.microsoft.com/office/drawing/2014/main" id="{C58D81E2-2D12-4FF7-94C6-89499E9A56EB}"/>
+              </a:ext>
+            </a:extLst>
+          </p:cNvPr>
+          <p:cNvPicPr>
+            <a:picLocks noChangeAspect="1" noChangeArrowheads="1"/>
+          </p:cNvPicPr>
+          <p:nvPr/>
+        </p:nvPicPr>
+        <p:blipFill>
+          <a:blip r:embed="rId6">
+            <a:extLst>
+              <a:ext uri="{28A0092B-C50C-407E-A947-70E740481C1C}">
+                <a14:useLocalDpi xmlns:a14="http://schemas.microsoft.com/office/drawing/2010/main" val="0"/>
+              </a:ext>
+            </a:extLst>
+          </a:blip>
+          <a:srcRect/>
+          <a:stretch>
+            <a:fillRect/>
+          </a:stretch>
+        </p:blipFill>
+        <p:spPr bwMode="auto">
+          <a:xfrm>
+            <a:off x="3461202" y="3625053"/>
+            <a:ext cx="1805354" cy="1805354"/>
+          </a:xfrm>
+          <a:prstGeom prst="ellipse">
+            <a:avLst/>
+          </a:prstGeom>
+          <a:ln>
+            <a:noFill/>
+          </a:ln>
+          <a:effectLst>
+            <a:softEdge rad="112500"/>
+          </a:effectLst>
+          <a:extLst>
+            <a:ext uri="{909E8E84-426E-40DD-AFC4-6F175D3DCCD1}">
+              <a14:hiddenFill xmlns:a14="http://schemas.microsoft.com/office/drawing/2010/main">
+                <a:solidFill>
+                  <a:srgbClr val="FFFFFF"/>
+                </a:solidFill>
+              </a14:hiddenFill>
+            </a:ext>
+          </a:extLst>
+        </p:spPr>
+      </p:pic>
+      <p:sp>
+        <p:nvSpPr>
+          <p:cNvPr id="19" name="Elipse 18">
+            <a:extLst>
+              <a:ext uri="{FF2B5EF4-FFF2-40B4-BE49-F238E27FC236}">
+                <a16:creationId xmlns:a16="http://schemas.microsoft.com/office/drawing/2014/main" id="{AED7A5B9-A3B9-45E4-BFC0-8CA835D233B9}"/>
+              </a:ext>
+            </a:extLst>
+          </p:cNvPr>
+          <p:cNvSpPr/>
+          <p:nvPr/>
+        </p:nvSpPr>
+        <p:spPr>
+          <a:xfrm flipH="1">
+            <a:off x="664807" y="4022286"/>
+            <a:ext cx="1578946" cy="1523872"/>
+          </a:xfrm>
+          <a:prstGeom prst="ellipse">
+            <a:avLst/>
+          </a:prstGeom>
+          <a:solidFill>
+            <a:srgbClr val="002060"/>
+          </a:solidFill>
+          <a:ln>
+            <a:solidFill>
+              <a:srgbClr val="002060"/>
+            </a:solidFill>
+          </a:ln>
+        </p:spPr>
+        <p:style>
+          <a:lnRef idx="2">
+            <a:schemeClr val="accent1">
+              <a:shade val="50000"/>
+            </a:schemeClr>
+          </a:lnRef>
+          <a:fillRef idx="1">
+            <a:schemeClr val="accent1"/>
+          </a:fillRef>
+          <a:effectRef idx="0">
+            <a:schemeClr val="accent1"/>
+          </a:effectRef>
+          <a:fontRef idx="minor">
+            <a:schemeClr val="lt1"/>
+          </a:fontRef>
+        </p:style>
+        <p:txBody>
+          <a:bodyPr rtlCol="0" anchor="ctr"/>
+          <a:lstStyle/>
+          <a:p>
+            <a:pPr algn="ctr"/>
+            <a:endParaRPr lang="es-PA"/>
+          </a:p>
+        </p:txBody>
+      </p:sp>
+      <p:pic>
+        <p:nvPicPr>
+          <p:cNvPr id="20" name="Picture 6" descr="Flechas Del Mundo Clipart De Stock | Royalty-Free | FreeImages">
+            <a:extLst>
+              <a:ext uri="{FF2B5EF4-FFF2-40B4-BE49-F238E27FC236}">
+                <a16:creationId xmlns:a16="http://schemas.microsoft.com/office/drawing/2014/main" id="{8345925D-ACBE-48AF-8273-64665FA3A297}"/>
+              </a:ext>
+            </a:extLst>
+          </p:cNvPr>
+          <p:cNvPicPr>
+            <a:picLocks noChangeAspect="1" noChangeArrowheads="1"/>
+          </p:cNvPicPr>
+          <p:nvPr/>
+        </p:nvPicPr>
+        <p:blipFill>
+          <a:blip r:embed="rId7">
+            <a:extLst>
+              <a:ext uri="{28A0092B-C50C-407E-A947-70E740481C1C}">
+                <a14:useLocalDpi xmlns:a14="http://schemas.microsoft.com/office/drawing/2010/main" val="0"/>
+              </a:ext>
+            </a:extLst>
+          </a:blip>
+          <a:srcRect/>
+          <a:stretch>
+            <a:fillRect/>
+          </a:stretch>
+        </p:blipFill>
+        <p:spPr bwMode="auto">
+          <a:xfrm>
+            <a:off x="662073" y="4143118"/>
+            <a:ext cx="1500914" cy="1282208"/>
+          </a:xfrm>
+          <a:prstGeom prst="ellipse">
+            <a:avLst/>
+          </a:prstGeom>
+          <a:ln>
+            <a:noFill/>
+          </a:ln>
+          <a:effectLst>
+            <a:softEdge rad="112500"/>
+          </a:effectLst>
+          <a:extLst>
+            <a:ext uri="{909E8E84-426E-40DD-AFC4-6F175D3DCCD1}">
+              <a14:hiddenFill xmlns:a14="http://schemas.microsoft.com/office/drawing/2010/main">
+                <a:solidFill>
+                  <a:srgbClr val="FFFFFF"/>
+                </a:solidFill>
+              </a14:hiddenFill>
+            </a:ext>
+          </a:extLst>
+        </p:spPr>
+      </p:pic>
+      <p:sp>
+        <p:nvSpPr>
+          <p:cNvPr id="21" name="Google Shape;86;p4">
+            <a:extLst>
+              <a:ext uri="{FF2B5EF4-FFF2-40B4-BE49-F238E27FC236}">
+                <a16:creationId xmlns:a16="http://schemas.microsoft.com/office/drawing/2014/main" id="{69083DD4-2038-447F-9FF8-42696530E656}"/>
+              </a:ext>
+            </a:extLst>
+          </p:cNvPr>
+          <p:cNvSpPr txBox="1">
+            <a:spLocks/>
+          </p:cNvSpPr>
+          <p:nvPr/>
+        </p:nvSpPr>
+        <p:spPr>
+          <a:xfrm>
+            <a:off x="5263822" y="2779955"/>
+            <a:ext cx="4339275" cy="1786700"/>
+          </a:xfrm>
+          <a:prstGeom prst="rect">
+            <a:avLst/>
+          </a:prstGeom>
+          <a:noFill/>
+          <a:ln>
+            <a:noFill/>
+          </a:ln>
+        </p:spPr>
+        <p:txBody>
+          <a:bodyPr spcFirstLastPara="1" wrap="square" lIns="0" tIns="0" rIns="0" bIns="0" anchor="t" anchorCtr="0">
+            <a:noAutofit/>
+          </a:bodyPr>
+          <a:lstStyle>
+            <a:defPPr marR="0" lvl="0" algn="l" rtl="0">
+              <a:lnSpc>
+                <a:spcPct val="100000"/>
+              </a:lnSpc>
+              <a:spcBef>
+                <a:spcPts val="0"/>
+              </a:spcBef>
+              <a:spcAft>
+                <a:spcPts val="0"/>
+              </a:spcAft>
+            </a:defPPr>
+            <a:lvl1pPr marL="457200" marR="0" lvl="0" indent="-321945" algn="l" rtl="0">
+              <a:lnSpc>
+                <a:spcPct val="128571"/>
+              </a:lnSpc>
+              <a:spcBef>
+                <a:spcPts val="1000"/>
+              </a:spcBef>
+              <a:spcAft>
+                <a:spcPts val="0"/>
+              </a:spcAft>
+              <a:buClr>
+                <a:srgbClr val="262626"/>
+              </a:buClr>
+              <a:buSzPts val="1470"/>
+              <a:buFont typeface="Arial"/>
+              <a:buChar char="•"/>
+              <a:defRPr sz="1400" b="0" i="0" u="none" strike="noStrike" cap="none">
+                <a:solidFill>
+                  <a:srgbClr val="262626"/>
+                </a:solidFill>
+                <a:latin typeface="Arial"/>
+                <a:ea typeface="Arial"/>
+                <a:cs typeface="Arial"/>
+                <a:sym typeface="Arial"/>
+              </a:defRPr>
+            </a:lvl1pPr>
+            <a:lvl2pPr marL="914400" marR="0" lvl="1" indent="-294640" algn="l" rtl="0">
+              <a:lnSpc>
+                <a:spcPct val="138461"/>
+              </a:lnSpc>
+              <a:spcBef>
+                <a:spcPts val="500"/>
+              </a:spcBef>
+              <a:spcAft>
+                <a:spcPts val="0"/>
+              </a:spcAft>
+              <a:buClr>
+                <a:srgbClr val="262626"/>
+              </a:buClr>
+              <a:buSzPts val="1040"/>
+              <a:buFont typeface="Arial"/>
+              <a:buChar char="•"/>
+              <a:defRPr sz="1300" b="0" i="0" u="none" strike="noStrike" cap="none">
+                <a:solidFill>
+                  <a:srgbClr val="262626"/>
+                </a:solidFill>
+                <a:latin typeface="Arial"/>
+                <a:ea typeface="Arial"/>
+                <a:cs typeface="Arial"/>
+                <a:sym typeface="Arial"/>
+              </a:defRPr>
+            </a:lvl2pPr>
+            <a:lvl3pPr marL="1371600" marR="0" lvl="2" indent="-355600" algn="l" rtl="0">
+              <a:lnSpc>
+                <a:spcPct val="90000"/>
+              </a:lnSpc>
+              <a:spcBef>
+                <a:spcPts val="500"/>
+              </a:spcBef>
+              <a:spcAft>
+                <a:spcPts val="0"/>
+              </a:spcAft>
+              <a:buClr>
+                <a:schemeClr val="dk1"/>
+              </a:buClr>
+              <a:buSzPts val="2000"/>
+              <a:buFont typeface="Arial"/>
+              <a:buChar char="•"/>
+              <a:defRPr sz="2000" b="0" i="0" u="none" strike="noStrike" cap="none">
+                <a:solidFill>
+                  <a:schemeClr val="dk1"/>
+                </a:solidFill>
+                <a:latin typeface="Calibri"/>
+                <a:ea typeface="Calibri"/>
+                <a:cs typeface="Calibri"/>
+                <a:sym typeface="Calibri"/>
+              </a:defRPr>
+            </a:lvl3pPr>
+            <a:lvl4pPr marL="1828800" marR="0" lvl="3" indent="-342900" algn="l" rtl="0">
+              <a:lnSpc>
+                <a:spcPct val="90000"/>
+              </a:lnSpc>
+              <a:spcBef>
+                <a:spcPts val="500"/>
+              </a:spcBef>
+              <a:spcAft>
+                <a:spcPts val="0"/>
+              </a:spcAft>
+              <a:buClr>
+                <a:schemeClr val="dk1"/>
+              </a:buClr>
+              <a:buSzPts val="1800"/>
+              <a:buFont typeface="Arial"/>
+              <a:buChar char="•"/>
+              <a:defRPr sz="1800" b="0" i="0" u="none" strike="noStrike" cap="none">
+                <a:solidFill>
+                  <a:schemeClr val="dk1"/>
+                </a:solidFill>
+                <a:latin typeface="Calibri"/>
+                <a:ea typeface="Calibri"/>
+                <a:cs typeface="Calibri"/>
+                <a:sym typeface="Calibri"/>
+              </a:defRPr>
+            </a:lvl4pPr>
+            <a:lvl5pPr marL="2286000" marR="0" lvl="4" indent="-342900" algn="l" rtl="0">
+              <a:lnSpc>
+                <a:spcPct val="90000"/>
+              </a:lnSpc>
+              <a:spcBef>
+                <a:spcPts val="500"/>
+              </a:spcBef>
+              <a:spcAft>
+                <a:spcPts val="0"/>
+              </a:spcAft>
+              <a:buClr>
+                <a:schemeClr val="dk1"/>
+              </a:buClr>
+              <a:buSzPts val="1800"/>
+              <a:buFont typeface="Arial"/>
+              <a:buChar char="•"/>
+              <a:defRPr sz="1800" b="0" i="0" u="none" strike="noStrike" cap="none">
+                <a:solidFill>
+                  <a:schemeClr val="dk1"/>
+                </a:solidFill>
+                <a:latin typeface="Calibri"/>
+                <a:ea typeface="Calibri"/>
+                <a:cs typeface="Calibri"/>
+                <a:sym typeface="Calibri"/>
+              </a:defRPr>
+            </a:lvl5pPr>
+            <a:lvl6pPr marL="2743200" marR="0" lvl="5" indent="-342900" algn="l" rtl="0">
+              <a:lnSpc>
+                <a:spcPct val="90000"/>
+              </a:lnSpc>
+              <a:spcBef>
+                <a:spcPts val="500"/>
+              </a:spcBef>
+              <a:spcAft>
+                <a:spcPts val="0"/>
+              </a:spcAft>
+              <a:buClr>
+                <a:schemeClr val="dk1"/>
+              </a:buClr>
+              <a:buSzPts val="1800"/>
+              <a:buFont typeface="Arial"/>
+              <a:buChar char="•"/>
+              <a:defRPr sz="1800" b="0" i="0" u="none" strike="noStrike" cap="none">
+                <a:solidFill>
+                  <a:schemeClr val="dk1"/>
+                </a:solidFill>
+                <a:latin typeface="Calibri"/>
+                <a:ea typeface="Calibri"/>
+                <a:cs typeface="Calibri"/>
+                <a:sym typeface="Calibri"/>
+              </a:defRPr>
+            </a:lvl6pPr>
+            <a:lvl7pPr marL="3200400" marR="0" lvl="6" indent="-342900" algn="l" rtl="0">
+              <a:lnSpc>
+                <a:spcPct val="90000"/>
+              </a:lnSpc>
+              <a:spcBef>
+                <a:spcPts val="500"/>
+              </a:spcBef>
+              <a:spcAft>
+                <a:spcPts val="0"/>
+              </a:spcAft>
+              <a:buClr>
+                <a:schemeClr val="dk1"/>
+              </a:buClr>
+              <a:buSzPts val="1800"/>
+              <a:buFont typeface="Arial"/>
+              <a:buChar char="•"/>
+              <a:defRPr sz="1800" b="0" i="0" u="none" strike="noStrike" cap="none">
+                <a:solidFill>
+                  <a:schemeClr val="dk1"/>
+                </a:solidFill>
+                <a:latin typeface="Calibri"/>
+                <a:ea typeface="Calibri"/>
+                <a:cs typeface="Calibri"/>
+                <a:sym typeface="Calibri"/>
+              </a:defRPr>
+            </a:lvl7pPr>
+            <a:lvl8pPr marL="3657600" marR="0" lvl="7" indent="-342900" algn="l" rtl="0">
+              <a:lnSpc>
+                <a:spcPct val="90000"/>
+              </a:lnSpc>
+              <a:spcBef>
+                <a:spcPts val="500"/>
+              </a:spcBef>
+              <a:spcAft>
+                <a:spcPts val="0"/>
+              </a:spcAft>
+              <a:buClr>
+                <a:schemeClr val="dk1"/>
+              </a:buClr>
+              <a:buSzPts val="1800"/>
+              <a:buFont typeface="Arial"/>
+              <a:buChar char="•"/>
+              <a:defRPr sz="1800" b="0" i="0" u="none" strike="noStrike" cap="none">
+                <a:solidFill>
+                  <a:schemeClr val="dk1"/>
+                </a:solidFill>
+                <a:latin typeface="Calibri"/>
+                <a:ea typeface="Calibri"/>
+                <a:cs typeface="Calibri"/>
+                <a:sym typeface="Calibri"/>
+              </a:defRPr>
+            </a:lvl8pPr>
+            <a:lvl9pPr marL="4114800" marR="0" lvl="8" indent="-342900" algn="l" rtl="0">
+              <a:lnSpc>
+                <a:spcPct val="90000"/>
+              </a:lnSpc>
+              <a:spcBef>
+                <a:spcPts val="500"/>
+              </a:spcBef>
+              <a:spcAft>
+                <a:spcPts val="0"/>
+              </a:spcAft>
+              <a:buClr>
+                <a:schemeClr val="dk1"/>
+              </a:buClr>
+              <a:buSzPts val="1800"/>
+              <a:buFont typeface="Arial"/>
+              <a:buChar char="•"/>
+              <a:defRPr sz="1800" b="0" i="0" u="none" strike="noStrike" cap="none">
+                <a:solidFill>
+                  <a:schemeClr val="dk1"/>
+                </a:solidFill>
+                <a:latin typeface="Calibri"/>
+                <a:ea typeface="Calibri"/>
+                <a:cs typeface="Calibri"/>
+                <a:sym typeface="Calibri"/>
+              </a:defRPr>
+            </a:lvl9pPr>
+          </a:lstStyle>
+          <a:p>
+            <a:pPr algn="just"/>
+            <a:r>
+              <a:rPr lang="es-MX" sz="1800" dirty="0">
+                <a:solidFill>
+                  <a:srgbClr val="000000"/>
+                </a:solidFill>
+                <a:latin typeface="+mn-lt"/>
+              </a:rPr>
+              <a:t>Queremos contribuir a la seguridad del comercio electrónica de una manera eficiente entre las empresas de logística a nivel nacional .</a:t>
+            </a:r>
+            <a:endParaRPr lang="es-MX" dirty="0">
+              <a:latin typeface="+mn-lt"/>
+            </a:endParaRPr>
+          </a:p>
+        </p:txBody>
+      </p:sp>
+    </p:spTree>
+    <p:custDataLst>
+      <p:tags r:id="rId1"/>
+    </p:custDataLst>
+    <p:extLst>
+      <p:ext uri="{BB962C8B-B14F-4D97-AF65-F5344CB8AC3E}">
+        <p14:creationId xmlns:p14="http://schemas.microsoft.com/office/powerpoint/2010/main" val="2288924656"/>
+      </p:ext>
+    </p:extLst>
+  </p:cSld>
+  <p:clrMapOvr>
+    <a:masterClrMapping/>
+  </p:clrMapOvr>
+</p:sld>
+</file>
+
+<file path=ppt/slides/slide7.xml><?xml version="1.0" encoding="utf-8"?>
+<p:sld xmlns:a="http://schemas.openxmlformats.org/drawingml/2006/main" xmlns:r="http://schemas.openxmlformats.org/officeDocument/2006/relationships" xmlns:p="http://schemas.openxmlformats.org/presentationml/2006/main">
+  <p:cSld>
+    <p:spTree>
+      <p:nvGrpSpPr>
+        <p:cNvPr id="1" name="Shape 84"/>
+        <p:cNvGrpSpPr/>
+        <p:nvPr/>
+      </p:nvGrpSpPr>
+      <p:grpSpPr>
+        <a:xfrm>
+          <a:off x="0" y="0"/>
+          <a:ext cx="0" cy="0"/>
+          <a:chOff x="0" y="0"/>
+          <a:chExt cx="0" cy="0"/>
+        </a:xfrm>
+      </p:grpSpPr>
+      <p:sp>
+        <p:nvSpPr>
+          <p:cNvPr id="88" name="Google Shape;88;p4"/>
+          <p:cNvSpPr txBox="1"/>
+          <p:nvPr/>
+        </p:nvSpPr>
+        <p:spPr>
+          <a:xfrm>
+            <a:off x="449467" y="307412"/>
+            <a:ext cx="8541187" cy="430887"/>
+          </a:xfrm>
+          <a:prstGeom prst="rect">
+            <a:avLst/>
+          </a:prstGeom>
+          <a:noFill/>
+          <a:ln>
+            <a:noFill/>
+          </a:ln>
+        </p:spPr>
+        <p:txBody>
+          <a:bodyPr spcFirstLastPara="1" wrap="square" lIns="0" tIns="0" rIns="0" bIns="0" anchor="t" anchorCtr="0">
+            <a:spAutoFit/>
+          </a:bodyPr>
+          <a:lstStyle/>
+          <a:p>
+            <a:pPr lvl="1">
+              <a:buClr>
+                <a:schemeClr val="lt1"/>
+              </a:buClr>
+              <a:buSzPts val="2800"/>
+            </a:pPr>
+            <a:r>
+              <a:rPr lang="en-US" sz="2800" dirty="0">
+                <a:solidFill>
+                  <a:schemeClr val="lt1"/>
+                </a:solidFill>
+              </a:rPr>
+              <a:t>¿</a:t>
+            </a:r>
+            <a:r>
+              <a:rPr lang="en-US" sz="2800" dirty="0" err="1">
+                <a:solidFill>
+                  <a:schemeClr val="lt1"/>
+                </a:solidFill>
+              </a:rPr>
+              <a:t>Cómo</a:t>
+            </a:r>
+            <a:r>
+              <a:rPr lang="en-US" sz="2800" dirty="0">
+                <a:solidFill>
+                  <a:schemeClr val="lt1"/>
+                </a:solidFill>
+              </a:rPr>
+              <a:t> </a:t>
+            </a:r>
+            <a:r>
+              <a:rPr lang="en-US" sz="2800" dirty="0" err="1">
+                <a:solidFill>
+                  <a:schemeClr val="lt1"/>
+                </a:solidFill>
+              </a:rPr>
+              <a:t>pueden</a:t>
+            </a:r>
+            <a:r>
+              <a:rPr lang="en-US" sz="2800" dirty="0">
+                <a:solidFill>
+                  <a:schemeClr val="lt1"/>
+                </a:solidFill>
+              </a:rPr>
+              <a:t> </a:t>
+            </a:r>
+            <a:r>
+              <a:rPr lang="en-US" sz="2800" dirty="0" err="1">
+                <a:solidFill>
+                  <a:schemeClr val="lt1"/>
+                </a:solidFill>
+              </a:rPr>
+              <a:t>adquirirlo</a:t>
+            </a:r>
+            <a:r>
+              <a:rPr lang="en-US" sz="2800" dirty="0">
+                <a:solidFill>
+                  <a:schemeClr val="lt1"/>
+                </a:solidFill>
+              </a:rPr>
+              <a:t>?</a:t>
+            </a:r>
+            <a:endParaRPr lang="en-US" sz="2800" dirty="0">
+              <a:solidFill>
+                <a:schemeClr val="lt1"/>
+              </a:solidFill>
+              <a:latin typeface="Arial"/>
+              <a:ea typeface="Arial"/>
+              <a:cs typeface="Arial"/>
+              <a:sym typeface="Arial"/>
+            </a:endParaRPr>
+          </a:p>
+        </p:txBody>
+      </p:sp>
+      <p:sp>
+        <p:nvSpPr>
+          <p:cNvPr id="2" name="Rectángulo: esquinas redondeadas 1">
+            <a:extLst>
+              <a:ext uri="{FF2B5EF4-FFF2-40B4-BE49-F238E27FC236}">
+                <a16:creationId xmlns:a16="http://schemas.microsoft.com/office/drawing/2014/main" id="{313D0F15-DA3C-43C6-BF23-8B021A1E6EF1}"/>
+              </a:ext>
+            </a:extLst>
+          </p:cNvPr>
+          <p:cNvSpPr/>
+          <p:nvPr/>
+        </p:nvSpPr>
+        <p:spPr>
+          <a:xfrm>
+            <a:off x="614363" y="1443038"/>
+            <a:ext cx="2800350" cy="4500562"/>
+          </a:xfrm>
+          <a:prstGeom prst="roundRect">
+            <a:avLst/>
+          </a:prstGeom>
+          <a:solidFill>
+            <a:srgbClr val="002060"/>
+          </a:solidFill>
+        </p:spPr>
+        <p:style>
+          <a:lnRef idx="2">
+            <a:schemeClr val="accent1">
+              <a:shade val="50000"/>
+            </a:schemeClr>
+          </a:lnRef>
+          <a:fillRef idx="1">
+            <a:schemeClr val="accent1"/>
+          </a:fillRef>
+          <a:effectRef idx="0">
+            <a:schemeClr val="accent1"/>
+          </a:effectRef>
+          <a:fontRef idx="minor">
+            <a:schemeClr val="lt1"/>
+          </a:fontRef>
+        </p:style>
+        <p:txBody>
+          <a:bodyPr rtlCol="0" anchor="ctr"/>
+          <a:lstStyle/>
+          <a:p>
+            <a:pPr algn="ctr"/>
+            <a:endParaRPr lang="es-PA"/>
+          </a:p>
+        </p:txBody>
+      </p:sp>
+      <p:sp>
+        <p:nvSpPr>
+          <p:cNvPr id="4" name="Rectángulo: esquinas redondeadas 3">
+            <a:extLst>
+              <a:ext uri="{FF2B5EF4-FFF2-40B4-BE49-F238E27FC236}">
+                <a16:creationId xmlns:a16="http://schemas.microsoft.com/office/drawing/2014/main" id="{E5D72562-32FD-4E6E-ADB3-2E0BA553B753}"/>
+              </a:ext>
+            </a:extLst>
+          </p:cNvPr>
+          <p:cNvSpPr/>
+          <p:nvPr/>
+        </p:nvSpPr>
+        <p:spPr>
+          <a:xfrm>
+            <a:off x="449467" y="1747838"/>
+            <a:ext cx="2800350" cy="4500562"/>
+          </a:xfrm>
+          <a:prstGeom prst="roundRect">
+            <a:avLst/>
+          </a:prstGeom>
+          <a:solidFill>
+            <a:srgbClr val="0070C0"/>
+          </a:solidFill>
+        </p:spPr>
+        <p:style>
+          <a:lnRef idx="2">
+            <a:schemeClr val="accent1">
+              <a:shade val="50000"/>
+            </a:schemeClr>
+          </a:lnRef>
+          <a:fillRef idx="1">
+            <a:schemeClr val="accent1"/>
+          </a:fillRef>
+          <a:effectRef idx="0">
+            <a:schemeClr val="accent1"/>
+          </a:effectRef>
+          <a:fontRef idx="minor">
+            <a:schemeClr val="lt1"/>
+          </a:fontRef>
+        </p:style>
+        <p:txBody>
+          <a:bodyPr rtlCol="0" anchor="ctr"/>
+          <a:lstStyle/>
+          <a:p>
+            <a:pPr algn="ctr"/>
+            <a:endParaRPr lang="es-PA" dirty="0"/>
+          </a:p>
+        </p:txBody>
+      </p:sp>
+      <p:sp>
+        <p:nvSpPr>
+          <p:cNvPr id="5" name="Rectángulo: esquinas redondeadas 4">
+            <a:extLst>
+              <a:ext uri="{FF2B5EF4-FFF2-40B4-BE49-F238E27FC236}">
+                <a16:creationId xmlns:a16="http://schemas.microsoft.com/office/drawing/2014/main" id="{DF11729D-5D68-44AE-BD84-FBDAEA773541}"/>
+              </a:ext>
+            </a:extLst>
+          </p:cNvPr>
+          <p:cNvSpPr/>
+          <p:nvPr/>
+        </p:nvSpPr>
+        <p:spPr>
+          <a:xfrm>
+            <a:off x="3852659" y="1443038"/>
+            <a:ext cx="2800350" cy="4500562"/>
+          </a:xfrm>
+          <a:prstGeom prst="roundRect">
+            <a:avLst/>
+          </a:prstGeom>
+          <a:solidFill>
+            <a:srgbClr val="002060"/>
+          </a:solidFill>
+        </p:spPr>
+        <p:style>
+          <a:lnRef idx="2">
+            <a:schemeClr val="accent1">
+              <a:shade val="50000"/>
+            </a:schemeClr>
+          </a:lnRef>
+          <a:fillRef idx="1">
+            <a:schemeClr val="accent1"/>
+          </a:fillRef>
+          <a:effectRef idx="0">
+            <a:schemeClr val="accent1"/>
+          </a:effectRef>
+          <a:fontRef idx="minor">
+            <a:schemeClr val="lt1"/>
+          </a:fontRef>
+        </p:style>
+        <p:txBody>
+          <a:bodyPr rtlCol="0" anchor="ctr"/>
+          <a:lstStyle/>
+          <a:p>
+            <a:pPr algn="ctr"/>
+            <a:endParaRPr lang="es-PA"/>
+          </a:p>
+        </p:txBody>
+      </p:sp>
+      <p:sp>
+        <p:nvSpPr>
+          <p:cNvPr id="6" name="Rectángulo: esquinas redondeadas 5">
+            <a:extLst>
+              <a:ext uri="{FF2B5EF4-FFF2-40B4-BE49-F238E27FC236}">
+                <a16:creationId xmlns:a16="http://schemas.microsoft.com/office/drawing/2014/main" id="{326D3CAF-5893-4237-9051-26F37E8FBC42}"/>
+              </a:ext>
+            </a:extLst>
+          </p:cNvPr>
+          <p:cNvSpPr/>
+          <p:nvPr/>
+        </p:nvSpPr>
+        <p:spPr>
+          <a:xfrm>
+            <a:off x="3687763" y="1747838"/>
+            <a:ext cx="2800350" cy="4500562"/>
+          </a:xfrm>
+          <a:prstGeom prst="roundRect">
+            <a:avLst/>
+          </a:prstGeom>
+          <a:solidFill>
+            <a:srgbClr val="0070C0"/>
+          </a:solidFill>
+        </p:spPr>
+        <p:style>
+          <a:lnRef idx="2">
+            <a:schemeClr val="accent1">
+              <a:shade val="50000"/>
+            </a:schemeClr>
+          </a:lnRef>
+          <a:fillRef idx="1">
+            <a:schemeClr val="accent1"/>
+          </a:fillRef>
+          <a:effectRef idx="0">
+            <a:schemeClr val="accent1"/>
+          </a:effectRef>
+          <a:fontRef idx="minor">
+            <a:schemeClr val="lt1"/>
+          </a:fontRef>
+        </p:style>
+        <p:txBody>
+          <a:bodyPr rtlCol="0" anchor="ctr"/>
+          <a:lstStyle/>
+          <a:p>
+            <a:pPr algn="ctr"/>
+            <a:endParaRPr lang="es-PA"/>
+          </a:p>
+        </p:txBody>
+      </p:sp>
+      <p:sp>
+        <p:nvSpPr>
+          <p:cNvPr id="7" name="Rectángulo: esquinas redondeadas 6">
+            <a:extLst>
+              <a:ext uri="{FF2B5EF4-FFF2-40B4-BE49-F238E27FC236}">
+                <a16:creationId xmlns:a16="http://schemas.microsoft.com/office/drawing/2014/main" id="{2CA66D15-D7FC-4CC7-86BF-5DD0F78B1C28}"/>
+              </a:ext>
+            </a:extLst>
+          </p:cNvPr>
+          <p:cNvSpPr/>
+          <p:nvPr/>
+        </p:nvSpPr>
+        <p:spPr>
+          <a:xfrm>
+            <a:off x="6982801" y="1443038"/>
+            <a:ext cx="2800350" cy="4500562"/>
+          </a:xfrm>
+          <a:prstGeom prst="roundRect">
+            <a:avLst/>
+          </a:prstGeom>
+          <a:solidFill>
+            <a:srgbClr val="002060"/>
+          </a:solidFill>
+        </p:spPr>
+        <p:style>
+          <a:lnRef idx="2">
+            <a:schemeClr val="accent1">
+              <a:shade val="50000"/>
+            </a:schemeClr>
+          </a:lnRef>
+          <a:fillRef idx="1">
+            <a:schemeClr val="accent1"/>
+          </a:fillRef>
+          <a:effectRef idx="0">
+            <a:schemeClr val="accent1"/>
+          </a:effectRef>
+          <a:fontRef idx="minor">
+            <a:schemeClr val="lt1"/>
+          </a:fontRef>
+        </p:style>
+        <p:txBody>
+          <a:bodyPr rtlCol="0" anchor="ctr"/>
+          <a:lstStyle/>
+          <a:p>
+            <a:pPr algn="ctr"/>
+            <a:endParaRPr lang="es-PA"/>
+          </a:p>
+        </p:txBody>
+      </p:sp>
+      <p:sp>
+        <p:nvSpPr>
+          <p:cNvPr id="8" name="Rectángulo: esquinas redondeadas 7">
+            <a:extLst>
+              <a:ext uri="{FF2B5EF4-FFF2-40B4-BE49-F238E27FC236}">
+                <a16:creationId xmlns:a16="http://schemas.microsoft.com/office/drawing/2014/main" id="{84013F8F-28B8-4C09-B7BC-53AB72E7A5A4}"/>
+              </a:ext>
+            </a:extLst>
+          </p:cNvPr>
+          <p:cNvSpPr/>
+          <p:nvPr/>
+        </p:nvSpPr>
+        <p:spPr>
+          <a:xfrm>
+            <a:off x="6817905" y="1747838"/>
+            <a:ext cx="2800350" cy="4500562"/>
+          </a:xfrm>
+          <a:prstGeom prst="roundRect">
+            <a:avLst/>
+          </a:prstGeom>
+          <a:solidFill>
+            <a:srgbClr val="0070C0"/>
+          </a:solidFill>
+        </p:spPr>
+        <p:style>
+          <a:lnRef idx="2">
+            <a:schemeClr val="accent1">
+              <a:shade val="50000"/>
+            </a:schemeClr>
+          </a:lnRef>
+          <a:fillRef idx="1">
+            <a:schemeClr val="accent1"/>
+          </a:fillRef>
+          <a:effectRef idx="0">
+            <a:schemeClr val="accent1"/>
+          </a:effectRef>
+          <a:fontRef idx="minor">
+            <a:schemeClr val="lt1"/>
+          </a:fontRef>
+        </p:style>
+        <p:txBody>
+          <a:bodyPr rtlCol="0" anchor="ctr"/>
+          <a:lstStyle/>
+          <a:p>
+            <a:pPr algn="ctr"/>
+            <a:endParaRPr lang="es-PA"/>
+          </a:p>
+        </p:txBody>
+      </p:sp>
+      <p:sp>
+        <p:nvSpPr>
+          <p:cNvPr id="9" name="Google Shape;85;p4">
+            <a:extLst>
+              <a:ext uri="{FF2B5EF4-FFF2-40B4-BE49-F238E27FC236}">
+                <a16:creationId xmlns:a16="http://schemas.microsoft.com/office/drawing/2014/main" id="{32B72177-A37E-4DBB-A2EF-B8AFE678400A}"/>
+              </a:ext>
+            </a:extLst>
+          </p:cNvPr>
+          <p:cNvSpPr txBox="1">
+            <a:spLocks noGrp="1"/>
+          </p:cNvSpPr>
+          <p:nvPr>
+            <p:ph type="title"/>
+          </p:nvPr>
+        </p:nvSpPr>
+        <p:spPr>
+          <a:xfrm>
+            <a:off x="514351" y="2040075"/>
+            <a:ext cx="2486024" cy="738664"/>
+          </a:xfrm>
+          <a:prstGeom prst="rect">
+            <a:avLst/>
+          </a:prstGeom>
+          <a:noFill/>
+          <a:ln>
+            <a:noFill/>
+          </a:ln>
+        </p:spPr>
+        <p:txBody>
+          <a:bodyPr spcFirstLastPara="1" wrap="square" lIns="0" tIns="0" rIns="0" bIns="0" anchor="t" anchorCtr="0">
+            <a:spAutoFit/>
+          </a:bodyPr>
+          <a:lstStyle/>
+          <a:p>
+            <a:pPr marL="0" lvl="0" indent="0" algn="l" rtl="0">
+              <a:lnSpc>
+                <a:spcPct val="100000"/>
+              </a:lnSpc>
+              <a:spcBef>
+                <a:spcPts val="0"/>
+              </a:spcBef>
+              <a:spcAft>
+                <a:spcPts val="0"/>
+              </a:spcAft>
+              <a:buClr>
+                <a:srgbClr val="0C0C0C"/>
+              </a:buClr>
+              <a:buSzPts val="2400"/>
+              <a:buFont typeface="Arial"/>
+              <a:buNone/>
+            </a:pPr>
+            <a:r>
+              <a:rPr lang="en-US" sz="2400" b="1" dirty="0"/>
+              <a:t>HUNTER </a:t>
+            </a:r>
+            <a:br>
+              <a:rPr lang="en-US" sz="2400" b="1" dirty="0"/>
+            </a:br>
+            <a:r>
+              <a:rPr lang="en-US" sz="2400" b="1" dirty="0"/>
+              <a:t>Plan </a:t>
+            </a:r>
+            <a:r>
+              <a:rPr lang="en-US" sz="2400" b="1" dirty="0" err="1"/>
+              <a:t>Básico</a:t>
+            </a:r>
+            <a:endParaRPr sz="2400" b="1" dirty="0"/>
+          </a:p>
+        </p:txBody>
+      </p:sp>
+      <p:sp>
+        <p:nvSpPr>
+          <p:cNvPr id="10" name="Google Shape;85;p4">
+            <a:extLst>
+              <a:ext uri="{FF2B5EF4-FFF2-40B4-BE49-F238E27FC236}">
+                <a16:creationId xmlns:a16="http://schemas.microsoft.com/office/drawing/2014/main" id="{297615CD-719E-4962-9C75-3F7FAB121CEF}"/>
+              </a:ext>
+            </a:extLst>
+          </p:cNvPr>
+          <p:cNvSpPr txBox="1">
+            <a:spLocks/>
+          </p:cNvSpPr>
+          <p:nvPr/>
+        </p:nvSpPr>
+        <p:spPr>
+          <a:xfrm>
+            <a:off x="4002089" y="2040075"/>
+            <a:ext cx="2486024" cy="646331"/>
+          </a:xfrm>
+          <a:prstGeom prst="rect">
+            <a:avLst/>
+          </a:prstGeom>
+          <a:noFill/>
+          <a:ln>
+            <a:noFill/>
+          </a:ln>
+        </p:spPr>
+        <p:txBody>
+          <a:bodyPr spcFirstLastPara="1" wrap="square" lIns="0" tIns="0" rIns="0" bIns="0" anchor="t" anchorCtr="0">
+            <a:spAutoFit/>
+          </a:bodyPr>
+          <a:lstStyle>
+            <a:defPPr marR="0" lvl="0" algn="l" rtl="0">
+              <a:lnSpc>
+                <a:spcPct val="100000"/>
+              </a:lnSpc>
+              <a:spcBef>
+                <a:spcPts val="0"/>
+              </a:spcBef>
+              <a:spcAft>
+                <a:spcPts val="0"/>
+              </a:spcAft>
+            </a:defPPr>
+            <a:lvl1pPr marR="0" lvl="0" algn="l" rtl="0">
+              <a:lnSpc>
+                <a:spcPct val="100000"/>
+              </a:lnSpc>
+              <a:spcBef>
+                <a:spcPts val="0"/>
+              </a:spcBef>
+              <a:spcAft>
+                <a:spcPts val="0"/>
+              </a:spcAft>
+              <a:buClr>
+                <a:srgbClr val="0C0C0C"/>
+              </a:buClr>
+              <a:buSzPts val="3200"/>
+              <a:buFont typeface="Arial"/>
+              <a:buNone/>
+              <a:defRPr sz="3200" b="0" i="0" u="none" strike="noStrike" cap="none">
+                <a:solidFill>
+                  <a:srgbClr val="0C0C0C"/>
+                </a:solidFill>
+                <a:latin typeface="Arial"/>
+                <a:ea typeface="Arial"/>
+                <a:cs typeface="Arial"/>
+                <a:sym typeface="Arial"/>
+              </a:defRPr>
+            </a:lvl1pPr>
+            <a:lvl2pPr marR="0" lvl="1" algn="l" rtl="0">
+              <a:lnSpc>
+                <a:spcPct val="100000"/>
+              </a:lnSpc>
+              <a:spcBef>
+                <a:spcPts val="0"/>
+              </a:spcBef>
+              <a:spcAft>
+                <a:spcPts val="0"/>
+              </a:spcAft>
+              <a:buClr>
+                <a:srgbClr val="000000"/>
+              </a:buClr>
+              <a:buSzPts val="1400"/>
+              <a:buFont typeface="Arial"/>
+              <a:buNone/>
+              <a:defRPr sz="1800" b="0" i="0" u="none" strike="noStrike" cap="none">
+                <a:solidFill>
+                  <a:schemeClr val="lt1"/>
+                </a:solidFill>
+                <a:latin typeface="Calibri"/>
+                <a:ea typeface="Calibri"/>
+                <a:cs typeface="Calibri"/>
+                <a:sym typeface="Calibri"/>
+              </a:defRPr>
+            </a:lvl2pPr>
+            <a:lvl3pPr marR="0" lvl="2" algn="l" rtl="0">
+              <a:lnSpc>
+                <a:spcPct val="100000"/>
+              </a:lnSpc>
+              <a:spcBef>
+                <a:spcPts val="0"/>
+              </a:spcBef>
+              <a:spcAft>
+                <a:spcPts val="0"/>
+              </a:spcAft>
+              <a:buClr>
+                <a:srgbClr val="000000"/>
+              </a:buClr>
+              <a:buSzPts val="1400"/>
+              <a:buFont typeface="Arial"/>
+              <a:buNone/>
+              <a:defRPr sz="1800" b="0" i="0" u="none" strike="noStrike" cap="none">
+                <a:solidFill>
+                  <a:schemeClr val="lt1"/>
+                </a:solidFill>
+                <a:latin typeface="Calibri"/>
+                <a:ea typeface="Calibri"/>
+                <a:cs typeface="Calibri"/>
+                <a:sym typeface="Calibri"/>
+              </a:defRPr>
+            </a:lvl3pPr>
+            <a:lvl4pPr marR="0" lvl="3" algn="l" rtl="0">
+              <a:lnSpc>
+                <a:spcPct val="100000"/>
+              </a:lnSpc>
+              <a:spcBef>
+                <a:spcPts val="0"/>
+              </a:spcBef>
+              <a:spcAft>
+                <a:spcPts val="0"/>
+              </a:spcAft>
+              <a:buClr>
+                <a:srgbClr val="000000"/>
+              </a:buClr>
+              <a:buSzPts val="1400"/>
+              <a:buFont typeface="Arial"/>
+              <a:buNone/>
+              <a:defRPr sz="1800" b="0" i="0" u="none" strike="noStrike" cap="none">
+                <a:solidFill>
+                  <a:schemeClr val="lt1"/>
+                </a:solidFill>
+                <a:latin typeface="Calibri"/>
+                <a:ea typeface="Calibri"/>
+                <a:cs typeface="Calibri"/>
+                <a:sym typeface="Calibri"/>
+              </a:defRPr>
+            </a:lvl4pPr>
+            <a:lvl5pPr marR="0" lvl="4" algn="l" rtl="0">
+              <a:lnSpc>
+                <a:spcPct val="100000"/>
+              </a:lnSpc>
+              <a:spcBef>
+                <a:spcPts val="0"/>
+              </a:spcBef>
+              <a:spcAft>
+                <a:spcPts val="0"/>
+              </a:spcAft>
+              <a:buClr>
+                <a:srgbClr val="000000"/>
+              </a:buClr>
+              <a:buSzPts val="1400"/>
+              <a:buFont typeface="Arial"/>
+              <a:buNone/>
+              <a:defRPr sz="1800" b="0" i="0" u="none" strike="noStrike" cap="none">
+                <a:solidFill>
+                  <a:schemeClr val="lt1"/>
+                </a:solidFill>
+                <a:latin typeface="Calibri"/>
+                <a:ea typeface="Calibri"/>
+                <a:cs typeface="Calibri"/>
+                <a:sym typeface="Calibri"/>
+              </a:defRPr>
+            </a:lvl5pPr>
+            <a:lvl6pPr marR="0" lvl="5" algn="l" rtl="0">
+              <a:lnSpc>
+                <a:spcPct val="100000"/>
+              </a:lnSpc>
+              <a:spcBef>
+                <a:spcPts val="0"/>
+              </a:spcBef>
+              <a:spcAft>
+                <a:spcPts val="0"/>
+              </a:spcAft>
+              <a:buClr>
+                <a:srgbClr val="000000"/>
+              </a:buClr>
+              <a:buSzPts val="1400"/>
+              <a:buFont typeface="Arial"/>
+              <a:buNone/>
+              <a:defRPr sz="1800" b="0" i="0" u="none" strike="noStrike" cap="none">
+                <a:solidFill>
+                  <a:schemeClr val="lt1"/>
+                </a:solidFill>
+                <a:latin typeface="Calibri"/>
+                <a:ea typeface="Calibri"/>
+                <a:cs typeface="Calibri"/>
+                <a:sym typeface="Calibri"/>
+              </a:defRPr>
+            </a:lvl6pPr>
+            <a:lvl7pPr marR="0" lvl="6" algn="l" rtl="0">
+              <a:lnSpc>
+                <a:spcPct val="100000"/>
+              </a:lnSpc>
+              <a:spcBef>
+                <a:spcPts val="0"/>
+              </a:spcBef>
+              <a:spcAft>
+                <a:spcPts val="0"/>
+              </a:spcAft>
+              <a:buClr>
+                <a:srgbClr val="000000"/>
+              </a:buClr>
+              <a:buSzPts val="1400"/>
+              <a:buFont typeface="Arial"/>
+              <a:buNone/>
+              <a:defRPr sz="1800" b="0" i="0" u="none" strike="noStrike" cap="none">
+                <a:solidFill>
+                  <a:schemeClr val="lt1"/>
+                </a:solidFill>
+                <a:latin typeface="Calibri"/>
+                <a:ea typeface="Calibri"/>
+                <a:cs typeface="Calibri"/>
+                <a:sym typeface="Calibri"/>
+              </a:defRPr>
+            </a:lvl7pPr>
+            <a:lvl8pPr marR="0" lvl="7" algn="l" rtl="0">
+              <a:lnSpc>
+                <a:spcPct val="100000"/>
+              </a:lnSpc>
+              <a:spcBef>
+                <a:spcPts val="0"/>
+              </a:spcBef>
+              <a:spcAft>
+                <a:spcPts val="0"/>
+              </a:spcAft>
+              <a:buClr>
+                <a:srgbClr val="000000"/>
+              </a:buClr>
+              <a:buSzPts val="1400"/>
+              <a:buFont typeface="Arial"/>
+              <a:buNone/>
+              <a:defRPr sz="1800" b="0" i="0" u="none" strike="noStrike" cap="none">
+                <a:solidFill>
+                  <a:schemeClr val="lt1"/>
+                </a:solidFill>
+                <a:latin typeface="Calibri"/>
+                <a:ea typeface="Calibri"/>
+                <a:cs typeface="Calibri"/>
+                <a:sym typeface="Calibri"/>
+              </a:defRPr>
+            </a:lvl8pPr>
+            <a:lvl9pPr marR="0" lvl="8" algn="l" rtl="0">
+              <a:lnSpc>
+                <a:spcPct val="100000"/>
+              </a:lnSpc>
+              <a:spcBef>
+                <a:spcPts val="0"/>
+              </a:spcBef>
+              <a:spcAft>
+                <a:spcPts val="0"/>
+              </a:spcAft>
+              <a:buClr>
+                <a:srgbClr val="000000"/>
+              </a:buClr>
+              <a:buSzPts val="1400"/>
+              <a:buFont typeface="Arial"/>
+              <a:buNone/>
+              <a:defRPr sz="1800" b="0" i="0" u="none" strike="noStrike" cap="none">
+                <a:solidFill>
+                  <a:schemeClr val="lt1"/>
+                </a:solidFill>
+                <a:latin typeface="Calibri"/>
+                <a:ea typeface="Calibri"/>
+                <a:cs typeface="Calibri"/>
+                <a:sym typeface="Calibri"/>
+              </a:defRPr>
+            </a:lvl9pPr>
+          </a:lstStyle>
+          <a:p>
+            <a:pPr>
+              <a:buSzPts val="2400"/>
+            </a:pPr>
+            <a:r>
+              <a:rPr lang="en-US" sz="2400" b="1" dirty="0"/>
+              <a:t>HUNTER </a:t>
+            </a:r>
+            <a:br>
+              <a:rPr lang="en-US" sz="2400" b="1" dirty="0"/>
+            </a:br>
+            <a:r>
+              <a:rPr lang="en-US" sz="1800" b="1" dirty="0" err="1"/>
+              <a:t>Empresas</a:t>
+            </a:r>
+            <a:r>
+              <a:rPr lang="en-US" sz="1800" b="1" dirty="0"/>
+              <a:t> </a:t>
+            </a:r>
+            <a:r>
+              <a:rPr lang="en-US" sz="1800" b="1" dirty="0" err="1"/>
+              <a:t>minoristas</a:t>
+            </a:r>
+            <a:endParaRPr lang="en-US" sz="2400" b="1" dirty="0"/>
+          </a:p>
+        </p:txBody>
+      </p:sp>
+      <p:sp>
+        <p:nvSpPr>
+          <p:cNvPr id="11" name="Google Shape;85;p4">
+            <a:extLst>
+              <a:ext uri="{FF2B5EF4-FFF2-40B4-BE49-F238E27FC236}">
+                <a16:creationId xmlns:a16="http://schemas.microsoft.com/office/drawing/2014/main" id="{F960AD56-D841-4DB8-BA86-2BB04CC9D1E6}"/>
+              </a:ext>
+            </a:extLst>
+          </p:cNvPr>
+          <p:cNvSpPr txBox="1">
+            <a:spLocks/>
+          </p:cNvSpPr>
+          <p:nvPr/>
+        </p:nvSpPr>
+        <p:spPr>
+          <a:xfrm>
+            <a:off x="7090955" y="2053647"/>
+            <a:ext cx="2486024" cy="646331"/>
+          </a:xfrm>
+          <a:prstGeom prst="rect">
+            <a:avLst/>
+          </a:prstGeom>
+          <a:noFill/>
+          <a:ln>
+            <a:noFill/>
+          </a:ln>
+        </p:spPr>
+        <p:txBody>
+          <a:bodyPr spcFirstLastPara="1" wrap="square" lIns="0" tIns="0" rIns="0" bIns="0" anchor="t" anchorCtr="0">
+            <a:spAutoFit/>
+          </a:bodyPr>
+          <a:lstStyle>
+            <a:defPPr marR="0" lvl="0" algn="l" rtl="0">
+              <a:lnSpc>
+                <a:spcPct val="100000"/>
+              </a:lnSpc>
+              <a:spcBef>
+                <a:spcPts val="0"/>
+              </a:spcBef>
+              <a:spcAft>
+                <a:spcPts val="0"/>
+              </a:spcAft>
+            </a:defPPr>
+            <a:lvl1pPr marR="0" lvl="0" algn="l" rtl="0">
+              <a:lnSpc>
+                <a:spcPct val="100000"/>
+              </a:lnSpc>
+              <a:spcBef>
+                <a:spcPts val="0"/>
+              </a:spcBef>
+              <a:spcAft>
+                <a:spcPts val="0"/>
+              </a:spcAft>
+              <a:buClr>
+                <a:srgbClr val="0C0C0C"/>
+              </a:buClr>
+              <a:buSzPts val="3200"/>
+              <a:buFont typeface="Arial"/>
+              <a:buNone/>
+              <a:defRPr sz="3200" b="0" i="0" u="none" strike="noStrike" cap="none">
+                <a:solidFill>
+                  <a:srgbClr val="0C0C0C"/>
+                </a:solidFill>
+                <a:latin typeface="Arial"/>
+                <a:ea typeface="Arial"/>
+                <a:cs typeface="Arial"/>
+                <a:sym typeface="Arial"/>
+              </a:defRPr>
+            </a:lvl1pPr>
+            <a:lvl2pPr marR="0" lvl="1" algn="l" rtl="0">
+              <a:lnSpc>
+                <a:spcPct val="100000"/>
+              </a:lnSpc>
+              <a:spcBef>
+                <a:spcPts val="0"/>
+              </a:spcBef>
+              <a:spcAft>
+                <a:spcPts val="0"/>
+              </a:spcAft>
+              <a:buClr>
+                <a:srgbClr val="000000"/>
+              </a:buClr>
+              <a:buSzPts val="1400"/>
+              <a:buFont typeface="Arial"/>
+              <a:buNone/>
+              <a:defRPr sz="1800" b="0" i="0" u="none" strike="noStrike" cap="none">
+                <a:solidFill>
+                  <a:schemeClr val="lt1"/>
+                </a:solidFill>
+                <a:latin typeface="Calibri"/>
+                <a:ea typeface="Calibri"/>
+                <a:cs typeface="Calibri"/>
+                <a:sym typeface="Calibri"/>
+              </a:defRPr>
+            </a:lvl2pPr>
+            <a:lvl3pPr marR="0" lvl="2" algn="l" rtl="0">
+              <a:lnSpc>
+                <a:spcPct val="100000"/>
+              </a:lnSpc>
+              <a:spcBef>
+                <a:spcPts val="0"/>
+              </a:spcBef>
+              <a:spcAft>
+                <a:spcPts val="0"/>
+              </a:spcAft>
+              <a:buClr>
+                <a:srgbClr val="000000"/>
+              </a:buClr>
+              <a:buSzPts val="1400"/>
+              <a:buFont typeface="Arial"/>
+              <a:buNone/>
+              <a:defRPr sz="1800" b="0" i="0" u="none" strike="noStrike" cap="none">
+                <a:solidFill>
+                  <a:schemeClr val="lt1"/>
+                </a:solidFill>
+                <a:latin typeface="Calibri"/>
+                <a:ea typeface="Calibri"/>
+                <a:cs typeface="Calibri"/>
+                <a:sym typeface="Calibri"/>
+              </a:defRPr>
+            </a:lvl3pPr>
+            <a:lvl4pPr marR="0" lvl="3" algn="l" rtl="0">
+              <a:lnSpc>
+                <a:spcPct val="100000"/>
+              </a:lnSpc>
+              <a:spcBef>
+                <a:spcPts val="0"/>
+              </a:spcBef>
+              <a:spcAft>
+                <a:spcPts val="0"/>
+              </a:spcAft>
+              <a:buClr>
+                <a:srgbClr val="000000"/>
+              </a:buClr>
+              <a:buSzPts val="1400"/>
+              <a:buFont typeface="Arial"/>
+              <a:buNone/>
+              <a:defRPr sz="1800" b="0" i="0" u="none" strike="noStrike" cap="none">
+                <a:solidFill>
+                  <a:schemeClr val="lt1"/>
+                </a:solidFill>
+                <a:latin typeface="Calibri"/>
+                <a:ea typeface="Calibri"/>
+                <a:cs typeface="Calibri"/>
+                <a:sym typeface="Calibri"/>
+              </a:defRPr>
+            </a:lvl4pPr>
+            <a:lvl5pPr marR="0" lvl="4" algn="l" rtl="0">
+              <a:lnSpc>
+                <a:spcPct val="100000"/>
+              </a:lnSpc>
+              <a:spcBef>
+                <a:spcPts val="0"/>
+              </a:spcBef>
+              <a:spcAft>
+                <a:spcPts val="0"/>
+              </a:spcAft>
+              <a:buClr>
+                <a:srgbClr val="000000"/>
+              </a:buClr>
+              <a:buSzPts val="1400"/>
+              <a:buFont typeface="Arial"/>
+              <a:buNone/>
+              <a:defRPr sz="1800" b="0" i="0" u="none" strike="noStrike" cap="none">
+                <a:solidFill>
+                  <a:schemeClr val="lt1"/>
+                </a:solidFill>
+                <a:latin typeface="Calibri"/>
+                <a:ea typeface="Calibri"/>
+                <a:cs typeface="Calibri"/>
+                <a:sym typeface="Calibri"/>
+              </a:defRPr>
+            </a:lvl5pPr>
+            <a:lvl6pPr marR="0" lvl="5" algn="l" rtl="0">
+              <a:lnSpc>
+                <a:spcPct val="100000"/>
+              </a:lnSpc>
+              <a:spcBef>
+                <a:spcPts val="0"/>
+              </a:spcBef>
+              <a:spcAft>
+                <a:spcPts val="0"/>
+              </a:spcAft>
+              <a:buClr>
+                <a:srgbClr val="000000"/>
+              </a:buClr>
+              <a:buSzPts val="1400"/>
+              <a:buFont typeface="Arial"/>
+              <a:buNone/>
+              <a:defRPr sz="1800" b="0" i="0" u="none" strike="noStrike" cap="none">
+                <a:solidFill>
+                  <a:schemeClr val="lt1"/>
+                </a:solidFill>
+                <a:latin typeface="Calibri"/>
+                <a:ea typeface="Calibri"/>
+                <a:cs typeface="Calibri"/>
+                <a:sym typeface="Calibri"/>
+              </a:defRPr>
+            </a:lvl6pPr>
+            <a:lvl7pPr marR="0" lvl="6" algn="l" rtl="0">
+              <a:lnSpc>
+                <a:spcPct val="100000"/>
+              </a:lnSpc>
+              <a:spcBef>
+                <a:spcPts val="0"/>
+              </a:spcBef>
+              <a:spcAft>
+                <a:spcPts val="0"/>
+              </a:spcAft>
+              <a:buClr>
+                <a:srgbClr val="000000"/>
+              </a:buClr>
+              <a:buSzPts val="1400"/>
+              <a:buFont typeface="Arial"/>
+              <a:buNone/>
+              <a:defRPr sz="1800" b="0" i="0" u="none" strike="noStrike" cap="none">
+                <a:solidFill>
+                  <a:schemeClr val="lt1"/>
+                </a:solidFill>
+                <a:latin typeface="Calibri"/>
+                <a:ea typeface="Calibri"/>
+                <a:cs typeface="Calibri"/>
+                <a:sym typeface="Calibri"/>
+              </a:defRPr>
+            </a:lvl7pPr>
+            <a:lvl8pPr marR="0" lvl="7" algn="l" rtl="0">
+              <a:lnSpc>
+                <a:spcPct val="100000"/>
+              </a:lnSpc>
+              <a:spcBef>
+                <a:spcPts val="0"/>
+              </a:spcBef>
+              <a:spcAft>
+                <a:spcPts val="0"/>
+              </a:spcAft>
+              <a:buClr>
+                <a:srgbClr val="000000"/>
+              </a:buClr>
+              <a:buSzPts val="1400"/>
+              <a:buFont typeface="Arial"/>
+              <a:buNone/>
+              <a:defRPr sz="1800" b="0" i="0" u="none" strike="noStrike" cap="none">
+                <a:solidFill>
+                  <a:schemeClr val="lt1"/>
+                </a:solidFill>
+                <a:latin typeface="Calibri"/>
+                <a:ea typeface="Calibri"/>
+                <a:cs typeface="Calibri"/>
+                <a:sym typeface="Calibri"/>
+              </a:defRPr>
+            </a:lvl8pPr>
+            <a:lvl9pPr marR="0" lvl="8" algn="l" rtl="0">
+              <a:lnSpc>
+                <a:spcPct val="100000"/>
+              </a:lnSpc>
+              <a:spcBef>
+                <a:spcPts val="0"/>
+              </a:spcBef>
+              <a:spcAft>
+                <a:spcPts val="0"/>
+              </a:spcAft>
+              <a:buClr>
+                <a:srgbClr val="000000"/>
+              </a:buClr>
+              <a:buSzPts val="1400"/>
+              <a:buFont typeface="Arial"/>
+              <a:buNone/>
+              <a:defRPr sz="1800" b="0" i="0" u="none" strike="noStrike" cap="none">
+                <a:solidFill>
+                  <a:schemeClr val="lt1"/>
+                </a:solidFill>
+                <a:latin typeface="Calibri"/>
+                <a:ea typeface="Calibri"/>
+                <a:cs typeface="Calibri"/>
+                <a:sym typeface="Calibri"/>
+              </a:defRPr>
+            </a:lvl9pPr>
+          </a:lstStyle>
+          <a:p>
+            <a:pPr>
+              <a:buSzPts val="2400"/>
+            </a:pPr>
+            <a:r>
+              <a:rPr lang="en-US" sz="2400" b="1" dirty="0"/>
+              <a:t>HUNTER </a:t>
+            </a:r>
+            <a:br>
+              <a:rPr lang="en-US" sz="2400" b="1" dirty="0"/>
+            </a:br>
+            <a:r>
+              <a:rPr lang="en-US" sz="1800" b="1" dirty="0" err="1"/>
+              <a:t>Franquicias</a:t>
+            </a:r>
+            <a:endParaRPr lang="en-US" sz="2400" b="1" dirty="0"/>
+          </a:p>
+        </p:txBody>
+      </p:sp>
+      <p:sp>
+        <p:nvSpPr>
+          <p:cNvPr id="3" name="Rectángulo 2">
+            <a:extLst>
+              <a:ext uri="{FF2B5EF4-FFF2-40B4-BE49-F238E27FC236}">
+                <a16:creationId xmlns:a16="http://schemas.microsoft.com/office/drawing/2014/main" id="{52B48326-EB5A-453C-A0A2-1B06325B2D3A}"/>
+              </a:ext>
+            </a:extLst>
+          </p:cNvPr>
+          <p:cNvSpPr/>
+          <p:nvPr/>
+        </p:nvSpPr>
+        <p:spPr>
+          <a:xfrm>
+            <a:off x="833979" y="2991206"/>
+            <a:ext cx="2031325" cy="923330"/>
+          </a:xfrm>
+          <a:prstGeom prst="rect">
+            <a:avLst/>
+          </a:prstGeom>
+          <a:noFill/>
+        </p:spPr>
+        <p:txBody>
+          <a:bodyPr wrap="none" lIns="91440" tIns="45720" rIns="91440" bIns="45720">
+            <a:spAutoFit/>
+          </a:bodyPr>
+          <a:lstStyle/>
+          <a:p>
+            <a:pPr algn="ctr"/>
+            <a:r>
+              <a:rPr lang="es-ES" sz="2400" b="0" cap="none" spc="0" dirty="0">
+                <a:ln w="0"/>
+                <a:solidFill>
+                  <a:schemeClr val="tx1"/>
+                </a:solidFill>
+                <a:effectLst>
+                  <a:outerShdw blurRad="38100" dist="19050" dir="2700000" algn="tl" rotWithShape="0">
+                    <a:schemeClr val="dk1">
+                      <a:alpha val="40000"/>
+                    </a:schemeClr>
+                  </a:outerShdw>
+                </a:effectLst>
+              </a:rPr>
+              <a:t>$</a:t>
+            </a:r>
+            <a:r>
+              <a:rPr lang="es-ES" sz="5400" b="0" cap="none" spc="0" dirty="0">
+                <a:ln w="0"/>
+                <a:solidFill>
+                  <a:schemeClr val="tx1"/>
+                </a:solidFill>
+                <a:effectLst>
+                  <a:outerShdw blurRad="38100" dist="19050" dir="2700000" algn="tl" rotWithShape="0">
+                    <a:schemeClr val="dk1">
+                      <a:alpha val="40000"/>
+                    </a:schemeClr>
+                  </a:outerShdw>
+                </a:effectLst>
+              </a:rPr>
+              <a:t>24/</a:t>
+            </a:r>
+            <a:r>
+              <a:rPr lang="es-ES" sz="3600" b="0" cap="none" spc="0" dirty="0" err="1">
+                <a:ln w="0"/>
+                <a:solidFill>
+                  <a:schemeClr val="tx1"/>
+                </a:solidFill>
+                <a:effectLst>
+                  <a:outerShdw blurRad="38100" dist="19050" dir="2700000" algn="tl" rotWithShape="0">
+                    <a:schemeClr val="dk1">
+                      <a:alpha val="40000"/>
+                    </a:schemeClr>
+                  </a:outerShdw>
+                </a:effectLst>
+              </a:rPr>
+              <a:t>mo</a:t>
+            </a:r>
+            <a:endParaRPr lang="es-ES" sz="5400" b="0" cap="none" spc="0" dirty="0">
+              <a:ln w="0"/>
+              <a:solidFill>
+                <a:schemeClr val="tx1"/>
+              </a:solidFill>
+              <a:effectLst>
+                <a:outerShdw blurRad="38100" dist="19050" dir="2700000" algn="tl" rotWithShape="0">
+                  <a:schemeClr val="dk1">
+                    <a:alpha val="40000"/>
+                  </a:schemeClr>
+                </a:outerShdw>
+              </a:effectLst>
+            </a:endParaRPr>
+          </a:p>
+        </p:txBody>
+      </p:sp>
+      <p:sp>
+        <p:nvSpPr>
+          <p:cNvPr id="14" name="Rectángulo 13">
+            <a:extLst>
+              <a:ext uri="{FF2B5EF4-FFF2-40B4-BE49-F238E27FC236}">
+                <a16:creationId xmlns:a16="http://schemas.microsoft.com/office/drawing/2014/main" id="{DDD014DF-5FC6-41DE-AA80-D338E18D6D40}"/>
+              </a:ext>
+            </a:extLst>
+          </p:cNvPr>
+          <p:cNvSpPr/>
+          <p:nvPr/>
+        </p:nvSpPr>
+        <p:spPr>
+          <a:xfrm>
+            <a:off x="4038156" y="2991206"/>
+            <a:ext cx="1959191" cy="923330"/>
+          </a:xfrm>
+          <a:prstGeom prst="rect">
+            <a:avLst/>
+          </a:prstGeom>
+          <a:noFill/>
+        </p:spPr>
+        <p:txBody>
+          <a:bodyPr wrap="none" lIns="91440" tIns="45720" rIns="91440" bIns="45720">
+            <a:spAutoFit/>
+          </a:bodyPr>
+          <a:lstStyle/>
+          <a:p>
+            <a:pPr algn="ctr"/>
+            <a:r>
+              <a:rPr lang="es-ES" sz="2400" b="0" cap="none" spc="0" dirty="0">
+                <a:ln w="0"/>
+                <a:solidFill>
+                  <a:schemeClr val="tx1"/>
+                </a:solidFill>
+                <a:effectLst>
+                  <a:outerShdw blurRad="38100" dist="19050" dir="2700000" algn="tl" rotWithShape="0">
+                    <a:schemeClr val="dk1">
+                      <a:alpha val="40000"/>
+                    </a:schemeClr>
+                  </a:outerShdw>
+                </a:effectLst>
+              </a:rPr>
+              <a:t>$</a:t>
+            </a:r>
+            <a:r>
+              <a:rPr lang="es-ES" sz="5400" dirty="0">
+                <a:ln w="0"/>
+                <a:solidFill>
+                  <a:schemeClr val="tx1"/>
+                </a:solidFill>
+                <a:effectLst>
+                  <a:outerShdw blurRad="38100" dist="19050" dir="2700000" algn="tl" rotWithShape="0">
+                    <a:schemeClr val="dk1">
+                      <a:alpha val="40000"/>
+                    </a:schemeClr>
+                  </a:outerShdw>
+                </a:effectLst>
+              </a:rPr>
+              <a:t>8</a:t>
+            </a:r>
+            <a:r>
+              <a:rPr lang="es-ES" sz="5400" b="0" cap="none" spc="0" dirty="0">
+                <a:ln w="0"/>
+                <a:solidFill>
+                  <a:schemeClr val="tx1"/>
+                </a:solidFill>
+                <a:effectLst>
+                  <a:outerShdw blurRad="38100" dist="19050" dir="2700000" algn="tl" rotWithShape="0">
+                    <a:schemeClr val="dk1">
+                      <a:alpha val="40000"/>
+                    </a:schemeClr>
+                  </a:outerShdw>
+                </a:effectLst>
+              </a:rPr>
+              <a:t>4/</a:t>
+            </a:r>
+            <a:r>
+              <a:rPr lang="es-ES" sz="3600" b="0" cap="none" spc="0" dirty="0" err="1">
+                <a:ln w="0"/>
+                <a:solidFill>
+                  <a:schemeClr val="tx1"/>
+                </a:solidFill>
+                <a:effectLst>
+                  <a:outerShdw blurRad="38100" dist="19050" dir="2700000" algn="tl" rotWithShape="0">
+                    <a:schemeClr val="dk1">
+                      <a:alpha val="40000"/>
+                    </a:schemeClr>
+                  </a:outerShdw>
+                </a:effectLst>
+              </a:rPr>
+              <a:t>mo</a:t>
+            </a:r>
+            <a:endParaRPr lang="es-ES" sz="5400" b="0" cap="none" spc="0" dirty="0">
+              <a:ln w="0"/>
+              <a:solidFill>
+                <a:schemeClr val="tx1"/>
+              </a:solidFill>
+              <a:effectLst>
+                <a:outerShdw blurRad="38100" dist="19050" dir="2700000" algn="tl" rotWithShape="0">
+                  <a:schemeClr val="dk1">
+                    <a:alpha val="40000"/>
+                  </a:schemeClr>
+                </a:outerShdw>
+              </a:effectLst>
+            </a:endParaRPr>
+          </a:p>
+        </p:txBody>
+      </p:sp>
+      <p:sp>
+        <p:nvSpPr>
+          <p:cNvPr id="15" name="Rectángulo 14">
+            <a:extLst>
+              <a:ext uri="{FF2B5EF4-FFF2-40B4-BE49-F238E27FC236}">
+                <a16:creationId xmlns:a16="http://schemas.microsoft.com/office/drawing/2014/main" id="{0EE29C59-27B5-4575-A849-798F5CF60BFF}"/>
+              </a:ext>
+            </a:extLst>
+          </p:cNvPr>
+          <p:cNvSpPr/>
+          <p:nvPr/>
+        </p:nvSpPr>
+        <p:spPr>
+          <a:xfrm>
+            <a:off x="7046124" y="2991206"/>
+            <a:ext cx="2343911" cy="923330"/>
+          </a:xfrm>
+          <a:prstGeom prst="rect">
+            <a:avLst/>
+          </a:prstGeom>
+          <a:noFill/>
+        </p:spPr>
+        <p:txBody>
+          <a:bodyPr wrap="none" lIns="91440" tIns="45720" rIns="91440" bIns="45720">
+            <a:spAutoFit/>
+          </a:bodyPr>
+          <a:lstStyle/>
+          <a:p>
+            <a:pPr algn="ctr"/>
+            <a:r>
+              <a:rPr lang="es-ES" sz="2400" b="0" cap="none" spc="0" dirty="0">
+                <a:ln w="0"/>
+                <a:solidFill>
+                  <a:schemeClr val="tx1"/>
+                </a:solidFill>
+                <a:effectLst>
+                  <a:outerShdw blurRad="38100" dist="19050" dir="2700000" algn="tl" rotWithShape="0">
+                    <a:schemeClr val="dk1">
+                      <a:alpha val="40000"/>
+                    </a:schemeClr>
+                  </a:outerShdw>
+                </a:effectLst>
+              </a:rPr>
+              <a:t>$</a:t>
+            </a:r>
+            <a:r>
+              <a:rPr lang="es-ES" sz="5400" b="0" cap="none" spc="0" dirty="0">
+                <a:ln w="0"/>
+                <a:solidFill>
+                  <a:schemeClr val="tx1"/>
+                </a:solidFill>
+                <a:effectLst>
+                  <a:outerShdw blurRad="38100" dist="19050" dir="2700000" algn="tl" rotWithShape="0">
+                    <a:schemeClr val="dk1">
+                      <a:alpha val="40000"/>
+                    </a:schemeClr>
+                  </a:outerShdw>
+                </a:effectLst>
+              </a:rPr>
+              <a:t>104/</a:t>
+            </a:r>
+            <a:r>
+              <a:rPr lang="es-ES" sz="3600" b="0" cap="none" spc="0" dirty="0" err="1">
+                <a:ln w="0"/>
+                <a:solidFill>
+                  <a:schemeClr val="tx1"/>
+                </a:solidFill>
+                <a:effectLst>
+                  <a:outerShdw blurRad="38100" dist="19050" dir="2700000" algn="tl" rotWithShape="0">
+                    <a:schemeClr val="dk1">
+                      <a:alpha val="40000"/>
+                    </a:schemeClr>
+                  </a:outerShdw>
+                </a:effectLst>
+              </a:rPr>
+              <a:t>mo</a:t>
+            </a:r>
+            <a:endParaRPr lang="es-ES" sz="5400" b="0" cap="none" spc="0" dirty="0">
+              <a:ln w="0"/>
+              <a:solidFill>
+                <a:schemeClr val="tx1"/>
+              </a:solidFill>
+              <a:effectLst>
+                <a:outerShdw blurRad="38100" dist="19050" dir="2700000" algn="tl" rotWithShape="0">
+                  <a:schemeClr val="dk1">
+                    <a:alpha val="40000"/>
+                  </a:schemeClr>
+                </a:outerShdw>
+              </a:effectLst>
+            </a:endParaRPr>
+          </a:p>
+        </p:txBody>
+      </p:sp>
+      <p:sp>
+        <p:nvSpPr>
+          <p:cNvPr id="16" name="Google Shape;86;p4">
+            <a:extLst>
+              <a:ext uri="{FF2B5EF4-FFF2-40B4-BE49-F238E27FC236}">
+                <a16:creationId xmlns:a16="http://schemas.microsoft.com/office/drawing/2014/main" id="{D59A7AC6-0444-4B30-967C-9E7DC0F10DF7}"/>
+              </a:ext>
+            </a:extLst>
+          </p:cNvPr>
+          <p:cNvSpPr txBox="1">
+            <a:spLocks/>
+          </p:cNvSpPr>
+          <p:nvPr/>
+        </p:nvSpPr>
+        <p:spPr>
+          <a:xfrm>
+            <a:off x="449467" y="3802326"/>
+            <a:ext cx="2747530" cy="2243497"/>
+          </a:xfrm>
+          <a:prstGeom prst="rect">
+            <a:avLst/>
+          </a:prstGeom>
+          <a:noFill/>
+          <a:ln>
+            <a:noFill/>
+          </a:ln>
+        </p:spPr>
+        <p:txBody>
+          <a:bodyPr spcFirstLastPara="1" wrap="square" lIns="0" tIns="0" rIns="0" bIns="0" anchor="t" anchorCtr="0">
+            <a:noAutofit/>
+          </a:bodyPr>
+          <a:lstStyle>
+            <a:defPPr marR="0" lvl="0" algn="l" rtl="0">
+              <a:lnSpc>
+                <a:spcPct val="100000"/>
+              </a:lnSpc>
+              <a:spcBef>
+                <a:spcPts val="0"/>
+              </a:spcBef>
+              <a:spcAft>
+                <a:spcPts val="0"/>
+              </a:spcAft>
+            </a:defPPr>
+            <a:lvl1pPr marL="457200" marR="0" lvl="0" indent="-321945" algn="l" rtl="0">
+              <a:lnSpc>
+                <a:spcPct val="128571"/>
+              </a:lnSpc>
+              <a:spcBef>
+                <a:spcPts val="1000"/>
+              </a:spcBef>
+              <a:spcAft>
+                <a:spcPts val="0"/>
+              </a:spcAft>
+              <a:buClr>
+                <a:srgbClr val="262626"/>
+              </a:buClr>
+              <a:buSzPts val="1470"/>
+              <a:buFont typeface="Arial"/>
+              <a:buChar char="•"/>
+              <a:defRPr sz="1400" b="0" i="0" u="none" strike="noStrike" cap="none">
+                <a:solidFill>
+                  <a:srgbClr val="262626"/>
+                </a:solidFill>
+                <a:latin typeface="Arial"/>
+                <a:ea typeface="Arial"/>
+                <a:cs typeface="Arial"/>
+                <a:sym typeface="Arial"/>
+              </a:defRPr>
+            </a:lvl1pPr>
+            <a:lvl2pPr marL="914400" marR="0" lvl="1" indent="-294640" algn="l" rtl="0">
+              <a:lnSpc>
+                <a:spcPct val="138461"/>
+              </a:lnSpc>
+              <a:spcBef>
+                <a:spcPts val="500"/>
+              </a:spcBef>
+              <a:spcAft>
+                <a:spcPts val="0"/>
+              </a:spcAft>
+              <a:buClr>
+                <a:srgbClr val="262626"/>
+              </a:buClr>
+              <a:buSzPts val="1040"/>
+              <a:buFont typeface="Arial"/>
+              <a:buChar char="•"/>
+              <a:defRPr sz="1300" b="0" i="0" u="none" strike="noStrike" cap="none">
+                <a:solidFill>
+                  <a:srgbClr val="262626"/>
+                </a:solidFill>
+                <a:latin typeface="Arial"/>
+                <a:ea typeface="Arial"/>
+                <a:cs typeface="Arial"/>
+                <a:sym typeface="Arial"/>
+              </a:defRPr>
+            </a:lvl2pPr>
+            <a:lvl3pPr marL="1371600" marR="0" lvl="2" indent="-355600" algn="l" rtl="0">
+              <a:lnSpc>
+                <a:spcPct val="90000"/>
+              </a:lnSpc>
+              <a:spcBef>
+                <a:spcPts val="500"/>
+              </a:spcBef>
+              <a:spcAft>
+                <a:spcPts val="0"/>
+              </a:spcAft>
+              <a:buClr>
+                <a:schemeClr val="dk1"/>
+              </a:buClr>
+              <a:buSzPts val="2000"/>
+              <a:buFont typeface="Arial"/>
+              <a:buChar char="•"/>
+              <a:defRPr sz="2000" b="0" i="0" u="none" strike="noStrike" cap="none">
+                <a:solidFill>
+                  <a:schemeClr val="dk1"/>
+                </a:solidFill>
+                <a:latin typeface="Calibri"/>
+                <a:ea typeface="Calibri"/>
+                <a:cs typeface="Calibri"/>
+                <a:sym typeface="Calibri"/>
+              </a:defRPr>
+            </a:lvl3pPr>
+            <a:lvl4pPr marL="1828800" marR="0" lvl="3" indent="-342900" algn="l" rtl="0">
+              <a:lnSpc>
+                <a:spcPct val="90000"/>
+              </a:lnSpc>
+              <a:spcBef>
+                <a:spcPts val="500"/>
+              </a:spcBef>
+              <a:spcAft>
+                <a:spcPts val="0"/>
+              </a:spcAft>
+              <a:buClr>
+                <a:schemeClr val="dk1"/>
+              </a:buClr>
+              <a:buSzPts val="1800"/>
+              <a:buFont typeface="Arial"/>
+              <a:buChar char="•"/>
+              <a:defRPr sz="1800" b="0" i="0" u="none" strike="noStrike" cap="none">
+                <a:solidFill>
+                  <a:schemeClr val="dk1"/>
+                </a:solidFill>
+                <a:latin typeface="Calibri"/>
+                <a:ea typeface="Calibri"/>
+                <a:cs typeface="Calibri"/>
+                <a:sym typeface="Calibri"/>
+              </a:defRPr>
+            </a:lvl4pPr>
+            <a:lvl5pPr marL="2286000" marR="0" lvl="4" indent="-342900" algn="l" rtl="0">
+              <a:lnSpc>
+                <a:spcPct val="90000"/>
+              </a:lnSpc>
+              <a:spcBef>
+                <a:spcPts val="500"/>
+              </a:spcBef>
+              <a:spcAft>
+                <a:spcPts val="0"/>
+              </a:spcAft>
+              <a:buClr>
+                <a:schemeClr val="dk1"/>
+              </a:buClr>
+              <a:buSzPts val="1800"/>
+              <a:buFont typeface="Arial"/>
+              <a:buChar char="•"/>
+              <a:defRPr sz="1800" b="0" i="0" u="none" strike="noStrike" cap="none">
+                <a:solidFill>
+                  <a:schemeClr val="dk1"/>
+                </a:solidFill>
+                <a:latin typeface="Calibri"/>
+                <a:ea typeface="Calibri"/>
+                <a:cs typeface="Calibri"/>
+                <a:sym typeface="Calibri"/>
+              </a:defRPr>
+            </a:lvl5pPr>
+            <a:lvl6pPr marL="2743200" marR="0" lvl="5" indent="-342900" algn="l" rtl="0">
+              <a:lnSpc>
+                <a:spcPct val="90000"/>
+              </a:lnSpc>
+              <a:spcBef>
+                <a:spcPts val="500"/>
+              </a:spcBef>
+              <a:spcAft>
+                <a:spcPts val="0"/>
+              </a:spcAft>
+              <a:buClr>
+                <a:schemeClr val="dk1"/>
+              </a:buClr>
+              <a:buSzPts val="1800"/>
+              <a:buFont typeface="Arial"/>
+              <a:buChar char="•"/>
+              <a:defRPr sz="1800" b="0" i="0" u="none" strike="noStrike" cap="none">
+                <a:solidFill>
+                  <a:schemeClr val="dk1"/>
+                </a:solidFill>
+                <a:latin typeface="Calibri"/>
+                <a:ea typeface="Calibri"/>
+                <a:cs typeface="Calibri"/>
+                <a:sym typeface="Calibri"/>
+              </a:defRPr>
+            </a:lvl6pPr>
+            <a:lvl7pPr marL="3200400" marR="0" lvl="6" indent="-342900" algn="l" rtl="0">
+              <a:lnSpc>
+                <a:spcPct val="90000"/>
+              </a:lnSpc>
+              <a:spcBef>
+                <a:spcPts val="500"/>
+              </a:spcBef>
+              <a:spcAft>
+                <a:spcPts val="0"/>
+              </a:spcAft>
+              <a:buClr>
+                <a:schemeClr val="dk1"/>
+              </a:buClr>
+              <a:buSzPts val="1800"/>
+              <a:buFont typeface="Arial"/>
+              <a:buChar char="•"/>
+              <a:defRPr sz="1800" b="0" i="0" u="none" strike="noStrike" cap="none">
+                <a:solidFill>
+                  <a:schemeClr val="dk1"/>
+                </a:solidFill>
+                <a:latin typeface="Calibri"/>
+                <a:ea typeface="Calibri"/>
+                <a:cs typeface="Calibri"/>
+                <a:sym typeface="Calibri"/>
+              </a:defRPr>
+            </a:lvl7pPr>
+            <a:lvl8pPr marL="3657600" marR="0" lvl="7" indent="-342900" algn="l" rtl="0">
+              <a:lnSpc>
+                <a:spcPct val="90000"/>
+              </a:lnSpc>
+              <a:spcBef>
+                <a:spcPts val="500"/>
+              </a:spcBef>
+              <a:spcAft>
+                <a:spcPts val="0"/>
+              </a:spcAft>
+              <a:buClr>
+                <a:schemeClr val="dk1"/>
+              </a:buClr>
+              <a:buSzPts val="1800"/>
+              <a:buFont typeface="Arial"/>
+              <a:buChar char="•"/>
+              <a:defRPr sz="1800" b="0" i="0" u="none" strike="noStrike" cap="none">
+                <a:solidFill>
+                  <a:schemeClr val="dk1"/>
+                </a:solidFill>
+                <a:latin typeface="Calibri"/>
+                <a:ea typeface="Calibri"/>
+                <a:cs typeface="Calibri"/>
+                <a:sym typeface="Calibri"/>
+              </a:defRPr>
+            </a:lvl8pPr>
+            <a:lvl9pPr marL="4114800" marR="0" lvl="8" indent="-342900" algn="l" rtl="0">
+              <a:lnSpc>
+                <a:spcPct val="90000"/>
+              </a:lnSpc>
+              <a:spcBef>
+                <a:spcPts val="500"/>
+              </a:spcBef>
+              <a:spcAft>
+                <a:spcPts val="0"/>
+              </a:spcAft>
+              <a:buClr>
+                <a:schemeClr val="dk1"/>
+              </a:buClr>
+              <a:buSzPts val="1800"/>
+              <a:buFont typeface="Arial"/>
+              <a:buChar char="•"/>
+              <a:defRPr sz="1800" b="0" i="0" u="none" strike="noStrike" cap="none">
+                <a:solidFill>
+                  <a:schemeClr val="dk1"/>
+                </a:solidFill>
+                <a:latin typeface="Calibri"/>
+                <a:ea typeface="Calibri"/>
+                <a:cs typeface="Calibri"/>
+                <a:sym typeface="Calibri"/>
+              </a:defRPr>
+            </a:lvl9pPr>
+          </a:lstStyle>
+          <a:p>
+            <a:pPr algn="just"/>
+            <a:r>
+              <a:rPr lang="es-MX" sz="1800" dirty="0">
+                <a:solidFill>
+                  <a:srgbClr val="000000"/>
+                </a:solidFill>
+                <a:latin typeface="+mn-lt"/>
+              </a:rPr>
+              <a:t>Palabras básicas</a:t>
+            </a:r>
+          </a:p>
+          <a:p>
+            <a:pPr algn="just"/>
+            <a:r>
+              <a:rPr lang="es-MX" sz="1800" dirty="0">
+                <a:solidFill>
+                  <a:srgbClr val="000000"/>
+                </a:solidFill>
+                <a:latin typeface="+mn-lt"/>
+              </a:rPr>
+              <a:t>Confiabilidad en los flujos conversacionales</a:t>
+            </a:r>
+          </a:p>
+          <a:p>
+            <a:pPr algn="just"/>
+            <a:endParaRPr lang="es-MX" dirty="0">
+              <a:latin typeface="+mn-lt"/>
+            </a:endParaRPr>
+          </a:p>
+        </p:txBody>
+      </p:sp>
+      <p:sp>
+        <p:nvSpPr>
+          <p:cNvPr id="17" name="Google Shape;86;p4">
+            <a:extLst>
+              <a:ext uri="{FF2B5EF4-FFF2-40B4-BE49-F238E27FC236}">
+                <a16:creationId xmlns:a16="http://schemas.microsoft.com/office/drawing/2014/main" id="{A010FB5D-2582-4A66-AF10-C2ABC042CA4F}"/>
+              </a:ext>
+            </a:extLst>
+          </p:cNvPr>
+          <p:cNvSpPr txBox="1">
+            <a:spLocks/>
+          </p:cNvSpPr>
+          <p:nvPr/>
+        </p:nvSpPr>
+        <p:spPr>
+          <a:xfrm>
+            <a:off x="3643986" y="3802325"/>
+            <a:ext cx="2747530" cy="2243497"/>
+          </a:xfrm>
+          <a:prstGeom prst="rect">
+            <a:avLst/>
+          </a:prstGeom>
+          <a:noFill/>
+          <a:ln>
+            <a:noFill/>
+          </a:ln>
+        </p:spPr>
+        <p:txBody>
+          <a:bodyPr spcFirstLastPara="1" wrap="square" lIns="0" tIns="0" rIns="0" bIns="0" anchor="t" anchorCtr="0">
+            <a:noAutofit/>
+          </a:bodyPr>
+          <a:lstStyle>
+            <a:defPPr marR="0" lvl="0" algn="l" rtl="0">
+              <a:lnSpc>
+                <a:spcPct val="100000"/>
+              </a:lnSpc>
+              <a:spcBef>
+                <a:spcPts val="0"/>
+              </a:spcBef>
+              <a:spcAft>
+                <a:spcPts val="0"/>
+              </a:spcAft>
+            </a:defPPr>
+            <a:lvl1pPr marL="457200" marR="0" lvl="0" indent="-321945" algn="l" rtl="0">
+              <a:lnSpc>
+                <a:spcPct val="128571"/>
+              </a:lnSpc>
+              <a:spcBef>
+                <a:spcPts val="1000"/>
+              </a:spcBef>
+              <a:spcAft>
+                <a:spcPts val="0"/>
+              </a:spcAft>
+              <a:buClr>
+                <a:srgbClr val="262626"/>
+              </a:buClr>
+              <a:buSzPts val="1470"/>
+              <a:buFont typeface="Arial"/>
+              <a:buChar char="•"/>
+              <a:defRPr sz="1400" b="0" i="0" u="none" strike="noStrike" cap="none">
+                <a:solidFill>
+                  <a:srgbClr val="262626"/>
+                </a:solidFill>
+                <a:latin typeface="Arial"/>
+                <a:ea typeface="Arial"/>
+                <a:cs typeface="Arial"/>
+                <a:sym typeface="Arial"/>
+              </a:defRPr>
+            </a:lvl1pPr>
+            <a:lvl2pPr marL="914400" marR="0" lvl="1" indent="-294640" algn="l" rtl="0">
+              <a:lnSpc>
+                <a:spcPct val="138461"/>
+              </a:lnSpc>
+              <a:spcBef>
+                <a:spcPts val="500"/>
+              </a:spcBef>
+              <a:spcAft>
+                <a:spcPts val="0"/>
+              </a:spcAft>
+              <a:buClr>
+                <a:srgbClr val="262626"/>
+              </a:buClr>
+              <a:buSzPts val="1040"/>
+              <a:buFont typeface="Arial"/>
+              <a:buChar char="•"/>
+              <a:defRPr sz="1300" b="0" i="0" u="none" strike="noStrike" cap="none">
+                <a:solidFill>
+                  <a:srgbClr val="262626"/>
+                </a:solidFill>
+                <a:latin typeface="Arial"/>
+                <a:ea typeface="Arial"/>
+                <a:cs typeface="Arial"/>
+                <a:sym typeface="Arial"/>
+              </a:defRPr>
+            </a:lvl2pPr>
+            <a:lvl3pPr marL="1371600" marR="0" lvl="2" indent="-355600" algn="l" rtl="0">
+              <a:lnSpc>
+                <a:spcPct val="90000"/>
+              </a:lnSpc>
+              <a:spcBef>
+                <a:spcPts val="500"/>
+              </a:spcBef>
+              <a:spcAft>
+                <a:spcPts val="0"/>
+              </a:spcAft>
+              <a:buClr>
+                <a:schemeClr val="dk1"/>
+              </a:buClr>
+              <a:buSzPts val="2000"/>
+              <a:buFont typeface="Arial"/>
+              <a:buChar char="•"/>
+              <a:defRPr sz="2000" b="0" i="0" u="none" strike="noStrike" cap="none">
+                <a:solidFill>
+                  <a:schemeClr val="dk1"/>
+                </a:solidFill>
+                <a:latin typeface="Calibri"/>
+                <a:ea typeface="Calibri"/>
+                <a:cs typeface="Calibri"/>
+                <a:sym typeface="Calibri"/>
+              </a:defRPr>
+            </a:lvl3pPr>
+            <a:lvl4pPr marL="1828800" marR="0" lvl="3" indent="-342900" algn="l" rtl="0">
+              <a:lnSpc>
+                <a:spcPct val="90000"/>
+              </a:lnSpc>
+              <a:spcBef>
+                <a:spcPts val="500"/>
+              </a:spcBef>
+              <a:spcAft>
+                <a:spcPts val="0"/>
+              </a:spcAft>
+              <a:buClr>
+                <a:schemeClr val="dk1"/>
+              </a:buClr>
+              <a:buSzPts val="1800"/>
+              <a:buFont typeface="Arial"/>
+              <a:buChar char="•"/>
+              <a:defRPr sz="1800" b="0" i="0" u="none" strike="noStrike" cap="none">
+                <a:solidFill>
+                  <a:schemeClr val="dk1"/>
+                </a:solidFill>
+                <a:latin typeface="Calibri"/>
+                <a:ea typeface="Calibri"/>
+                <a:cs typeface="Calibri"/>
+                <a:sym typeface="Calibri"/>
+              </a:defRPr>
+            </a:lvl4pPr>
+            <a:lvl5pPr marL="2286000" marR="0" lvl="4" indent="-342900" algn="l" rtl="0">
+              <a:lnSpc>
+                <a:spcPct val="90000"/>
+              </a:lnSpc>
+              <a:spcBef>
+                <a:spcPts val="500"/>
+              </a:spcBef>
+              <a:spcAft>
+                <a:spcPts val="0"/>
+              </a:spcAft>
+              <a:buClr>
+                <a:schemeClr val="dk1"/>
+              </a:buClr>
+              <a:buSzPts val="1800"/>
+              <a:buFont typeface="Arial"/>
+              <a:buChar char="•"/>
+              <a:defRPr sz="1800" b="0" i="0" u="none" strike="noStrike" cap="none">
+                <a:solidFill>
+                  <a:schemeClr val="dk1"/>
+                </a:solidFill>
+                <a:latin typeface="Calibri"/>
+                <a:ea typeface="Calibri"/>
+                <a:cs typeface="Calibri"/>
+                <a:sym typeface="Calibri"/>
+              </a:defRPr>
+            </a:lvl5pPr>
+            <a:lvl6pPr marL="2743200" marR="0" lvl="5" indent="-342900" algn="l" rtl="0">
+              <a:lnSpc>
+                <a:spcPct val="90000"/>
+              </a:lnSpc>
+              <a:spcBef>
+                <a:spcPts val="500"/>
+              </a:spcBef>
+              <a:spcAft>
+                <a:spcPts val="0"/>
+              </a:spcAft>
+              <a:buClr>
+                <a:schemeClr val="dk1"/>
+              </a:buClr>
+              <a:buSzPts val="1800"/>
+              <a:buFont typeface="Arial"/>
+              <a:buChar char="•"/>
+              <a:defRPr sz="1800" b="0" i="0" u="none" strike="noStrike" cap="none">
+                <a:solidFill>
+                  <a:schemeClr val="dk1"/>
+                </a:solidFill>
+                <a:latin typeface="Calibri"/>
+                <a:ea typeface="Calibri"/>
+                <a:cs typeface="Calibri"/>
+                <a:sym typeface="Calibri"/>
+              </a:defRPr>
+            </a:lvl6pPr>
+            <a:lvl7pPr marL="3200400" marR="0" lvl="6" indent="-342900" algn="l" rtl="0">
+              <a:lnSpc>
+                <a:spcPct val="90000"/>
+              </a:lnSpc>
+              <a:spcBef>
+                <a:spcPts val="500"/>
+              </a:spcBef>
+              <a:spcAft>
+                <a:spcPts val="0"/>
+              </a:spcAft>
+              <a:buClr>
+                <a:schemeClr val="dk1"/>
+              </a:buClr>
+              <a:buSzPts val="1800"/>
+              <a:buFont typeface="Arial"/>
+              <a:buChar char="•"/>
+              <a:defRPr sz="1800" b="0" i="0" u="none" strike="noStrike" cap="none">
+                <a:solidFill>
+                  <a:schemeClr val="dk1"/>
+                </a:solidFill>
+                <a:latin typeface="Calibri"/>
+                <a:ea typeface="Calibri"/>
+                <a:cs typeface="Calibri"/>
+                <a:sym typeface="Calibri"/>
+              </a:defRPr>
+            </a:lvl7pPr>
+            <a:lvl8pPr marL="3657600" marR="0" lvl="7" indent="-342900" algn="l" rtl="0">
+              <a:lnSpc>
+                <a:spcPct val="90000"/>
+              </a:lnSpc>
+              <a:spcBef>
+                <a:spcPts val="500"/>
+              </a:spcBef>
+              <a:spcAft>
+                <a:spcPts val="0"/>
+              </a:spcAft>
+              <a:buClr>
+                <a:schemeClr val="dk1"/>
+              </a:buClr>
+              <a:buSzPts val="1800"/>
+              <a:buFont typeface="Arial"/>
+              <a:buChar char="•"/>
+              <a:defRPr sz="1800" b="0" i="0" u="none" strike="noStrike" cap="none">
+                <a:solidFill>
+                  <a:schemeClr val="dk1"/>
+                </a:solidFill>
+                <a:latin typeface="Calibri"/>
+                <a:ea typeface="Calibri"/>
+                <a:cs typeface="Calibri"/>
+                <a:sym typeface="Calibri"/>
+              </a:defRPr>
+            </a:lvl8pPr>
+            <a:lvl9pPr marL="4114800" marR="0" lvl="8" indent="-342900" algn="l" rtl="0">
+              <a:lnSpc>
+                <a:spcPct val="90000"/>
+              </a:lnSpc>
+              <a:spcBef>
+                <a:spcPts val="500"/>
+              </a:spcBef>
+              <a:spcAft>
+                <a:spcPts val="0"/>
+              </a:spcAft>
+              <a:buClr>
+                <a:schemeClr val="dk1"/>
+              </a:buClr>
+              <a:buSzPts val="1800"/>
+              <a:buFont typeface="Arial"/>
+              <a:buChar char="•"/>
+              <a:defRPr sz="1800" b="0" i="0" u="none" strike="noStrike" cap="none">
+                <a:solidFill>
+                  <a:schemeClr val="dk1"/>
+                </a:solidFill>
+                <a:latin typeface="Calibri"/>
+                <a:ea typeface="Calibri"/>
+                <a:cs typeface="Calibri"/>
+                <a:sym typeface="Calibri"/>
+              </a:defRPr>
+            </a:lvl9pPr>
+          </a:lstStyle>
+          <a:p>
+            <a:pPr algn="just"/>
+            <a:r>
+              <a:rPr lang="es-MX" sz="1800" dirty="0">
+                <a:solidFill>
+                  <a:srgbClr val="000000"/>
+                </a:solidFill>
+                <a:latin typeface="+mn-lt"/>
+              </a:rPr>
+              <a:t>15 patrones de flujo conversacional</a:t>
+            </a:r>
+          </a:p>
+          <a:p>
+            <a:pPr algn="just"/>
+            <a:r>
+              <a:rPr lang="es-MX" sz="1800" dirty="0">
+                <a:solidFill>
+                  <a:srgbClr val="000000"/>
+                </a:solidFill>
+                <a:latin typeface="+mn-lt"/>
+              </a:rPr>
+              <a:t>Continuo mantenimiento generando un interfaz más rápido.</a:t>
+            </a:r>
+          </a:p>
+          <a:p>
+            <a:pPr algn="just"/>
+            <a:endParaRPr lang="es-MX" dirty="0">
+              <a:latin typeface="+mn-lt"/>
+            </a:endParaRPr>
+          </a:p>
+        </p:txBody>
+      </p:sp>
+      <p:sp>
+        <p:nvSpPr>
+          <p:cNvPr id="18" name="Google Shape;86;p4">
+            <a:extLst>
+              <a:ext uri="{FF2B5EF4-FFF2-40B4-BE49-F238E27FC236}">
+                <a16:creationId xmlns:a16="http://schemas.microsoft.com/office/drawing/2014/main" id="{F14C9D40-C215-473D-9B95-7B35D9697962}"/>
+              </a:ext>
+            </a:extLst>
+          </p:cNvPr>
+          <p:cNvSpPr txBox="1">
+            <a:spLocks/>
+          </p:cNvSpPr>
+          <p:nvPr/>
+        </p:nvSpPr>
+        <p:spPr>
+          <a:xfrm>
+            <a:off x="6838506" y="3744579"/>
+            <a:ext cx="2747530" cy="3113421"/>
+          </a:xfrm>
+          <a:prstGeom prst="rect">
+            <a:avLst/>
+          </a:prstGeom>
+          <a:noFill/>
+          <a:ln>
+            <a:noFill/>
+          </a:ln>
+        </p:spPr>
+        <p:txBody>
+          <a:bodyPr spcFirstLastPara="1" wrap="square" lIns="0" tIns="0" rIns="0" bIns="0" anchor="t" anchorCtr="0">
+            <a:noAutofit/>
+          </a:bodyPr>
+          <a:lstStyle>
+            <a:defPPr marR="0" lvl="0" algn="l" rtl="0">
+              <a:lnSpc>
+                <a:spcPct val="100000"/>
+              </a:lnSpc>
+              <a:spcBef>
+                <a:spcPts val="0"/>
+              </a:spcBef>
+              <a:spcAft>
+                <a:spcPts val="0"/>
+              </a:spcAft>
+            </a:defPPr>
+            <a:lvl1pPr marL="457200" marR="0" lvl="0" indent="-321945" algn="l" rtl="0">
+              <a:lnSpc>
+                <a:spcPct val="128571"/>
+              </a:lnSpc>
+              <a:spcBef>
+                <a:spcPts val="1000"/>
+              </a:spcBef>
+              <a:spcAft>
+                <a:spcPts val="0"/>
+              </a:spcAft>
+              <a:buClr>
+                <a:srgbClr val="262626"/>
+              </a:buClr>
+              <a:buSzPts val="1470"/>
+              <a:buFont typeface="Arial"/>
+              <a:buChar char="•"/>
+              <a:defRPr sz="1400" b="0" i="0" u="none" strike="noStrike" cap="none">
+                <a:solidFill>
+                  <a:srgbClr val="262626"/>
+                </a:solidFill>
+                <a:latin typeface="Arial"/>
+                <a:ea typeface="Arial"/>
+                <a:cs typeface="Arial"/>
+                <a:sym typeface="Arial"/>
+              </a:defRPr>
+            </a:lvl1pPr>
+            <a:lvl2pPr marL="914400" marR="0" lvl="1" indent="-294640" algn="l" rtl="0">
+              <a:lnSpc>
+                <a:spcPct val="138461"/>
+              </a:lnSpc>
+              <a:spcBef>
+                <a:spcPts val="500"/>
+              </a:spcBef>
+              <a:spcAft>
+                <a:spcPts val="0"/>
+              </a:spcAft>
+              <a:buClr>
+                <a:srgbClr val="262626"/>
+              </a:buClr>
+              <a:buSzPts val="1040"/>
+              <a:buFont typeface="Arial"/>
+              <a:buChar char="•"/>
+              <a:defRPr sz="1300" b="0" i="0" u="none" strike="noStrike" cap="none">
+                <a:solidFill>
+                  <a:srgbClr val="262626"/>
+                </a:solidFill>
+                <a:latin typeface="Arial"/>
+                <a:ea typeface="Arial"/>
+                <a:cs typeface="Arial"/>
+                <a:sym typeface="Arial"/>
+              </a:defRPr>
+            </a:lvl2pPr>
+            <a:lvl3pPr marL="1371600" marR="0" lvl="2" indent="-355600" algn="l" rtl="0">
+              <a:lnSpc>
+                <a:spcPct val="90000"/>
+              </a:lnSpc>
+              <a:spcBef>
+                <a:spcPts val="500"/>
+              </a:spcBef>
+              <a:spcAft>
+                <a:spcPts val="0"/>
+              </a:spcAft>
+              <a:buClr>
+                <a:schemeClr val="dk1"/>
+              </a:buClr>
+              <a:buSzPts val="2000"/>
+              <a:buFont typeface="Arial"/>
+              <a:buChar char="•"/>
+              <a:defRPr sz="2000" b="0" i="0" u="none" strike="noStrike" cap="none">
+                <a:solidFill>
+                  <a:schemeClr val="dk1"/>
+                </a:solidFill>
+                <a:latin typeface="Calibri"/>
+                <a:ea typeface="Calibri"/>
+                <a:cs typeface="Calibri"/>
+                <a:sym typeface="Calibri"/>
+              </a:defRPr>
+            </a:lvl3pPr>
+            <a:lvl4pPr marL="1828800" marR="0" lvl="3" indent="-342900" algn="l" rtl="0">
+              <a:lnSpc>
+                <a:spcPct val="90000"/>
+              </a:lnSpc>
+              <a:spcBef>
+                <a:spcPts val="500"/>
+              </a:spcBef>
+              <a:spcAft>
+                <a:spcPts val="0"/>
+              </a:spcAft>
+              <a:buClr>
+                <a:schemeClr val="dk1"/>
+              </a:buClr>
+              <a:buSzPts val="1800"/>
+              <a:buFont typeface="Arial"/>
+              <a:buChar char="•"/>
+              <a:defRPr sz="1800" b="0" i="0" u="none" strike="noStrike" cap="none">
+                <a:solidFill>
+                  <a:schemeClr val="dk1"/>
+                </a:solidFill>
+                <a:latin typeface="Calibri"/>
+                <a:ea typeface="Calibri"/>
+                <a:cs typeface="Calibri"/>
+                <a:sym typeface="Calibri"/>
+              </a:defRPr>
+            </a:lvl4pPr>
+            <a:lvl5pPr marL="2286000" marR="0" lvl="4" indent="-342900" algn="l" rtl="0">
+              <a:lnSpc>
+                <a:spcPct val="90000"/>
+              </a:lnSpc>
+              <a:spcBef>
+                <a:spcPts val="500"/>
+              </a:spcBef>
+              <a:spcAft>
+                <a:spcPts val="0"/>
+              </a:spcAft>
+              <a:buClr>
+                <a:schemeClr val="dk1"/>
+              </a:buClr>
+              <a:buSzPts val="1800"/>
+              <a:buFont typeface="Arial"/>
+              <a:buChar char="•"/>
+              <a:defRPr sz="1800" b="0" i="0" u="none" strike="noStrike" cap="none">
+                <a:solidFill>
+                  <a:schemeClr val="dk1"/>
+                </a:solidFill>
+                <a:latin typeface="Calibri"/>
+                <a:ea typeface="Calibri"/>
+                <a:cs typeface="Calibri"/>
+                <a:sym typeface="Calibri"/>
+              </a:defRPr>
+            </a:lvl5pPr>
+            <a:lvl6pPr marL="2743200" marR="0" lvl="5" indent="-342900" algn="l" rtl="0">
+              <a:lnSpc>
+                <a:spcPct val="90000"/>
+              </a:lnSpc>
+              <a:spcBef>
+                <a:spcPts val="500"/>
+              </a:spcBef>
+              <a:spcAft>
+                <a:spcPts val="0"/>
+              </a:spcAft>
+              <a:buClr>
+                <a:schemeClr val="dk1"/>
+              </a:buClr>
+              <a:buSzPts val="1800"/>
+              <a:buFont typeface="Arial"/>
+              <a:buChar char="•"/>
+              <a:defRPr sz="1800" b="0" i="0" u="none" strike="noStrike" cap="none">
+                <a:solidFill>
+                  <a:schemeClr val="dk1"/>
+                </a:solidFill>
+                <a:latin typeface="Calibri"/>
+                <a:ea typeface="Calibri"/>
+                <a:cs typeface="Calibri"/>
+                <a:sym typeface="Calibri"/>
+              </a:defRPr>
+            </a:lvl6pPr>
+            <a:lvl7pPr marL="3200400" marR="0" lvl="6" indent="-342900" algn="l" rtl="0">
+              <a:lnSpc>
+                <a:spcPct val="90000"/>
+              </a:lnSpc>
+              <a:spcBef>
+                <a:spcPts val="500"/>
+              </a:spcBef>
+              <a:spcAft>
+                <a:spcPts val="0"/>
+              </a:spcAft>
+              <a:buClr>
+                <a:schemeClr val="dk1"/>
+              </a:buClr>
+              <a:buSzPts val="1800"/>
+              <a:buFont typeface="Arial"/>
+              <a:buChar char="•"/>
+              <a:defRPr sz="1800" b="0" i="0" u="none" strike="noStrike" cap="none">
+                <a:solidFill>
+                  <a:schemeClr val="dk1"/>
+                </a:solidFill>
+                <a:latin typeface="Calibri"/>
+                <a:ea typeface="Calibri"/>
+                <a:cs typeface="Calibri"/>
+                <a:sym typeface="Calibri"/>
+              </a:defRPr>
+            </a:lvl7pPr>
+            <a:lvl8pPr marL="3657600" marR="0" lvl="7" indent="-342900" algn="l" rtl="0">
+              <a:lnSpc>
+                <a:spcPct val="90000"/>
+              </a:lnSpc>
+              <a:spcBef>
+                <a:spcPts val="500"/>
+              </a:spcBef>
+              <a:spcAft>
+                <a:spcPts val="0"/>
+              </a:spcAft>
+              <a:buClr>
+                <a:schemeClr val="dk1"/>
+              </a:buClr>
+              <a:buSzPts val="1800"/>
+              <a:buFont typeface="Arial"/>
+              <a:buChar char="•"/>
+              <a:defRPr sz="1800" b="0" i="0" u="none" strike="noStrike" cap="none">
+                <a:solidFill>
+                  <a:schemeClr val="dk1"/>
+                </a:solidFill>
+                <a:latin typeface="Calibri"/>
+                <a:ea typeface="Calibri"/>
+                <a:cs typeface="Calibri"/>
+                <a:sym typeface="Calibri"/>
+              </a:defRPr>
+            </a:lvl8pPr>
+            <a:lvl9pPr marL="4114800" marR="0" lvl="8" indent="-342900" algn="l" rtl="0">
+              <a:lnSpc>
+                <a:spcPct val="90000"/>
+              </a:lnSpc>
+              <a:spcBef>
+                <a:spcPts val="500"/>
+              </a:spcBef>
+              <a:spcAft>
+                <a:spcPts val="0"/>
+              </a:spcAft>
+              <a:buClr>
+                <a:schemeClr val="dk1"/>
+              </a:buClr>
+              <a:buSzPts val="1800"/>
+              <a:buFont typeface="Arial"/>
+              <a:buChar char="•"/>
+              <a:defRPr sz="1800" b="0" i="0" u="none" strike="noStrike" cap="none">
+                <a:solidFill>
+                  <a:schemeClr val="dk1"/>
+                </a:solidFill>
+                <a:latin typeface="Calibri"/>
+                <a:ea typeface="Calibri"/>
+                <a:cs typeface="Calibri"/>
+                <a:sym typeface="Calibri"/>
+              </a:defRPr>
+            </a:lvl9pPr>
+          </a:lstStyle>
+          <a:p>
+            <a:pPr algn="just"/>
+            <a:r>
+              <a:rPr lang="es-MX" sz="1600" dirty="0">
+                <a:solidFill>
+                  <a:srgbClr val="000000"/>
+                </a:solidFill>
+                <a:latin typeface="+mn-lt"/>
+              </a:rPr>
+              <a:t>Asistente de seguridad</a:t>
+            </a:r>
+          </a:p>
+          <a:p>
+            <a:pPr algn="just"/>
+            <a:r>
+              <a:rPr lang="es-MX" sz="1600" dirty="0">
+                <a:solidFill>
+                  <a:srgbClr val="000000"/>
+                </a:solidFill>
+                <a:latin typeface="+mn-lt"/>
+              </a:rPr>
+              <a:t>Soporte de mantenimiento premium</a:t>
+            </a:r>
+          </a:p>
+          <a:p>
+            <a:pPr algn="just"/>
+            <a:r>
+              <a:rPr lang="es-MX" sz="1600" dirty="0">
+                <a:solidFill>
+                  <a:srgbClr val="000000"/>
+                </a:solidFill>
+                <a:latin typeface="+mn-lt"/>
+              </a:rPr>
+              <a:t>Generación continúa de patrones conversacionales</a:t>
+            </a:r>
+            <a:endParaRPr lang="es-MX" sz="1200" dirty="0">
+              <a:latin typeface="+mn-lt"/>
+            </a:endParaRPr>
+          </a:p>
+        </p:txBody>
+      </p:sp>
+    </p:spTree>
+    <p:custDataLst>
+      <p:tags r:id="rId1"/>
+    </p:custDataLst>
+    <p:extLst>
+      <p:ext uri="{BB962C8B-B14F-4D97-AF65-F5344CB8AC3E}">
+        <p14:creationId xmlns:p14="http://schemas.microsoft.com/office/powerpoint/2010/main" val="562960438"/>
+      </p:ext>
+    </p:extLst>
+  </p:cSld>
+  <p:clrMapOvr>
+    <a:masterClrMapping/>
+  </p:clrMapOvr>
+</p:sld>
+</file>
+
+<file path=ppt/slides/slide8.xml><?xml version="1.0" encoding="utf-8"?>
 <p:sld xmlns:a="http://schemas.openxmlformats.org/drawingml/2006/main" xmlns:r="http://schemas.openxmlformats.org/officeDocument/2006/relationships" xmlns:p="http://schemas.openxmlformats.org/presentationml/2006/main">
   <p:cSld>
     <p:spTree>
@@ -9525,795 +14176,6 @@
               <a:buNone/>
             </a:pPr>
             <a:r>
-              <a:rPr lang="en-US" sz="2400" b="1" dirty="0" err="1"/>
-              <a:t>Planteamiento</a:t>
-            </a:r>
-            <a:r>
-              <a:rPr lang="en-US" sz="2400" b="1" dirty="0"/>
-              <a:t> del </a:t>
-            </a:r>
-            <a:r>
-              <a:rPr lang="en-US" sz="2400" b="1" dirty="0" err="1"/>
-              <a:t>Problema</a:t>
-            </a:r>
-            <a:endParaRPr sz="2400" b="1" dirty="0"/>
-          </a:p>
-        </p:txBody>
-      </p:sp>
-      <p:sp>
-        <p:nvSpPr>
-          <p:cNvPr id="86" name="Google Shape;86;p4"/>
-          <p:cNvSpPr txBox="1">
-            <a:spLocks noGrp="1"/>
-          </p:cNvSpPr>
-          <p:nvPr>
-            <p:ph type="body" idx="5"/>
-          </p:nvPr>
-        </p:nvSpPr>
-        <p:spPr>
-          <a:xfrm>
-            <a:off x="522288" y="2221660"/>
-            <a:ext cx="8055439" cy="2178889"/>
-          </a:xfrm>
-          <a:prstGeom prst="rect">
-            <a:avLst/>
-          </a:prstGeom>
-          <a:noFill/>
-          <a:ln>
-            <a:noFill/>
-          </a:ln>
-        </p:spPr>
-        <p:txBody>
-          <a:bodyPr spcFirstLastPara="1" wrap="square" lIns="0" tIns="0" rIns="0" bIns="0" anchor="t" anchorCtr="0">
-            <a:noAutofit/>
-          </a:bodyPr>
-          <a:lstStyle/>
-          <a:p>
-            <a:pPr marL="177747" lvl="0" indent="-177747" algn="l" rtl="0">
-              <a:lnSpc>
-                <a:spcPct val="128571"/>
-              </a:lnSpc>
-              <a:spcBef>
-                <a:spcPts val="0"/>
-              </a:spcBef>
-              <a:spcAft>
-                <a:spcPts val="0"/>
-              </a:spcAft>
-              <a:buClr>
-                <a:srgbClr val="262626"/>
-              </a:buClr>
-              <a:buSzPts val="1470"/>
-              <a:buFont typeface="Arial"/>
-              <a:buChar char="•"/>
-            </a:pPr>
-            <a:r>
-              <a:rPr lang="es-PA" b="1" i="1" dirty="0"/>
-              <a:t>CONTEXTO DEL PROBLEMA</a:t>
-            </a:r>
-            <a:endParaRPr b="1" i="1" dirty="0"/>
-          </a:p>
-          <a:p>
-            <a:pPr marL="135255" indent="0">
-              <a:buNone/>
-            </a:pPr>
-            <a:r>
-              <a:rPr lang="es-PA" sz="1800" b="0" i="0" u="none" strike="noStrike" baseline="0" dirty="0">
-                <a:solidFill>
-                  <a:srgbClr val="000000"/>
-                </a:solidFill>
-                <a:latin typeface="Calibri" panose="020F0502020204030204" pitchFamily="34" charset="0"/>
-              </a:rPr>
-              <a:t>La empresa SIC-Panamá se encarga de transportar productos a nivel mundial, para dicha tarea emplea varios recursos administrativos los cuales han presentado inconvenientes después de la pandemia, estos inconvenientes se presentan a continuación.</a:t>
-            </a:r>
-            <a:endParaRPr dirty="0"/>
-          </a:p>
-        </p:txBody>
-      </p:sp>
-      <p:sp>
-        <p:nvSpPr>
-          <p:cNvPr id="88" name="Google Shape;88;p4"/>
-          <p:cNvSpPr txBox="1"/>
-          <p:nvPr/>
-        </p:nvSpPr>
-        <p:spPr>
-          <a:xfrm>
-            <a:off x="449467" y="307412"/>
-            <a:ext cx="8541187" cy="430887"/>
-          </a:xfrm>
-          <a:prstGeom prst="rect">
-            <a:avLst/>
-          </a:prstGeom>
-          <a:noFill/>
-          <a:ln>
-            <a:noFill/>
-          </a:ln>
-        </p:spPr>
-        <p:txBody>
-          <a:bodyPr spcFirstLastPara="1" wrap="square" lIns="0" tIns="0" rIns="0" bIns="0" anchor="t" anchorCtr="0">
-            <a:spAutoFit/>
-          </a:bodyPr>
-          <a:lstStyle/>
-          <a:p>
-            <a:pPr lvl="1">
-              <a:buClr>
-                <a:schemeClr val="lt1"/>
-              </a:buClr>
-              <a:buSzPts val="2800"/>
-            </a:pPr>
-            <a:r>
-              <a:rPr lang="en-US" sz="2800" dirty="0">
-                <a:solidFill>
-                  <a:schemeClr val="lt1"/>
-                </a:solidFill>
-              </a:rPr>
-              <a:t>HUNTER Chatbot</a:t>
-            </a:r>
-            <a:endParaRPr sz="2800" dirty="0">
-              <a:solidFill>
-                <a:schemeClr val="lt1"/>
-              </a:solidFill>
-              <a:latin typeface="Arial"/>
-              <a:ea typeface="Arial"/>
-              <a:cs typeface="Arial"/>
-              <a:sym typeface="Arial"/>
-            </a:endParaRPr>
-          </a:p>
-        </p:txBody>
-      </p:sp>
-    </p:spTree>
-    <p:custDataLst>
-      <p:tags r:id="rId1"/>
-    </p:custDataLst>
-  </p:cSld>
-  <p:clrMapOvr>
-    <a:masterClrMapping/>
-  </p:clrMapOvr>
-</p:sld>
-</file>
-
-<file path=ppt/slides/slide5.xml><?xml version="1.0" encoding="utf-8"?>
-<p:sld xmlns:a="http://schemas.openxmlformats.org/drawingml/2006/main" xmlns:r="http://schemas.openxmlformats.org/officeDocument/2006/relationships" xmlns:p="http://schemas.openxmlformats.org/presentationml/2006/main">
-  <p:cSld>
-    <p:spTree>
-      <p:nvGrpSpPr>
-        <p:cNvPr id="1" name="Shape 84"/>
-        <p:cNvGrpSpPr/>
-        <p:nvPr/>
-      </p:nvGrpSpPr>
-      <p:grpSpPr>
-        <a:xfrm>
-          <a:off x="0" y="0"/>
-          <a:ext cx="0" cy="0"/>
-          <a:chOff x="0" y="0"/>
-          <a:chExt cx="0" cy="0"/>
-        </a:xfrm>
-      </p:grpSpPr>
-      <p:sp>
-        <p:nvSpPr>
-          <p:cNvPr id="85" name="Google Shape;85;p4"/>
-          <p:cNvSpPr txBox="1">
-            <a:spLocks noGrp="1"/>
-          </p:cNvSpPr>
-          <p:nvPr>
-            <p:ph type="title"/>
-          </p:nvPr>
-        </p:nvSpPr>
-        <p:spPr>
-          <a:xfrm>
-            <a:off x="449468" y="1440000"/>
-            <a:ext cx="8541300" cy="369300"/>
-          </a:xfrm>
-          <a:prstGeom prst="rect">
-            <a:avLst/>
-          </a:prstGeom>
-          <a:noFill/>
-          <a:ln>
-            <a:noFill/>
-          </a:ln>
-        </p:spPr>
-        <p:txBody>
-          <a:bodyPr spcFirstLastPara="1" wrap="square" lIns="0" tIns="0" rIns="0" bIns="0" anchor="t" anchorCtr="0">
-            <a:spAutoFit/>
-          </a:bodyPr>
-          <a:lstStyle/>
-          <a:p>
-            <a:pPr marL="0" lvl="0" indent="0" algn="l" rtl="0">
-              <a:lnSpc>
-                <a:spcPct val="100000"/>
-              </a:lnSpc>
-              <a:spcBef>
-                <a:spcPts val="0"/>
-              </a:spcBef>
-              <a:spcAft>
-                <a:spcPts val="0"/>
-              </a:spcAft>
-              <a:buClr>
-                <a:srgbClr val="0C0C0C"/>
-              </a:buClr>
-              <a:buSzPts val="2400"/>
-              <a:buFont typeface="Arial"/>
-              <a:buNone/>
-            </a:pPr>
-            <a:r>
-              <a:rPr lang="en-US" sz="2400" b="1" dirty="0" err="1"/>
-              <a:t>Planteamiento</a:t>
-            </a:r>
-            <a:r>
-              <a:rPr lang="en-US" sz="2400" b="1" dirty="0"/>
-              <a:t> del </a:t>
-            </a:r>
-            <a:r>
-              <a:rPr lang="en-US" sz="2400" b="1" dirty="0" err="1"/>
-              <a:t>Problema</a:t>
-            </a:r>
-            <a:endParaRPr sz="2400" b="1" dirty="0"/>
-          </a:p>
-        </p:txBody>
-      </p:sp>
-      <p:sp>
-        <p:nvSpPr>
-          <p:cNvPr id="86" name="Google Shape;86;p4"/>
-          <p:cNvSpPr txBox="1">
-            <a:spLocks noGrp="1"/>
-          </p:cNvSpPr>
-          <p:nvPr>
-            <p:ph type="body" idx="5"/>
-          </p:nvPr>
-        </p:nvSpPr>
-        <p:spPr>
-          <a:xfrm>
-            <a:off x="522288" y="2221660"/>
-            <a:ext cx="8055439" cy="3750515"/>
-          </a:xfrm>
-          <a:prstGeom prst="rect">
-            <a:avLst/>
-          </a:prstGeom>
-          <a:noFill/>
-          <a:ln>
-            <a:noFill/>
-          </a:ln>
-        </p:spPr>
-        <p:txBody>
-          <a:bodyPr spcFirstLastPara="1" wrap="square" lIns="0" tIns="0" rIns="0" bIns="0" anchor="t" anchorCtr="0">
-            <a:noAutofit/>
-          </a:bodyPr>
-          <a:lstStyle/>
-          <a:p>
-            <a:pPr marL="177747" lvl="0" indent="-177747" algn="l" rtl="0">
-              <a:lnSpc>
-                <a:spcPct val="128571"/>
-              </a:lnSpc>
-              <a:spcBef>
-                <a:spcPts val="0"/>
-              </a:spcBef>
-              <a:spcAft>
-                <a:spcPts val="0"/>
-              </a:spcAft>
-              <a:buClr>
-                <a:srgbClr val="262626"/>
-              </a:buClr>
-              <a:buSzPts val="1470"/>
-              <a:buFont typeface="Arial"/>
-              <a:buChar char="•"/>
-            </a:pPr>
-            <a:r>
-              <a:rPr lang="es-PA" sz="1800" b="1" i="1" u="none" strike="noStrike" baseline="0" dirty="0">
-                <a:solidFill>
-                  <a:srgbClr val="000000"/>
-                </a:solidFill>
-                <a:latin typeface="Calibri" panose="020F0502020204030204" pitchFamily="34" charset="0"/>
-              </a:rPr>
-              <a:t>PR</a:t>
-            </a:r>
-            <a:r>
-              <a:rPr lang="es-PA" sz="1800" b="1" i="1" dirty="0">
-                <a:solidFill>
-                  <a:srgbClr val="000000"/>
-                </a:solidFill>
-                <a:latin typeface="Calibri" panose="020F0502020204030204" pitchFamily="34" charset="0"/>
-              </a:rPr>
-              <a:t>OBLEMA PRINCIPAL</a:t>
-            </a:r>
-          </a:p>
-          <a:p>
-            <a:pPr marL="135255" indent="0" algn="l">
-              <a:buNone/>
-            </a:pPr>
-            <a:r>
-              <a:rPr lang="es-PA" sz="1800" b="0" i="0" u="none" strike="noStrike" baseline="0" dirty="0">
-                <a:solidFill>
-                  <a:srgbClr val="000000"/>
-                </a:solidFill>
-                <a:latin typeface="Calibri" panose="020F0502020204030204" pitchFamily="34" charset="0"/>
-              </a:rPr>
-              <a:t>Dada la virtualidad impulsada por la pandemia la empresa ha enfocado sus esfuerzos en abrir nuevos canales de comunicación con sus potenciales clientes, para ello se requiere un sistema de comunicación 24/7 que permita gestionar las necesidades del cliente, el equipo de mercadotecnia solicita alguna innovación que permita al cliente escribir a la empresa para gestionar citas de asesoría, envío de paquetes, cotización de presupuestos, y cualquier otro factor que usted considere necesario para el enfoque de la compañía; esta innovación puede ser implementada en WhatsApp, Discord, Telegram, Instagram, web </a:t>
-            </a:r>
-            <a:r>
-              <a:rPr lang="es-PA" sz="1800" b="0" i="0" u="none" strike="noStrike" baseline="0" dirty="0" err="1">
-                <a:solidFill>
-                  <a:srgbClr val="000000"/>
-                </a:solidFill>
-                <a:latin typeface="Calibri" panose="020F0502020204030204" pitchFamily="34" charset="0"/>
-              </a:rPr>
-              <a:t>pages</a:t>
-            </a:r>
-            <a:r>
-              <a:rPr lang="es-PA" sz="1800" b="0" i="0" u="none" strike="noStrike" baseline="0" dirty="0">
-                <a:solidFill>
-                  <a:srgbClr val="000000"/>
-                </a:solidFill>
-                <a:latin typeface="Calibri" panose="020F0502020204030204" pitchFamily="34" charset="0"/>
-              </a:rPr>
-              <a:t> o cualquier otro medio de comunicación que sea propuesto. </a:t>
-            </a:r>
-          </a:p>
-          <a:p>
-            <a:pPr marL="177747" lvl="0" indent="-177747" algn="l" rtl="0">
-              <a:lnSpc>
-                <a:spcPct val="128571"/>
-              </a:lnSpc>
-              <a:spcBef>
-                <a:spcPts val="0"/>
-              </a:spcBef>
-              <a:spcAft>
-                <a:spcPts val="0"/>
-              </a:spcAft>
-              <a:buClr>
-                <a:srgbClr val="262626"/>
-              </a:buClr>
-              <a:buSzPts val="1470"/>
-              <a:buFont typeface="Arial"/>
-              <a:buChar char="•"/>
-            </a:pPr>
-            <a:endParaRPr lang="es-PA" dirty="0"/>
-          </a:p>
-        </p:txBody>
-      </p:sp>
-      <p:sp>
-        <p:nvSpPr>
-          <p:cNvPr id="88" name="Google Shape;88;p4"/>
-          <p:cNvSpPr txBox="1"/>
-          <p:nvPr/>
-        </p:nvSpPr>
-        <p:spPr>
-          <a:xfrm>
-            <a:off x="449467" y="307412"/>
-            <a:ext cx="8541187" cy="430887"/>
-          </a:xfrm>
-          <a:prstGeom prst="rect">
-            <a:avLst/>
-          </a:prstGeom>
-          <a:noFill/>
-          <a:ln>
-            <a:noFill/>
-          </a:ln>
-        </p:spPr>
-        <p:txBody>
-          <a:bodyPr spcFirstLastPara="1" wrap="square" lIns="0" tIns="0" rIns="0" bIns="0" anchor="t" anchorCtr="0">
-            <a:spAutoFit/>
-          </a:bodyPr>
-          <a:lstStyle/>
-          <a:p>
-            <a:pPr lvl="1">
-              <a:buClr>
-                <a:schemeClr val="lt1"/>
-              </a:buClr>
-              <a:buSzPts val="2800"/>
-            </a:pPr>
-            <a:r>
-              <a:rPr lang="en-US" sz="2800" dirty="0">
-                <a:solidFill>
-                  <a:schemeClr val="lt1"/>
-                </a:solidFill>
-              </a:rPr>
-              <a:t>HUNTER Chatbot</a:t>
-            </a:r>
-            <a:endParaRPr lang="en-US" sz="2800" dirty="0">
-              <a:solidFill>
-                <a:schemeClr val="lt1"/>
-              </a:solidFill>
-              <a:latin typeface="Arial"/>
-              <a:ea typeface="Arial"/>
-              <a:cs typeface="Arial"/>
-              <a:sym typeface="Arial"/>
-            </a:endParaRPr>
-          </a:p>
-        </p:txBody>
-      </p:sp>
-    </p:spTree>
-    <p:custDataLst>
-      <p:tags r:id="rId1"/>
-    </p:custDataLst>
-    <p:extLst>
-      <p:ext uri="{BB962C8B-B14F-4D97-AF65-F5344CB8AC3E}">
-        <p14:creationId xmlns:p14="http://schemas.microsoft.com/office/powerpoint/2010/main" val="2288924656"/>
-      </p:ext>
-    </p:extLst>
-  </p:cSld>
-  <p:clrMapOvr>
-    <a:masterClrMapping/>
-  </p:clrMapOvr>
-</p:sld>
-</file>
-
-<file path=ppt/slides/slide6.xml><?xml version="1.0" encoding="utf-8"?>
-<p:sld xmlns:a="http://schemas.openxmlformats.org/drawingml/2006/main" xmlns:r="http://schemas.openxmlformats.org/officeDocument/2006/relationships" xmlns:p="http://schemas.openxmlformats.org/presentationml/2006/main">
-  <p:cSld>
-    <p:spTree>
-      <p:nvGrpSpPr>
-        <p:cNvPr id="1" name="Shape 84"/>
-        <p:cNvGrpSpPr/>
-        <p:nvPr/>
-      </p:nvGrpSpPr>
-      <p:grpSpPr>
-        <a:xfrm>
-          <a:off x="0" y="0"/>
-          <a:ext cx="0" cy="0"/>
-          <a:chOff x="0" y="0"/>
-          <a:chExt cx="0" cy="0"/>
-        </a:xfrm>
-      </p:grpSpPr>
-      <p:sp>
-        <p:nvSpPr>
-          <p:cNvPr id="85" name="Google Shape;85;p4"/>
-          <p:cNvSpPr txBox="1">
-            <a:spLocks noGrp="1"/>
-          </p:cNvSpPr>
-          <p:nvPr>
-            <p:ph type="title"/>
-          </p:nvPr>
-        </p:nvSpPr>
-        <p:spPr>
-          <a:xfrm>
-            <a:off x="449468" y="1440000"/>
-            <a:ext cx="8541300" cy="369300"/>
-          </a:xfrm>
-          <a:prstGeom prst="rect">
-            <a:avLst/>
-          </a:prstGeom>
-          <a:noFill/>
-          <a:ln>
-            <a:noFill/>
-          </a:ln>
-        </p:spPr>
-        <p:txBody>
-          <a:bodyPr spcFirstLastPara="1" wrap="square" lIns="0" tIns="0" rIns="0" bIns="0" anchor="t" anchorCtr="0">
-            <a:spAutoFit/>
-          </a:bodyPr>
-          <a:lstStyle/>
-          <a:p>
-            <a:pPr marL="0" lvl="0" indent="0" algn="l" rtl="0">
-              <a:lnSpc>
-                <a:spcPct val="100000"/>
-              </a:lnSpc>
-              <a:spcBef>
-                <a:spcPts val="0"/>
-              </a:spcBef>
-              <a:spcAft>
-                <a:spcPts val="0"/>
-              </a:spcAft>
-              <a:buClr>
-                <a:srgbClr val="0C0C0C"/>
-              </a:buClr>
-              <a:buSzPts val="2400"/>
-              <a:buFont typeface="Arial"/>
-              <a:buNone/>
-            </a:pPr>
-            <a:r>
-              <a:rPr lang="en-US" sz="2400" b="1" dirty="0" err="1"/>
-              <a:t>Manejo</a:t>
-            </a:r>
-            <a:r>
-              <a:rPr lang="en-US" sz="2400" b="1" dirty="0"/>
-              <a:t> del </a:t>
-            </a:r>
-            <a:r>
-              <a:rPr lang="en-US" sz="2400" b="1" dirty="0" err="1"/>
-              <a:t>Problema</a:t>
-            </a:r>
-            <a:endParaRPr sz="2400" b="1" dirty="0"/>
-          </a:p>
-        </p:txBody>
-      </p:sp>
-      <p:sp>
-        <p:nvSpPr>
-          <p:cNvPr id="86" name="Google Shape;86;p4"/>
-          <p:cNvSpPr txBox="1">
-            <a:spLocks noGrp="1"/>
-          </p:cNvSpPr>
-          <p:nvPr>
-            <p:ph type="body" idx="5"/>
-          </p:nvPr>
-        </p:nvSpPr>
-        <p:spPr>
-          <a:xfrm>
-            <a:off x="522288" y="2221660"/>
-            <a:ext cx="8055439" cy="3912440"/>
-          </a:xfrm>
-          <a:prstGeom prst="rect">
-            <a:avLst/>
-          </a:prstGeom>
-          <a:noFill/>
-          <a:ln>
-            <a:noFill/>
-          </a:ln>
-        </p:spPr>
-        <p:txBody>
-          <a:bodyPr spcFirstLastPara="1" wrap="square" lIns="0" tIns="0" rIns="0" bIns="0" anchor="t" anchorCtr="0">
-            <a:noAutofit/>
-          </a:bodyPr>
-          <a:lstStyle/>
-          <a:p>
-            <a:pPr marL="177747" lvl="0" indent="-177747" algn="l" rtl="0">
-              <a:lnSpc>
-                <a:spcPct val="128571"/>
-              </a:lnSpc>
-              <a:spcBef>
-                <a:spcPts val="0"/>
-              </a:spcBef>
-              <a:spcAft>
-                <a:spcPts val="0"/>
-              </a:spcAft>
-              <a:buClr>
-                <a:srgbClr val="262626"/>
-              </a:buClr>
-              <a:buSzPts val="1470"/>
-              <a:buFont typeface="Arial"/>
-              <a:buChar char="•"/>
-            </a:pPr>
-            <a:r>
-              <a:rPr lang="es-PA" sz="1800" b="1" i="1" u="none" strike="noStrike" baseline="0" dirty="0">
-                <a:solidFill>
-                  <a:srgbClr val="000000"/>
-                </a:solidFill>
-                <a:latin typeface="Calibri" panose="020F0502020204030204" pitchFamily="34" charset="0"/>
-              </a:rPr>
-              <a:t>SOLUCION</a:t>
-            </a:r>
-            <a:endParaRPr lang="es-PA" sz="1800" b="1" i="1" dirty="0">
-              <a:solidFill>
-                <a:srgbClr val="000000"/>
-              </a:solidFill>
-              <a:latin typeface="Calibri" panose="020F0502020204030204" pitchFamily="34" charset="0"/>
-            </a:endParaRPr>
-          </a:p>
-          <a:p>
-            <a:pPr marL="135255" indent="0" algn="l">
-              <a:buNone/>
-            </a:pPr>
-            <a:r>
-              <a:rPr lang="es-PA" sz="1800" b="0" i="0" u="none" strike="noStrike" baseline="0" dirty="0">
-                <a:solidFill>
-                  <a:srgbClr val="000000"/>
-                </a:solidFill>
-                <a:latin typeface="Calibri" panose="020F0502020204030204" pitchFamily="34" charset="0"/>
-              </a:rPr>
-              <a:t>Implementación de un sistema digital de soporte al usuario mediante el uso de un Chatbot el cual puede dar información a cerca de la                                                                                              situación actual de los paquetes que han sido enviados                                                                  o esperan ser recibidos en distintas zonas del país de                                                              manera casi instantánea. </a:t>
-            </a:r>
-          </a:p>
-          <a:p>
-            <a:pPr marL="177747" lvl="0" indent="-177747" algn="l" rtl="0">
-              <a:lnSpc>
-                <a:spcPct val="128571"/>
-              </a:lnSpc>
-              <a:spcBef>
-                <a:spcPts val="0"/>
-              </a:spcBef>
-              <a:spcAft>
-                <a:spcPts val="0"/>
-              </a:spcAft>
-              <a:buClr>
-                <a:srgbClr val="262626"/>
-              </a:buClr>
-              <a:buSzPts val="1470"/>
-              <a:buFont typeface="Arial"/>
-              <a:buChar char="•"/>
-            </a:pPr>
-            <a:endParaRPr lang="es-PA" dirty="0"/>
-          </a:p>
-        </p:txBody>
-      </p:sp>
-      <p:sp>
-        <p:nvSpPr>
-          <p:cNvPr id="88" name="Google Shape;88;p4"/>
-          <p:cNvSpPr txBox="1"/>
-          <p:nvPr/>
-        </p:nvSpPr>
-        <p:spPr>
-          <a:xfrm>
-            <a:off x="449467" y="307412"/>
-            <a:ext cx="8541187" cy="430887"/>
-          </a:xfrm>
-          <a:prstGeom prst="rect">
-            <a:avLst/>
-          </a:prstGeom>
-          <a:noFill/>
-          <a:ln>
-            <a:noFill/>
-          </a:ln>
-        </p:spPr>
-        <p:txBody>
-          <a:bodyPr spcFirstLastPara="1" wrap="square" lIns="0" tIns="0" rIns="0" bIns="0" anchor="t" anchorCtr="0">
-            <a:spAutoFit/>
-          </a:bodyPr>
-          <a:lstStyle/>
-          <a:p>
-            <a:pPr lvl="1">
-              <a:buClr>
-                <a:schemeClr val="lt1"/>
-              </a:buClr>
-              <a:buSzPts val="2800"/>
-            </a:pPr>
-            <a:r>
-              <a:rPr lang="en-US" sz="2800" dirty="0">
-                <a:solidFill>
-                  <a:schemeClr val="lt1"/>
-                </a:solidFill>
-              </a:rPr>
-              <a:t>HUNTER Chatbot</a:t>
-            </a:r>
-            <a:endParaRPr lang="en-US" sz="2800" dirty="0">
-              <a:solidFill>
-                <a:schemeClr val="lt1"/>
-              </a:solidFill>
-              <a:latin typeface="Arial"/>
-              <a:ea typeface="Arial"/>
-              <a:cs typeface="Arial"/>
-              <a:sym typeface="Arial"/>
-            </a:endParaRPr>
-          </a:p>
-        </p:txBody>
-      </p:sp>
-      <p:pic>
-        <p:nvPicPr>
-          <p:cNvPr id="1026" name="Picture 2" descr="Chatbot híbrido: características y ventajas - Centribal">
-            <a:extLst>
-              <a:ext uri="{FF2B5EF4-FFF2-40B4-BE49-F238E27FC236}">
-                <a16:creationId xmlns:a16="http://schemas.microsoft.com/office/drawing/2014/main" id="{9C4C2DDD-8DDC-4CA3-84CE-031C9B9B469B}"/>
-              </a:ext>
-            </a:extLst>
-          </p:cNvPr>
-          <p:cNvPicPr>
-            <a:picLocks noChangeAspect="1" noChangeArrowheads="1"/>
-          </p:cNvPicPr>
-          <p:nvPr/>
-        </p:nvPicPr>
-        <p:blipFill>
-          <a:blip r:embed="rId4">
-            <a:extLst>
-              <a:ext uri="{28A0092B-C50C-407E-A947-70E740481C1C}">
-                <a14:useLocalDpi xmlns:a14="http://schemas.microsoft.com/office/drawing/2010/main" val="0"/>
-              </a:ext>
-            </a:extLst>
-          </a:blip>
-          <a:srcRect/>
-          <a:stretch>
-            <a:fillRect/>
-          </a:stretch>
-        </p:blipFill>
-        <p:spPr bwMode="auto">
-          <a:xfrm>
-            <a:off x="6052736" y="3294436"/>
-            <a:ext cx="2937918" cy="1957388"/>
-          </a:xfrm>
-          <a:prstGeom prst="roundRect">
-            <a:avLst>
-              <a:gd name="adj" fmla="val 16667"/>
-            </a:avLst>
-          </a:prstGeom>
-          <a:ln>
-            <a:noFill/>
-          </a:ln>
-          <a:effectLst>
-            <a:outerShdw blurRad="76200" dist="38100" dir="7800000" algn="tl" rotWithShape="0">
-              <a:srgbClr val="000000">
-                <a:alpha val="40000"/>
-              </a:srgbClr>
-            </a:outerShdw>
-          </a:effectLst>
-          <a:scene3d>
-            <a:camera prst="orthographicFront"/>
-            <a:lightRig rig="contrasting" dir="t">
-              <a:rot lat="0" lon="0" rev="4200000"/>
-            </a:lightRig>
-          </a:scene3d>
-          <a:sp3d prstMaterial="plastic">
-            <a:bevelT w="381000" h="114300" prst="relaxedInset"/>
-            <a:contourClr>
-              <a:srgbClr val="969696"/>
-            </a:contourClr>
-          </a:sp3d>
-          <a:extLst>
-            <a:ext uri="{909E8E84-426E-40DD-AFC4-6F175D3DCCD1}">
-              <a14:hiddenFill xmlns:a14="http://schemas.microsoft.com/office/drawing/2010/main">
-                <a:solidFill>
-                  <a:srgbClr val="FFFFFF"/>
-                </a:solidFill>
-              </a14:hiddenFill>
-            </a:ext>
-          </a:extLst>
-        </p:spPr>
-      </p:pic>
-    </p:spTree>
-    <p:custDataLst>
-      <p:tags r:id="rId1"/>
-    </p:custDataLst>
-    <p:extLst>
-      <p:ext uri="{BB962C8B-B14F-4D97-AF65-F5344CB8AC3E}">
-        <p14:creationId xmlns:p14="http://schemas.microsoft.com/office/powerpoint/2010/main" val="562960438"/>
-      </p:ext>
-    </p:extLst>
-  </p:cSld>
-  <p:clrMapOvr>
-    <a:masterClrMapping/>
-  </p:clrMapOvr>
-</p:sld>
-</file>
-
-<file path=ppt/slides/slide7.xml><?xml version="1.0" encoding="utf-8"?>
-<p:sld xmlns:a="http://schemas.openxmlformats.org/drawingml/2006/main" xmlns:r="http://schemas.openxmlformats.org/officeDocument/2006/relationships" xmlns:p="http://schemas.openxmlformats.org/presentationml/2006/main">
-  <p:cSld>
-    <p:spTree>
-      <p:nvGrpSpPr>
-        <p:cNvPr id="1" name="Shape 84"/>
-        <p:cNvGrpSpPr/>
-        <p:nvPr/>
-      </p:nvGrpSpPr>
-      <p:grpSpPr>
-        <a:xfrm>
-          <a:off x="0" y="0"/>
-          <a:ext cx="0" cy="0"/>
-          <a:chOff x="0" y="0"/>
-          <a:chExt cx="0" cy="0"/>
-        </a:xfrm>
-      </p:grpSpPr>
-      <p:sp>
-        <p:nvSpPr>
-          <p:cNvPr id="85" name="Google Shape;85;p4"/>
-          <p:cNvSpPr txBox="1">
-            <a:spLocks noGrp="1"/>
-          </p:cNvSpPr>
-          <p:nvPr>
-            <p:ph type="title"/>
-          </p:nvPr>
-        </p:nvSpPr>
-        <p:spPr>
-          <a:xfrm>
-            <a:off x="449468" y="1440000"/>
-            <a:ext cx="8541300" cy="369300"/>
-          </a:xfrm>
-          <a:prstGeom prst="rect">
-            <a:avLst/>
-          </a:prstGeom>
-          <a:noFill/>
-          <a:ln>
-            <a:noFill/>
-          </a:ln>
-        </p:spPr>
-        <p:txBody>
-          <a:bodyPr spcFirstLastPara="1" wrap="square" lIns="0" tIns="0" rIns="0" bIns="0" anchor="t" anchorCtr="0">
-            <a:spAutoFit/>
-          </a:bodyPr>
-          <a:lstStyle/>
-          <a:p>
-            <a:pPr marL="0" lvl="0" indent="0" algn="l" rtl="0">
-              <a:lnSpc>
-                <a:spcPct val="100000"/>
-              </a:lnSpc>
-              <a:spcBef>
-                <a:spcPts val="0"/>
-              </a:spcBef>
-              <a:spcAft>
-                <a:spcPts val="0"/>
-              </a:spcAft>
-              <a:buClr>
-                <a:srgbClr val="0C0C0C"/>
-              </a:buClr>
-              <a:buSzPts val="2400"/>
-              <a:buFont typeface="Arial"/>
-              <a:buNone/>
-            </a:pPr>
-            <a:r>
               <a:rPr lang="en-US" sz="2400" b="1" dirty="0"/>
               <a:t>HUNTER Chatbot</a:t>
             </a:r>
@@ -10372,7 +14234,8 @@
                 <a:solidFill>
                   <a:srgbClr val="000000"/>
                 </a:solidFill>
-                <a:latin typeface="Calibri" panose="020F0502020204030204" pitchFamily="34" charset="0"/>
+                <a:latin typeface="Arial" panose="020B0604020202020204" pitchFamily="34" charset="0"/>
+                <a:cs typeface="Arial" panose="020B0604020202020204" pitchFamily="34" charset="0"/>
               </a:rPr>
               <a:t>HUNTER </a:t>
             </a:r>
@@ -10380,11 +14243,12 @@
               <a:solidFill>
                 <a:srgbClr val="000000"/>
               </a:solidFill>
-              <a:latin typeface="Calibri" panose="020F0502020204030204" pitchFamily="34" charset="0"/>
+              <a:latin typeface="Arial" panose="020B0604020202020204" pitchFamily="34" charset="0"/>
+              <a:cs typeface="Arial" panose="020B0604020202020204" pitchFamily="34" charset="0"/>
             </a:endParaRPr>
           </a:p>
           <a:p>
-            <a:pPr marL="135255" indent="0" algn="l">
+            <a:pPr marL="135255" indent="0" algn="just">
               <a:buNone/>
             </a:pPr>
             <a:r>
@@ -10392,7 +14256,8 @@
                 <a:solidFill>
                   <a:srgbClr val="000000"/>
                 </a:solidFill>
-                <a:latin typeface="Calibri" panose="020F0502020204030204" pitchFamily="34" charset="0"/>
+                <a:latin typeface="Arial" panose="020B0604020202020204" pitchFamily="34" charset="0"/>
+                <a:cs typeface="Arial" panose="020B0604020202020204" pitchFamily="34" charset="0"/>
               </a:rPr>
               <a:t>HUNTER es un Chatbot basado en el lenguaje de programación PYTHON, el cual ayuda al usuario a conocer el estado de su envío, los sitios donde lo puede recoger y los horarios de atención de esos sitios.</a:t>
             </a:r>
@@ -10507,7 +14372,7 @@
 </p:sld>
 </file>
 
-<file path=ppt/slides/slide8.xml><?xml version="1.0" encoding="utf-8"?>
+<file path=ppt/slides/slide9.xml><?xml version="1.0" encoding="utf-8"?>
 <p:sld xmlns:a="http://schemas.openxmlformats.org/drawingml/2006/main" xmlns:r="http://schemas.openxmlformats.org/officeDocument/2006/relationships" xmlns:p="http://schemas.openxmlformats.org/presentationml/2006/main">
   <p:cSld>
     <p:spTree>
@@ -10750,34 +14615,6 @@
 </p:sld>
 </file>
 
-<file path=ppt/slides/slide9.xml><?xml version="1.0" encoding="utf-8"?>
-<p:sld xmlns:a="http://schemas.openxmlformats.org/drawingml/2006/main" xmlns:r="http://schemas.openxmlformats.org/officeDocument/2006/relationships" xmlns:p="http://schemas.openxmlformats.org/presentationml/2006/main">
-  <p:cSld>
-    <p:spTree>
-      <p:nvGrpSpPr>
-        <p:cNvPr id="1" name="Shape 92"/>
-        <p:cNvGrpSpPr/>
-        <p:nvPr/>
-      </p:nvGrpSpPr>
-      <p:grpSpPr>
-        <a:xfrm>
-          <a:off x="0" y="0"/>
-          <a:ext cx="0" cy="0"/>
-          <a:chOff x="0" y="0"/>
-          <a:chExt cx="0" cy="0"/>
-        </a:xfrm>
-      </p:grpSpPr>
-    </p:spTree>
-    <p:custDataLst>
-      <p:tags r:id="rId1"/>
-    </p:custDataLst>
-  </p:cSld>
-  <p:clrMapOvr>
-    <a:masterClrMapping/>
-  </p:clrMapOvr>
-</p:sld>
-</file>
-
 <file path=ppt/tags/tag1.xml><?xml version="1.0" encoding="utf-8"?>
 <p:tagLst xmlns:a="http://schemas.openxmlformats.org/drawingml/2006/main" xmlns:r="http://schemas.openxmlformats.org/officeDocument/2006/relationships" xmlns:p="http://schemas.openxmlformats.org/presentationml/2006/main">
   <p:tag name="ISPRING_PRESENTATION_COURSE_TITLE" val="PLANTILLA PARA PRESENTACION DEL PROYECTO"/>
@@ -10802,6 +14639,12 @@
 
 <file path=ppt/tags/tag10.xml><?xml version="1.0" encoding="utf-8"?>
 <p:tagLst xmlns:a="http://schemas.openxmlformats.org/drawingml/2006/main" xmlns:r="http://schemas.openxmlformats.org/officeDocument/2006/relationships" xmlns:p="http://schemas.openxmlformats.org/presentationml/2006/main">
+  <p:tag name="GENSWF_SLIDE_UID" val="{25D0D7AF-CD1D-4B22-B9FB-FEB2F16ED37B}:259"/>
+</p:tagLst>
+</file>
+
+<file path=ppt/tags/tag11.xml><?xml version="1.0" encoding="utf-8"?>
+<p:tagLst xmlns:a="http://schemas.openxmlformats.org/drawingml/2006/main" xmlns:r="http://schemas.openxmlformats.org/officeDocument/2006/relationships" xmlns:p="http://schemas.openxmlformats.org/presentationml/2006/main">
   <p:tag name="GENSWF_SLIDE_UID" val="{0F8749A0-28C9-4539-9208-597D833BCFDC}:260"/>
 </p:tagLst>
 </file>
@@ -10814,13 +14657,13 @@
 
 <file path=ppt/tags/tag3.xml><?xml version="1.0" encoding="utf-8"?>
 <p:tagLst xmlns:a="http://schemas.openxmlformats.org/drawingml/2006/main" xmlns:r="http://schemas.openxmlformats.org/officeDocument/2006/relationships" xmlns:p="http://schemas.openxmlformats.org/presentationml/2006/main">
-  <p:tag name="GENSWF_SLIDE_UID" val="{875FCD4C-21D1-40F8-AE74-0E6331AD3514}:257"/>
+  <p:tag name="GENSWF_SLIDE_UID" val="{D64D573C-6EAB-4E20-91DB-702E2CBC137C}:258"/>
 </p:tagLst>
 </file>
 
 <file path=ppt/tags/tag4.xml><?xml version="1.0" encoding="utf-8"?>
 <p:tagLst xmlns:a="http://schemas.openxmlformats.org/drawingml/2006/main" xmlns:r="http://schemas.openxmlformats.org/officeDocument/2006/relationships" xmlns:p="http://schemas.openxmlformats.org/presentationml/2006/main">
-  <p:tag name="GENSWF_SLIDE_UID" val="{D64D573C-6EAB-4E20-91DB-702E2CBC137C}:258"/>
+  <p:tag name="GENSWF_SLIDE_UID" val="{25D0D7AF-CD1D-4B22-B9FB-FEB2F16ED37B}:259"/>
 </p:tagLst>
 </file>
 
@@ -10832,7 +14675,7 @@
 
 <file path=ppt/tags/tag6.xml><?xml version="1.0" encoding="utf-8"?>
 <p:tagLst xmlns:a="http://schemas.openxmlformats.org/drawingml/2006/main" xmlns:r="http://schemas.openxmlformats.org/officeDocument/2006/relationships" xmlns:p="http://schemas.openxmlformats.org/presentationml/2006/main">
-  <p:tag name="GENSWF_SLIDE_UID" val="{25D0D7AF-CD1D-4B22-B9FB-FEB2F16ED37B}:259"/>
+  <p:tag name="GENSWF_SLIDE_UID" val="{875FCD4C-21D1-40F8-AE74-0E6331AD3514}:257"/>
 </p:tagLst>
 </file>
 
